--- a/pp/폴짝폴짝.pptx
+++ b/pp/폴짝폴짝.pptx
@@ -5,12 +5,14 @@
     <p:sldMasterId id="2147483648" r:id="rId1"/>
   </p:sldMasterIdLst>
   <p:notesMasterIdLst>
-    <p:notesMasterId r:id="rId5"/>
+    <p:notesMasterId r:id="rId7"/>
   </p:notesMasterIdLst>
   <p:sldIdLst>
     <p:sldId id="256" r:id="rId2"/>
     <p:sldId id="258" r:id="rId3"/>
-    <p:sldId id="257" r:id="rId4"/>
+    <p:sldId id="259" r:id="rId4"/>
+    <p:sldId id="260" r:id="rId5"/>
+    <p:sldId id="257" r:id="rId6"/>
   </p:sldIdLst>
   <p:sldSz cx="12192000" cy="6858000"/>
   <p:notesSz cx="6858000" cy="9144000"/>
@@ -199,7 +201,7 @@
           <a:p>
             <a:fld id="{9408E2CA-2053-4D69-9973-4C34A817028B}" type="datetimeFigureOut">
               <a:rPr lang="ko-KR" altLang="en-US" smtClean="0"/>
-              <a:t>2021-11-06</a:t>
+              <a:t>2021-11-07</a:t>
             </a:fld>
             <a:endParaRPr lang="ko-KR" altLang="en-US"/>
           </a:p>
@@ -598,7 +600,7 @@
           <a:p>
             <a:fld id="{A6F4981C-597C-498E-8703-BA217E71E850}" type="datetimeFigureOut">
               <a:rPr lang="ko-KR" altLang="en-US" smtClean="0"/>
-              <a:t>2021-11-06</a:t>
+              <a:t>2021-11-07</a:t>
             </a:fld>
             <a:endParaRPr lang="ko-KR" altLang="en-US"/>
           </a:p>
@@ -768,7 +770,7 @@
           <a:p>
             <a:fld id="{A6F4981C-597C-498E-8703-BA217E71E850}" type="datetimeFigureOut">
               <a:rPr lang="ko-KR" altLang="en-US" smtClean="0"/>
-              <a:t>2021-11-06</a:t>
+              <a:t>2021-11-07</a:t>
             </a:fld>
             <a:endParaRPr lang="ko-KR" altLang="en-US"/>
           </a:p>
@@ -948,7 +950,7 @@
           <a:p>
             <a:fld id="{A6F4981C-597C-498E-8703-BA217E71E850}" type="datetimeFigureOut">
               <a:rPr lang="ko-KR" altLang="en-US" smtClean="0"/>
-              <a:t>2021-11-06</a:t>
+              <a:t>2021-11-07</a:t>
             </a:fld>
             <a:endParaRPr lang="ko-KR" altLang="en-US"/>
           </a:p>
@@ -1118,7 +1120,7 @@
           <a:p>
             <a:fld id="{A6F4981C-597C-498E-8703-BA217E71E850}" type="datetimeFigureOut">
               <a:rPr lang="ko-KR" altLang="en-US" smtClean="0"/>
-              <a:t>2021-11-06</a:t>
+              <a:t>2021-11-07</a:t>
             </a:fld>
             <a:endParaRPr lang="ko-KR" altLang="en-US"/>
           </a:p>
@@ -1364,7 +1366,7 @@
           <a:p>
             <a:fld id="{A6F4981C-597C-498E-8703-BA217E71E850}" type="datetimeFigureOut">
               <a:rPr lang="ko-KR" altLang="en-US" smtClean="0"/>
-              <a:t>2021-11-06</a:t>
+              <a:t>2021-11-07</a:t>
             </a:fld>
             <a:endParaRPr lang="ko-KR" altLang="en-US"/>
           </a:p>
@@ -1596,7 +1598,7 @@
           <a:p>
             <a:fld id="{A6F4981C-597C-498E-8703-BA217E71E850}" type="datetimeFigureOut">
               <a:rPr lang="ko-KR" altLang="en-US" smtClean="0"/>
-              <a:t>2021-11-06</a:t>
+              <a:t>2021-11-07</a:t>
             </a:fld>
             <a:endParaRPr lang="ko-KR" altLang="en-US"/>
           </a:p>
@@ -1963,7 +1965,7 @@
           <a:p>
             <a:fld id="{A6F4981C-597C-498E-8703-BA217E71E850}" type="datetimeFigureOut">
               <a:rPr lang="ko-KR" altLang="en-US" smtClean="0"/>
-              <a:t>2021-11-06</a:t>
+              <a:t>2021-11-07</a:t>
             </a:fld>
             <a:endParaRPr lang="ko-KR" altLang="en-US"/>
           </a:p>
@@ -2081,7 +2083,7 @@
           <a:p>
             <a:fld id="{A6F4981C-597C-498E-8703-BA217E71E850}" type="datetimeFigureOut">
               <a:rPr lang="ko-KR" altLang="en-US" smtClean="0"/>
-              <a:t>2021-11-06</a:t>
+              <a:t>2021-11-07</a:t>
             </a:fld>
             <a:endParaRPr lang="ko-KR" altLang="en-US"/>
           </a:p>
@@ -2176,7 +2178,7 @@
           <a:p>
             <a:fld id="{A6F4981C-597C-498E-8703-BA217E71E850}" type="datetimeFigureOut">
               <a:rPr lang="ko-KR" altLang="en-US" smtClean="0"/>
-              <a:t>2021-11-06</a:t>
+              <a:t>2021-11-07</a:t>
             </a:fld>
             <a:endParaRPr lang="ko-KR" altLang="en-US"/>
           </a:p>
@@ -2453,7 +2455,7 @@
           <a:p>
             <a:fld id="{A6F4981C-597C-498E-8703-BA217E71E850}" type="datetimeFigureOut">
               <a:rPr lang="ko-KR" altLang="en-US" smtClean="0"/>
-              <a:t>2021-11-06</a:t>
+              <a:t>2021-11-07</a:t>
             </a:fld>
             <a:endParaRPr lang="ko-KR" altLang="en-US"/>
           </a:p>
@@ -2706,7 +2708,7 @@
           <a:p>
             <a:fld id="{A6F4981C-597C-498E-8703-BA217E71E850}" type="datetimeFigureOut">
               <a:rPr lang="ko-KR" altLang="en-US" smtClean="0"/>
-              <a:t>2021-11-06</a:t>
+              <a:t>2021-11-07</a:t>
             </a:fld>
             <a:endParaRPr lang="ko-KR" altLang="en-US"/>
           </a:p>
@@ -2919,7 +2921,7 @@
           <a:p>
             <a:fld id="{A6F4981C-597C-498E-8703-BA217E71E850}" type="datetimeFigureOut">
               <a:rPr lang="ko-KR" altLang="en-US" smtClean="0"/>
-              <a:t>2021-11-06</a:t>
+              <a:t>2021-11-07</a:t>
             </a:fld>
             <a:endParaRPr lang="ko-KR" altLang="en-US"/>
           </a:p>
@@ -7521,746 +7523,6 @@
           </a:fontRef>
         </p:style>
       </p:cxnSp>
-      <p:sp>
-        <p:nvSpPr>
-          <p:cNvPr id="52" name="직사각형 51"/>
-          <p:cNvSpPr/>
-          <p:nvPr/>
-        </p:nvSpPr>
-        <p:spPr>
-          <a:xfrm>
-            <a:off x="9226812" y="2478243"/>
-            <a:ext cx="6096000" cy="5262979"/>
-          </a:xfrm>
-          <a:prstGeom prst="rect">
-            <a:avLst/>
-          </a:prstGeom>
-        </p:spPr>
-        <p:txBody>
-          <a:bodyPr>
-            <a:spAutoFit/>
-          </a:bodyPr>
-          <a:lstStyle/>
-          <a:p>
-            <a:r>
-              <a:rPr lang="ko-KR" altLang="en-US" sz="800" dirty="0" err="1" smtClean="0"/>
-              <a:t>import</a:t>
-            </a:r>
-            <a:r>
-              <a:rPr lang="ko-KR" altLang="en-US" sz="800" dirty="0" smtClean="0"/>
-              <a:t> </a:t>
-            </a:r>
-            <a:r>
-              <a:rPr lang="ko-KR" altLang="en-US" sz="800" dirty="0" err="1" smtClean="0"/>
-              <a:t>sys</a:t>
-            </a:r>
-            <a:endParaRPr lang="ko-KR" altLang="en-US" sz="800" dirty="0" smtClean="0"/>
-          </a:p>
-          <a:p>
-            <a:r>
-              <a:rPr lang="ko-KR" altLang="en-US" sz="800" dirty="0" err="1" smtClean="0"/>
-              <a:t>from</a:t>
-            </a:r>
-            <a:r>
-              <a:rPr lang="ko-KR" altLang="en-US" sz="800" dirty="0" smtClean="0"/>
-              <a:t> </a:t>
-            </a:r>
-            <a:r>
-              <a:rPr lang="ko-KR" altLang="en-US" sz="800" dirty="0" err="1" smtClean="0"/>
-              <a:t>collections</a:t>
-            </a:r>
-            <a:r>
-              <a:rPr lang="ko-KR" altLang="en-US" sz="800" dirty="0" smtClean="0"/>
-              <a:t> </a:t>
-            </a:r>
-            <a:r>
-              <a:rPr lang="ko-KR" altLang="en-US" sz="800" dirty="0" err="1" smtClean="0"/>
-              <a:t>import</a:t>
-            </a:r>
-            <a:r>
-              <a:rPr lang="ko-KR" altLang="en-US" sz="800" dirty="0" smtClean="0"/>
-              <a:t> </a:t>
-            </a:r>
-            <a:r>
-              <a:rPr lang="ko-KR" altLang="en-US" sz="800" dirty="0" err="1" smtClean="0"/>
-              <a:t>deque</a:t>
-            </a:r>
-            <a:endParaRPr lang="ko-KR" altLang="en-US" sz="800" dirty="0" smtClean="0"/>
-          </a:p>
-          <a:p>
-            <a:endParaRPr lang="ko-KR" altLang="en-US" sz="800" dirty="0" smtClean="0"/>
-          </a:p>
-          <a:p>
-            <a:r>
-              <a:rPr lang="ko-KR" altLang="en-US" sz="800" dirty="0" err="1" smtClean="0"/>
-              <a:t>def</a:t>
-            </a:r>
-            <a:r>
-              <a:rPr lang="ko-KR" altLang="en-US" sz="800" dirty="0" smtClean="0"/>
-              <a:t> BFS(</a:t>
-            </a:r>
-            <a:r>
-              <a:rPr lang="ko-KR" altLang="en-US" sz="800" dirty="0" err="1" smtClean="0"/>
-              <a:t>start</a:t>
-            </a:r>
-            <a:r>
-              <a:rPr lang="ko-KR" altLang="en-US" sz="800" dirty="0" smtClean="0"/>
-              <a:t>, </a:t>
-            </a:r>
-            <a:r>
-              <a:rPr lang="ko-KR" altLang="en-US" sz="800" dirty="0" err="1" smtClean="0"/>
-              <a:t>end</a:t>
-            </a:r>
-            <a:r>
-              <a:rPr lang="ko-KR" altLang="en-US" sz="800" dirty="0" smtClean="0"/>
-              <a:t>):</a:t>
-            </a:r>
-          </a:p>
-          <a:p>
-            <a:r>
-              <a:rPr lang="ko-KR" altLang="en-US" sz="800" dirty="0" smtClean="0"/>
-              <a:t>    </a:t>
-            </a:r>
-            <a:r>
-              <a:rPr lang="ko-KR" altLang="en-US" sz="800" dirty="0" err="1" smtClean="0"/>
-              <a:t>q</a:t>
-            </a:r>
-            <a:r>
-              <a:rPr lang="ko-KR" altLang="en-US" sz="800" dirty="0" smtClean="0"/>
-              <a:t> = </a:t>
-            </a:r>
-            <a:r>
-              <a:rPr lang="ko-KR" altLang="en-US" sz="800" dirty="0" err="1" smtClean="0"/>
-              <a:t>deque</a:t>
-            </a:r>
-            <a:r>
-              <a:rPr lang="ko-KR" altLang="en-US" sz="800" dirty="0" smtClean="0"/>
-              <a:t>() </a:t>
-            </a:r>
-          </a:p>
-          <a:p>
-            <a:r>
-              <a:rPr lang="ko-KR" altLang="en-US" sz="800" dirty="0" smtClean="0"/>
-              <a:t>    </a:t>
-            </a:r>
-            <a:r>
-              <a:rPr lang="ko-KR" altLang="en-US" sz="800" dirty="0" err="1" smtClean="0"/>
-              <a:t>visited</a:t>
-            </a:r>
-            <a:r>
-              <a:rPr lang="ko-KR" altLang="en-US" sz="800" dirty="0" smtClean="0"/>
-              <a:t>[</a:t>
-            </a:r>
-            <a:r>
-              <a:rPr lang="ko-KR" altLang="en-US" sz="800" dirty="0" err="1" smtClean="0"/>
-              <a:t>start</a:t>
-            </a:r>
-            <a:r>
-              <a:rPr lang="ko-KR" altLang="en-US" sz="800" dirty="0" smtClean="0"/>
-              <a:t>] = </a:t>
-            </a:r>
-            <a:r>
-              <a:rPr lang="ko-KR" altLang="en-US" sz="800" dirty="0" err="1" smtClean="0"/>
-              <a:t>True</a:t>
-            </a:r>
-            <a:endParaRPr lang="ko-KR" altLang="en-US" sz="800" dirty="0" smtClean="0"/>
-          </a:p>
-          <a:p>
-            <a:r>
-              <a:rPr lang="ko-KR" altLang="en-US" sz="800" dirty="0" smtClean="0"/>
-              <a:t>    </a:t>
-            </a:r>
-            <a:r>
-              <a:rPr lang="ko-KR" altLang="en-US" sz="800" dirty="0" err="1" smtClean="0"/>
-              <a:t>q.append</a:t>
-            </a:r>
-            <a:r>
-              <a:rPr lang="en-US" altLang="ko-KR" sz="800" dirty="0" smtClean="0"/>
-              <a:t>((</a:t>
-            </a:r>
-            <a:r>
-              <a:rPr lang="ko-KR" altLang="en-US" sz="800" dirty="0" smtClean="0"/>
-              <a:t>start,0))</a:t>
-            </a:r>
-          </a:p>
-          <a:p>
-            <a:endParaRPr lang="ko-KR" altLang="en-US" sz="800" dirty="0" smtClean="0"/>
-          </a:p>
-          <a:p>
-            <a:r>
-              <a:rPr lang="ko-KR" altLang="en-US" sz="800" dirty="0" smtClean="0"/>
-              <a:t>    </a:t>
-            </a:r>
-            <a:r>
-              <a:rPr lang="ko-KR" altLang="en-US" sz="800" dirty="0" err="1" smtClean="0"/>
-              <a:t>while</a:t>
-            </a:r>
-            <a:r>
-              <a:rPr lang="ko-KR" altLang="en-US" sz="800" dirty="0" smtClean="0"/>
-              <a:t> q:</a:t>
-            </a:r>
-          </a:p>
-          <a:p>
-            <a:r>
-              <a:rPr lang="ko-KR" altLang="en-US" sz="800" dirty="0" smtClean="0"/>
-              <a:t>        </a:t>
-            </a:r>
-            <a:r>
-              <a:rPr lang="ko-KR" altLang="en-US" sz="800" dirty="0" err="1" smtClean="0"/>
-              <a:t>now</a:t>
-            </a:r>
-            <a:r>
-              <a:rPr lang="ko-KR" altLang="en-US" sz="800" dirty="0" smtClean="0"/>
-              <a:t>, </a:t>
-            </a:r>
-            <a:r>
-              <a:rPr lang="ko-KR" altLang="en-US" sz="800" dirty="0" err="1" smtClean="0"/>
-              <a:t>cnt</a:t>
-            </a:r>
-            <a:r>
-              <a:rPr lang="ko-KR" altLang="en-US" sz="800" dirty="0" smtClean="0"/>
-              <a:t> = </a:t>
-            </a:r>
-            <a:r>
-              <a:rPr lang="ko-KR" altLang="en-US" sz="800" dirty="0" err="1" smtClean="0"/>
-              <a:t>q.popleft</a:t>
-            </a:r>
-            <a:r>
-              <a:rPr lang="ko-KR" altLang="en-US" sz="800" dirty="0" smtClean="0"/>
-              <a:t>()</a:t>
-            </a:r>
-          </a:p>
-          <a:p>
-            <a:r>
-              <a:rPr lang="ko-KR" altLang="en-US" sz="800" dirty="0" smtClean="0"/>
-              <a:t>        </a:t>
-            </a:r>
-            <a:r>
-              <a:rPr lang="ko-KR" altLang="en-US" sz="800" dirty="0" err="1" smtClean="0"/>
-              <a:t>if</a:t>
-            </a:r>
-            <a:r>
-              <a:rPr lang="ko-KR" altLang="en-US" sz="800" dirty="0" smtClean="0"/>
-              <a:t> </a:t>
-            </a:r>
-            <a:r>
-              <a:rPr lang="ko-KR" altLang="en-US" sz="800" dirty="0" err="1" smtClean="0"/>
-              <a:t>now</a:t>
-            </a:r>
-            <a:r>
-              <a:rPr lang="ko-KR" altLang="en-US" sz="800" dirty="0" smtClean="0"/>
-              <a:t> == </a:t>
-            </a:r>
-            <a:r>
-              <a:rPr lang="ko-KR" altLang="en-US" sz="800" dirty="0" err="1" smtClean="0"/>
-              <a:t>end</a:t>
-            </a:r>
-            <a:r>
-              <a:rPr lang="ko-KR" altLang="en-US" sz="800" dirty="0" smtClean="0"/>
-              <a:t>:</a:t>
-            </a:r>
-          </a:p>
-          <a:p>
-            <a:r>
-              <a:rPr lang="ko-KR" altLang="en-US" sz="800" dirty="0" smtClean="0"/>
-              <a:t>            </a:t>
-            </a:r>
-            <a:r>
-              <a:rPr lang="ko-KR" altLang="en-US" sz="800" dirty="0" err="1" smtClean="0"/>
-              <a:t>print</a:t>
-            </a:r>
-            <a:r>
-              <a:rPr lang="ko-KR" altLang="en-US" sz="800" dirty="0" smtClean="0"/>
-              <a:t>(</a:t>
-            </a:r>
-            <a:r>
-              <a:rPr lang="ko-KR" altLang="en-US" sz="800" dirty="0" err="1" smtClean="0"/>
-              <a:t>cnt</a:t>
-            </a:r>
-            <a:r>
-              <a:rPr lang="ko-KR" altLang="en-US" sz="800" dirty="0" smtClean="0"/>
-              <a:t>)</a:t>
-            </a:r>
-          </a:p>
-          <a:p>
-            <a:r>
-              <a:rPr lang="ko-KR" altLang="en-US" sz="800" dirty="0" smtClean="0"/>
-              <a:t>            </a:t>
-            </a:r>
-            <a:r>
-              <a:rPr lang="ko-KR" altLang="en-US" sz="800" dirty="0" err="1" smtClean="0"/>
-              <a:t>break</a:t>
-            </a:r>
-            <a:endParaRPr lang="ko-KR" altLang="en-US" sz="800" dirty="0" smtClean="0"/>
-          </a:p>
-          <a:p>
-            <a:endParaRPr lang="ko-KR" altLang="en-US" sz="800" dirty="0" smtClean="0"/>
-          </a:p>
-          <a:p>
-            <a:r>
-              <a:rPr lang="ko-KR" altLang="en-US" sz="800" dirty="0" smtClean="0"/>
-              <a:t>        </a:t>
-            </a:r>
-            <a:r>
-              <a:rPr lang="ko-KR" altLang="en-US" sz="800" dirty="0" err="1" smtClean="0"/>
-              <a:t>i</a:t>
-            </a:r>
-            <a:r>
-              <a:rPr lang="ko-KR" altLang="en-US" sz="800" dirty="0" smtClean="0"/>
-              <a:t> = 1</a:t>
-            </a:r>
-          </a:p>
-          <a:p>
-            <a:r>
-              <a:rPr lang="ko-KR" altLang="en-US" sz="800" dirty="0" smtClean="0"/>
-              <a:t>        </a:t>
-            </a:r>
-            <a:r>
-              <a:rPr lang="ko-KR" altLang="en-US" sz="800" dirty="0" err="1" smtClean="0"/>
-              <a:t>while</a:t>
-            </a:r>
-            <a:r>
-              <a:rPr lang="ko-KR" altLang="en-US" sz="800" dirty="0" smtClean="0"/>
-              <a:t> </a:t>
-            </a:r>
-            <a:r>
-              <a:rPr lang="ko-KR" altLang="en-US" sz="800" dirty="0" err="1" smtClean="0"/>
-              <a:t>True</a:t>
-            </a:r>
-            <a:r>
-              <a:rPr lang="ko-KR" altLang="en-US" sz="800" dirty="0" smtClean="0"/>
-              <a:t>:</a:t>
-            </a:r>
-          </a:p>
-          <a:p>
-            <a:r>
-              <a:rPr lang="ko-KR" altLang="en-US" sz="800" dirty="0" smtClean="0"/>
-              <a:t>            next1 = </a:t>
-            </a:r>
-            <a:r>
-              <a:rPr lang="ko-KR" altLang="en-US" sz="800" dirty="0" err="1" smtClean="0"/>
-              <a:t>now</a:t>
-            </a:r>
-            <a:r>
-              <a:rPr lang="ko-KR" altLang="en-US" sz="800" dirty="0" smtClean="0"/>
-              <a:t> </a:t>
-            </a:r>
-            <a:r>
-              <a:rPr lang="en-US" altLang="ko-KR" sz="800" dirty="0"/>
-              <a:t>+</a:t>
-            </a:r>
-            <a:r>
-              <a:rPr lang="en-US" altLang="ko-KR" sz="800" dirty="0" smtClean="0"/>
-              <a:t> </a:t>
-            </a:r>
-            <a:r>
-              <a:rPr lang="ko-KR" altLang="en-US" sz="800" dirty="0" err="1" smtClean="0"/>
-              <a:t>stone_bridge</a:t>
-            </a:r>
-            <a:r>
-              <a:rPr lang="ko-KR" altLang="en-US" sz="800" dirty="0" smtClean="0"/>
-              <a:t> </a:t>
-            </a:r>
-            <a:r>
-              <a:rPr lang="ko-KR" altLang="en-US" sz="800" dirty="0"/>
-              <a:t>[</a:t>
-            </a:r>
-            <a:r>
-              <a:rPr lang="ko-KR" altLang="en-US" sz="800" dirty="0" err="1" smtClean="0"/>
-              <a:t>now</a:t>
-            </a:r>
-            <a:r>
-              <a:rPr lang="ko-KR" altLang="en-US" sz="800" dirty="0" smtClean="0"/>
-              <a:t>]*</a:t>
-            </a:r>
-            <a:r>
-              <a:rPr lang="ko-KR" altLang="en-US" sz="800" dirty="0" err="1" smtClean="0"/>
-              <a:t>i</a:t>
-            </a:r>
-            <a:endParaRPr lang="ko-KR" altLang="en-US" sz="800" dirty="0" smtClean="0"/>
-          </a:p>
-          <a:p>
-            <a:r>
-              <a:rPr lang="ko-KR" altLang="en-US" sz="800" dirty="0" smtClean="0"/>
-              <a:t>                       </a:t>
-            </a:r>
-          </a:p>
-          <a:p>
-            <a:r>
-              <a:rPr lang="ko-KR" altLang="en-US" sz="800" dirty="0" smtClean="0"/>
-              <a:t>            </a:t>
-            </a:r>
-            <a:r>
-              <a:rPr lang="ko-KR" altLang="en-US" sz="800" dirty="0" err="1" smtClean="0"/>
-              <a:t>if</a:t>
-            </a:r>
-            <a:r>
-              <a:rPr lang="ko-KR" altLang="en-US" sz="800" dirty="0" smtClean="0"/>
-              <a:t> next1&gt;0 and next1&lt;=</a:t>
-            </a:r>
-            <a:r>
-              <a:rPr lang="ko-KR" altLang="en-US" sz="800" dirty="0" err="1" smtClean="0"/>
-              <a:t>n</a:t>
-            </a:r>
-            <a:r>
-              <a:rPr lang="ko-KR" altLang="en-US" sz="800" dirty="0" smtClean="0"/>
-              <a:t>:</a:t>
-            </a:r>
-          </a:p>
-          <a:p>
-            <a:r>
-              <a:rPr lang="ko-KR" altLang="en-US" sz="800" dirty="0" smtClean="0"/>
-              <a:t>                </a:t>
-            </a:r>
-            <a:r>
-              <a:rPr lang="ko-KR" altLang="en-US" sz="800" dirty="0" err="1" smtClean="0"/>
-              <a:t>if</a:t>
-            </a:r>
-            <a:r>
-              <a:rPr lang="ko-KR" altLang="en-US" sz="800" dirty="0" smtClean="0"/>
-              <a:t> </a:t>
-            </a:r>
-            <a:r>
-              <a:rPr lang="ko-KR" altLang="en-US" sz="800" dirty="0" err="1" smtClean="0"/>
-              <a:t>not</a:t>
-            </a:r>
-            <a:r>
-              <a:rPr lang="ko-KR" altLang="en-US" sz="800" dirty="0" smtClean="0"/>
-              <a:t> </a:t>
-            </a:r>
-            <a:r>
-              <a:rPr lang="en-US" altLang="ko-KR" sz="800" dirty="0" smtClean="0"/>
-              <a:t>checked</a:t>
-            </a:r>
-            <a:r>
-              <a:rPr lang="ko-KR" altLang="en-US" sz="800" dirty="0" smtClean="0"/>
-              <a:t>[next1]:</a:t>
-            </a:r>
-          </a:p>
-          <a:p>
-            <a:r>
-              <a:rPr lang="ko-KR" altLang="en-US" sz="800" dirty="0" smtClean="0"/>
-              <a:t>                    </a:t>
-            </a:r>
-            <a:r>
-              <a:rPr lang="en-US" altLang="ko-KR" sz="800" dirty="0" smtClean="0"/>
-              <a:t>checked</a:t>
-            </a:r>
-            <a:r>
-              <a:rPr lang="ko-KR" altLang="en-US" sz="800" dirty="0" smtClean="0"/>
-              <a:t>[next1] = </a:t>
-            </a:r>
-            <a:r>
-              <a:rPr lang="ko-KR" altLang="en-US" sz="800" dirty="0" err="1" smtClean="0"/>
-              <a:t>True</a:t>
-            </a:r>
-            <a:endParaRPr lang="ko-KR" altLang="en-US" sz="800" dirty="0" smtClean="0"/>
-          </a:p>
-          <a:p>
-            <a:r>
-              <a:rPr lang="ko-KR" altLang="en-US" sz="800" dirty="0" smtClean="0"/>
-              <a:t>                    </a:t>
-            </a:r>
-            <a:r>
-              <a:rPr lang="ko-KR" altLang="en-US" sz="800" dirty="0" err="1" smtClean="0"/>
-              <a:t>q.append</a:t>
-            </a:r>
-            <a:r>
-              <a:rPr lang="ko-KR" altLang="en-US" sz="800" dirty="0" smtClean="0"/>
-              <a:t>((next1,cnt+1))</a:t>
-            </a:r>
-          </a:p>
-          <a:p>
-            <a:r>
-              <a:rPr lang="ko-KR" altLang="en-US" sz="800" dirty="0" smtClean="0"/>
-              <a:t>            </a:t>
-            </a:r>
-            <a:r>
-              <a:rPr lang="ko-KR" altLang="en-US" sz="800" dirty="0" err="1" smtClean="0"/>
-              <a:t>else</a:t>
-            </a:r>
-            <a:r>
-              <a:rPr lang="ko-KR" altLang="en-US" sz="800" dirty="0" smtClean="0"/>
-              <a:t>:</a:t>
-            </a:r>
-          </a:p>
-          <a:p>
-            <a:r>
-              <a:rPr lang="ko-KR" altLang="en-US" sz="800" dirty="0" smtClean="0"/>
-              <a:t>                </a:t>
-            </a:r>
-            <a:r>
-              <a:rPr lang="ko-KR" altLang="en-US" sz="800" dirty="0" err="1" smtClean="0"/>
-              <a:t>break</a:t>
-            </a:r>
-            <a:endParaRPr lang="en-US" altLang="ko-KR" sz="800" dirty="0"/>
-          </a:p>
-          <a:p>
-            <a:r>
-              <a:rPr lang="en-US" altLang="ko-KR" sz="800" dirty="0" smtClean="0"/>
-              <a:t>           j</a:t>
-            </a:r>
-            <a:r>
-              <a:rPr lang="ko-KR" altLang="en-US" sz="800" dirty="0" smtClean="0"/>
-              <a:t> </a:t>
-            </a:r>
-            <a:r>
-              <a:rPr lang="ko-KR" altLang="en-US" sz="800" dirty="0"/>
-              <a:t>+= </a:t>
-            </a:r>
-            <a:r>
-              <a:rPr lang="ko-KR" altLang="en-US" sz="800" dirty="0" smtClean="0"/>
-              <a:t>1</a:t>
-            </a:r>
-            <a:endParaRPr lang="en-US" altLang="ko-KR" sz="800" dirty="0"/>
-          </a:p>
-          <a:p>
-            <a:endParaRPr lang="en-US" altLang="ko-KR" sz="800" dirty="0" smtClean="0"/>
-          </a:p>
-          <a:p>
-            <a:r>
-              <a:rPr lang="ko-KR" altLang="en-US" sz="800" dirty="0"/>
-              <a:t> </a:t>
-            </a:r>
-            <a:r>
-              <a:rPr lang="ko-KR" altLang="en-US" sz="800" dirty="0" smtClean="0"/>
-              <a:t>        </a:t>
-            </a:r>
-            <a:r>
-              <a:rPr lang="ko-KR" altLang="en-US" sz="800" dirty="0" err="1" smtClean="0"/>
-              <a:t>while</a:t>
-            </a:r>
-            <a:r>
-              <a:rPr lang="ko-KR" altLang="en-US" sz="800" dirty="0" smtClean="0"/>
-              <a:t> </a:t>
-            </a:r>
-            <a:r>
-              <a:rPr lang="ko-KR" altLang="en-US" sz="800" dirty="0" err="1"/>
-              <a:t>True</a:t>
-            </a:r>
-            <a:r>
-              <a:rPr lang="ko-KR" altLang="en-US" sz="800" dirty="0"/>
-              <a:t>:</a:t>
-            </a:r>
-          </a:p>
-          <a:p>
-            <a:r>
-              <a:rPr lang="ko-KR" altLang="en-US" sz="800" dirty="0"/>
-              <a:t>            next1 = </a:t>
-            </a:r>
-            <a:r>
-              <a:rPr lang="ko-KR" altLang="en-US" sz="800" dirty="0" err="1"/>
-              <a:t>now</a:t>
-            </a:r>
-            <a:r>
-              <a:rPr lang="ko-KR" altLang="en-US" sz="800" dirty="0"/>
-              <a:t> </a:t>
-            </a:r>
-            <a:r>
-              <a:rPr lang="en-US" altLang="ko-KR" sz="800" dirty="0"/>
-              <a:t>- </a:t>
-            </a:r>
-            <a:r>
-              <a:rPr lang="ko-KR" altLang="en-US" sz="800" dirty="0" err="1"/>
-              <a:t>stone_bridge</a:t>
-            </a:r>
-            <a:r>
-              <a:rPr lang="ko-KR" altLang="en-US" sz="800" dirty="0"/>
-              <a:t> [</a:t>
-            </a:r>
-            <a:r>
-              <a:rPr lang="ko-KR" altLang="en-US" sz="800" dirty="0" err="1"/>
-              <a:t>now</a:t>
-            </a:r>
-            <a:r>
-              <a:rPr lang="ko-KR" altLang="en-US" sz="800" dirty="0"/>
-              <a:t>]*</a:t>
-            </a:r>
-            <a:r>
-              <a:rPr lang="ko-KR" altLang="en-US" sz="800" dirty="0" err="1"/>
-              <a:t>i</a:t>
-            </a:r>
-            <a:endParaRPr lang="ko-KR" altLang="en-US" sz="800" dirty="0"/>
-          </a:p>
-          <a:p>
-            <a:r>
-              <a:rPr lang="ko-KR" altLang="en-US" sz="800" dirty="0"/>
-              <a:t>                       </a:t>
-            </a:r>
-          </a:p>
-          <a:p>
-            <a:r>
-              <a:rPr lang="ko-KR" altLang="en-US" sz="800" dirty="0"/>
-              <a:t>            </a:t>
-            </a:r>
-            <a:r>
-              <a:rPr lang="ko-KR" altLang="en-US" sz="800" dirty="0" err="1"/>
-              <a:t>if</a:t>
-            </a:r>
-            <a:r>
-              <a:rPr lang="ko-KR" altLang="en-US" sz="800" dirty="0"/>
-              <a:t> next1&gt;0 and next1&lt;=</a:t>
-            </a:r>
-            <a:r>
-              <a:rPr lang="ko-KR" altLang="en-US" sz="800" dirty="0" err="1"/>
-              <a:t>n</a:t>
-            </a:r>
-            <a:r>
-              <a:rPr lang="ko-KR" altLang="en-US" sz="800" dirty="0"/>
-              <a:t>:</a:t>
-            </a:r>
-          </a:p>
-          <a:p>
-            <a:r>
-              <a:rPr lang="ko-KR" altLang="en-US" sz="800" dirty="0"/>
-              <a:t>                </a:t>
-            </a:r>
-            <a:r>
-              <a:rPr lang="ko-KR" altLang="en-US" sz="800" dirty="0" err="1"/>
-              <a:t>if</a:t>
-            </a:r>
-            <a:r>
-              <a:rPr lang="ko-KR" altLang="en-US" sz="800" dirty="0"/>
-              <a:t> </a:t>
-            </a:r>
-            <a:r>
-              <a:rPr lang="ko-KR" altLang="en-US" sz="800" dirty="0" err="1"/>
-              <a:t>not</a:t>
-            </a:r>
-            <a:r>
-              <a:rPr lang="ko-KR" altLang="en-US" sz="800" dirty="0"/>
-              <a:t> </a:t>
-            </a:r>
-            <a:r>
-              <a:rPr lang="en-US" altLang="ko-KR" sz="800" dirty="0"/>
-              <a:t>checked</a:t>
-            </a:r>
-            <a:r>
-              <a:rPr lang="ko-KR" altLang="en-US" sz="800" dirty="0"/>
-              <a:t>[next1]:</a:t>
-            </a:r>
-          </a:p>
-          <a:p>
-            <a:r>
-              <a:rPr lang="ko-KR" altLang="en-US" sz="800" dirty="0"/>
-              <a:t>                    </a:t>
-            </a:r>
-            <a:r>
-              <a:rPr lang="en-US" altLang="ko-KR" sz="800" dirty="0"/>
-              <a:t>checked</a:t>
-            </a:r>
-            <a:r>
-              <a:rPr lang="ko-KR" altLang="en-US" sz="800" dirty="0"/>
-              <a:t>[next1] = </a:t>
-            </a:r>
-            <a:r>
-              <a:rPr lang="ko-KR" altLang="en-US" sz="800" dirty="0" err="1"/>
-              <a:t>True</a:t>
-            </a:r>
-            <a:endParaRPr lang="ko-KR" altLang="en-US" sz="800" dirty="0"/>
-          </a:p>
-          <a:p>
-            <a:r>
-              <a:rPr lang="ko-KR" altLang="en-US" sz="800" dirty="0"/>
-              <a:t>                    </a:t>
-            </a:r>
-            <a:r>
-              <a:rPr lang="ko-KR" altLang="en-US" sz="800" dirty="0" err="1"/>
-              <a:t>q.append</a:t>
-            </a:r>
-            <a:r>
-              <a:rPr lang="ko-KR" altLang="en-US" sz="800" dirty="0"/>
-              <a:t>((next1,cnt+1))</a:t>
-            </a:r>
-          </a:p>
-          <a:p>
-            <a:r>
-              <a:rPr lang="ko-KR" altLang="en-US" sz="800" dirty="0"/>
-              <a:t>            </a:t>
-            </a:r>
-            <a:r>
-              <a:rPr lang="ko-KR" altLang="en-US" sz="800" dirty="0" err="1"/>
-              <a:t>else</a:t>
-            </a:r>
-            <a:r>
-              <a:rPr lang="ko-KR" altLang="en-US" sz="800" dirty="0"/>
-              <a:t>:</a:t>
-            </a:r>
-          </a:p>
-          <a:p>
-            <a:r>
-              <a:rPr lang="ko-KR" altLang="en-US" sz="800" dirty="0"/>
-              <a:t>                </a:t>
-            </a:r>
-            <a:r>
-              <a:rPr lang="ko-KR" altLang="en-US" sz="800" dirty="0" err="1"/>
-              <a:t>break</a:t>
-            </a:r>
-            <a:endParaRPr lang="en-US" altLang="ko-KR" sz="800" dirty="0"/>
-          </a:p>
-          <a:p>
-            <a:r>
-              <a:rPr lang="en-US" altLang="ko-KR" sz="800" dirty="0"/>
-              <a:t>            </a:t>
-            </a:r>
-            <a:r>
-              <a:rPr lang="ko-KR" altLang="en-US" sz="800" dirty="0"/>
-              <a:t> </a:t>
-            </a:r>
-            <a:r>
-              <a:rPr lang="en-US" altLang="ko-KR" sz="800" dirty="0" err="1"/>
-              <a:t>j</a:t>
-            </a:r>
-            <a:r>
-              <a:rPr lang="ko-KR" altLang="en-US" sz="800" dirty="0" smtClean="0"/>
-              <a:t> </a:t>
-            </a:r>
-            <a:r>
-              <a:rPr lang="ko-KR" altLang="en-US" sz="800" dirty="0"/>
-              <a:t>+= 1</a:t>
-            </a:r>
-          </a:p>
-          <a:p>
-            <a:endParaRPr lang="ko-KR" altLang="en-US" sz="800" dirty="0" smtClean="0"/>
-          </a:p>
-          <a:p>
-            <a:r>
-              <a:rPr lang="ko-KR" altLang="en-US" sz="800" dirty="0" smtClean="0"/>
-              <a:t>           </a:t>
-            </a:r>
-          </a:p>
-          <a:p>
-            <a:r>
-              <a:rPr lang="ko-KR" altLang="en-US" sz="800" dirty="0" err="1" smtClean="0"/>
-              <a:t>else</a:t>
-            </a:r>
-            <a:r>
-              <a:rPr lang="ko-KR" altLang="en-US" sz="800" dirty="0" smtClean="0"/>
-              <a:t>:</a:t>
-            </a:r>
-          </a:p>
-          <a:p>
-            <a:r>
-              <a:rPr lang="ko-KR" altLang="en-US" sz="800" dirty="0" smtClean="0"/>
-              <a:t>        </a:t>
-            </a:r>
-            <a:r>
-              <a:rPr lang="ko-KR" altLang="en-US" sz="800" dirty="0" err="1" smtClean="0"/>
-              <a:t>print</a:t>
-            </a:r>
-            <a:r>
-              <a:rPr lang="ko-KR" altLang="en-US" sz="800" dirty="0" smtClean="0"/>
-              <a:t>(-1)</a:t>
-            </a:r>
-          </a:p>
-          <a:p>
-            <a:endParaRPr lang="ko-KR" altLang="en-US" sz="800" dirty="0" smtClean="0"/>
-          </a:p>
-          <a:p>
-            <a:endParaRPr lang="ko-KR" altLang="en-US" sz="800" dirty="0"/>
-          </a:p>
-        </p:txBody>
-      </p:sp>
       <p:sp>
         <p:nvSpPr>
           <p:cNvPr id="10" name="직사각형 9"/>
@@ -9273,6 +8535,4631 @@
 </file>
 
 <file path=ppt/slides/slide3.xml><?xml version="1.0" encoding="utf-8"?>
+<p:sld xmlns:a="http://schemas.openxmlformats.org/drawingml/2006/main" xmlns:r="http://schemas.openxmlformats.org/officeDocument/2006/relationships" xmlns:p="http://schemas.openxmlformats.org/presentationml/2006/main">
+  <p:cSld>
+    <p:spTree>
+      <p:nvGrpSpPr>
+        <p:cNvPr id="1" name=""/>
+        <p:cNvGrpSpPr/>
+        <p:nvPr/>
+      </p:nvGrpSpPr>
+      <p:grpSpPr>
+        <a:xfrm>
+          <a:off x="0" y="0"/>
+          <a:ext cx="0" cy="0"/>
+          <a:chOff x="0" y="0"/>
+          <a:chExt cx="0" cy="0"/>
+        </a:xfrm>
+      </p:grpSpPr>
+      <p:sp>
+        <p:nvSpPr>
+          <p:cNvPr id="18" name="직사각형 17"/>
+          <p:cNvSpPr/>
+          <p:nvPr/>
+        </p:nvSpPr>
+        <p:spPr>
+          <a:xfrm>
+            <a:off x="251261" y="122562"/>
+            <a:ext cx="1386790" cy="338554"/>
+          </a:xfrm>
+          <a:prstGeom prst="rect">
+            <a:avLst/>
+          </a:prstGeom>
+        </p:spPr>
+        <p:txBody>
+          <a:bodyPr wrap="none">
+            <a:spAutoFit/>
+          </a:bodyPr>
+          <a:lstStyle/>
+          <a:p>
+            <a:r>
+              <a:rPr lang="ko-KR" altLang="en-US" sz="1600" dirty="0" err="1"/>
+              <a:t>stone_bridge</a:t>
+            </a:r>
+            <a:endParaRPr lang="ko-KR" altLang="en-US" sz="1600" dirty="0"/>
+          </a:p>
+        </p:txBody>
+      </p:sp>
+      <p:graphicFrame>
+        <p:nvGraphicFramePr>
+          <p:cNvPr id="19" name="표 18"/>
+          <p:cNvGraphicFramePr>
+            <a:graphicFrameLocks noGrp="1"/>
+          </p:cNvGraphicFramePr>
+          <p:nvPr>
+            <p:extLst>
+              <p:ext uri="{D42A27DB-BD31-4B8C-83A1-F6EECF244321}">
+                <p14:modId xmlns:p14="http://schemas.microsoft.com/office/powerpoint/2010/main" val="2579835712"/>
+              </p:ext>
+            </p:extLst>
+          </p:nvPr>
+        </p:nvGraphicFramePr>
+        <p:xfrm>
+          <a:off x="1702249" y="247456"/>
+          <a:ext cx="3842340" cy="1280160"/>
+        </p:xfrm>
+        <a:graphic>
+          <a:graphicData uri="http://schemas.openxmlformats.org/drawingml/2006/table">
+            <a:tbl>
+              <a:tblPr firstRow="1" bandRow="1">
+                <a:tableStyleId>{5C22544A-7EE6-4342-B048-85BDC9FD1C3A}</a:tableStyleId>
+              </a:tblPr>
+              <a:tblGrid>
+                <a:gridCol w="640390">
+                  <a:extLst>
+                    <a:ext uri="{9D8B030D-6E8A-4147-A177-3AD203B41FA5}">
+                      <a16:colId xmlns:a16="http://schemas.microsoft.com/office/drawing/2014/main" val="1073317267"/>
+                    </a:ext>
+                  </a:extLst>
+                </a:gridCol>
+                <a:gridCol w="640390">
+                  <a:extLst>
+                    <a:ext uri="{9D8B030D-6E8A-4147-A177-3AD203B41FA5}">
+                      <a16:colId xmlns:a16="http://schemas.microsoft.com/office/drawing/2014/main" val="108731994"/>
+                    </a:ext>
+                  </a:extLst>
+                </a:gridCol>
+                <a:gridCol w="640390">
+                  <a:extLst>
+                    <a:ext uri="{9D8B030D-6E8A-4147-A177-3AD203B41FA5}">
+                      <a16:colId xmlns:a16="http://schemas.microsoft.com/office/drawing/2014/main" val="2177128969"/>
+                    </a:ext>
+                  </a:extLst>
+                </a:gridCol>
+                <a:gridCol w="640390">
+                  <a:extLst>
+                    <a:ext uri="{9D8B030D-6E8A-4147-A177-3AD203B41FA5}">
+                      <a16:colId xmlns:a16="http://schemas.microsoft.com/office/drawing/2014/main" val="2388997183"/>
+                    </a:ext>
+                  </a:extLst>
+                </a:gridCol>
+                <a:gridCol w="640390">
+                  <a:extLst>
+                    <a:ext uri="{9D8B030D-6E8A-4147-A177-3AD203B41FA5}">
+                      <a16:colId xmlns:a16="http://schemas.microsoft.com/office/drawing/2014/main" val="4144247061"/>
+                    </a:ext>
+                  </a:extLst>
+                </a:gridCol>
+                <a:gridCol w="640390">
+                  <a:extLst>
+                    <a:ext uri="{9D8B030D-6E8A-4147-A177-3AD203B41FA5}">
+                      <a16:colId xmlns:a16="http://schemas.microsoft.com/office/drawing/2014/main" val="1459463141"/>
+                    </a:ext>
+                  </a:extLst>
+                </a:gridCol>
+              </a:tblGrid>
+              <a:tr h="297258">
+                <a:tc>
+                  <a:txBody>
+                    <a:bodyPr/>
+                    <a:lstStyle/>
+                    <a:p>
+                      <a:pPr latinLnBrk="1"/>
+                      <a:r>
+                        <a:rPr lang="ko-KR" altLang="en-US" sz="1200" dirty="0" err="1" smtClean="0"/>
+                        <a:t>징검</a:t>
+                      </a:r>
+                      <a:r>
+                        <a:rPr lang="ko-KR" altLang="en-US" sz="1200" dirty="0" smtClean="0"/>
+                        <a:t> 다리 위치</a:t>
+                      </a:r>
+                      <a:endParaRPr lang="ko-KR" altLang="en-US" sz="1200" dirty="0"/>
+                    </a:p>
+                  </a:txBody>
+                  <a:tcPr/>
+                </a:tc>
+                <a:tc>
+                  <a:txBody>
+                    <a:bodyPr/>
+                    <a:lstStyle/>
+                    <a:p>
+                      <a:pPr latinLnBrk="1"/>
+                      <a:r>
+                        <a:rPr lang="en-US" altLang="ko-KR" sz="2400" dirty="0" smtClean="0"/>
+                        <a:t>1</a:t>
+                      </a:r>
+                      <a:endParaRPr lang="ko-KR" altLang="en-US" sz="2400" dirty="0"/>
+                    </a:p>
+                  </a:txBody>
+                  <a:tcPr/>
+                </a:tc>
+                <a:tc>
+                  <a:txBody>
+                    <a:bodyPr/>
+                    <a:lstStyle/>
+                    <a:p>
+                      <a:pPr latinLnBrk="1"/>
+                      <a:r>
+                        <a:rPr lang="en-US" altLang="ko-KR" sz="2400" dirty="0" smtClean="0"/>
+                        <a:t>2</a:t>
+                      </a:r>
+                      <a:endParaRPr lang="ko-KR" altLang="en-US" sz="2400" dirty="0"/>
+                    </a:p>
+                  </a:txBody>
+                  <a:tcPr/>
+                </a:tc>
+                <a:tc>
+                  <a:txBody>
+                    <a:bodyPr/>
+                    <a:lstStyle/>
+                    <a:p>
+                      <a:pPr latinLnBrk="1"/>
+                      <a:r>
+                        <a:rPr lang="en-US" altLang="ko-KR" sz="2400" dirty="0" smtClean="0"/>
+                        <a:t>3</a:t>
+                      </a:r>
+                      <a:endParaRPr lang="ko-KR" altLang="en-US" sz="2400" dirty="0"/>
+                    </a:p>
+                  </a:txBody>
+                  <a:tcPr/>
+                </a:tc>
+                <a:tc>
+                  <a:txBody>
+                    <a:bodyPr/>
+                    <a:lstStyle/>
+                    <a:p>
+                      <a:pPr latinLnBrk="1"/>
+                      <a:r>
+                        <a:rPr lang="en-US" altLang="ko-KR" sz="2400" dirty="0" smtClean="0"/>
+                        <a:t>4</a:t>
+                      </a:r>
+                      <a:endParaRPr lang="ko-KR" altLang="en-US" sz="2400" dirty="0"/>
+                    </a:p>
+                  </a:txBody>
+                  <a:tcPr/>
+                </a:tc>
+                <a:tc>
+                  <a:txBody>
+                    <a:bodyPr/>
+                    <a:lstStyle/>
+                    <a:p>
+                      <a:pPr latinLnBrk="1"/>
+                      <a:r>
+                        <a:rPr lang="en-US" altLang="ko-KR" sz="2400" dirty="0" smtClean="0"/>
+                        <a:t>5</a:t>
+                      </a:r>
+                      <a:endParaRPr lang="ko-KR" altLang="en-US" sz="2400" dirty="0"/>
+                    </a:p>
+                  </a:txBody>
+                  <a:tcPr/>
+                </a:tc>
+                <a:extLst>
+                  <a:ext uri="{0D108BD9-81ED-4DB2-BD59-A6C34878D82A}">
+                    <a16:rowId xmlns:a16="http://schemas.microsoft.com/office/drawing/2014/main" val="1638233791"/>
+                  </a:ext>
+                </a:extLst>
+              </a:tr>
+              <a:tr h="297258">
+                <a:tc>
+                  <a:txBody>
+                    <a:bodyPr/>
+                    <a:lstStyle/>
+                    <a:p>
+                      <a:pPr latinLnBrk="1"/>
+                      <a:r>
+                        <a:rPr lang="ko-KR" altLang="en-US" sz="1200" dirty="0" err="1" smtClean="0"/>
+                        <a:t>징검</a:t>
+                      </a:r>
+                      <a:r>
+                        <a:rPr lang="ko-KR" altLang="en-US" sz="1200" dirty="0" smtClean="0"/>
+                        <a:t> 다리 숫자</a:t>
+                      </a:r>
+                      <a:endParaRPr lang="ko-KR" altLang="en-US" sz="1200" dirty="0"/>
+                    </a:p>
+                  </a:txBody>
+                  <a:tcPr/>
+                </a:tc>
+                <a:tc>
+                  <a:txBody>
+                    <a:bodyPr/>
+                    <a:lstStyle/>
+                    <a:p>
+                      <a:pPr latinLnBrk="1"/>
+                      <a:r>
+                        <a:rPr lang="en-US" altLang="ko-KR" sz="2400" dirty="0" smtClean="0"/>
+                        <a:t>1</a:t>
+                      </a:r>
+                      <a:endParaRPr lang="ko-KR" altLang="en-US" sz="2400" dirty="0"/>
+                    </a:p>
+                  </a:txBody>
+                  <a:tcPr/>
+                </a:tc>
+                <a:tc>
+                  <a:txBody>
+                    <a:bodyPr/>
+                    <a:lstStyle/>
+                    <a:p>
+                      <a:pPr latinLnBrk="1"/>
+                      <a:r>
+                        <a:rPr lang="en-US" altLang="ko-KR" sz="2400" dirty="0" smtClean="0"/>
+                        <a:t>2</a:t>
+                      </a:r>
+                      <a:endParaRPr lang="ko-KR" altLang="en-US" sz="2400" dirty="0"/>
+                    </a:p>
+                  </a:txBody>
+                  <a:tcPr/>
+                </a:tc>
+                <a:tc>
+                  <a:txBody>
+                    <a:bodyPr/>
+                    <a:lstStyle/>
+                    <a:p>
+                      <a:pPr latinLnBrk="1"/>
+                      <a:r>
+                        <a:rPr lang="en-US" altLang="ko-KR" sz="2400" dirty="0" smtClean="0"/>
+                        <a:t>2</a:t>
+                      </a:r>
+                      <a:endParaRPr lang="ko-KR" altLang="en-US" sz="2400" dirty="0"/>
+                    </a:p>
+                  </a:txBody>
+                  <a:tcPr/>
+                </a:tc>
+                <a:tc>
+                  <a:txBody>
+                    <a:bodyPr/>
+                    <a:lstStyle/>
+                    <a:p>
+                      <a:pPr latinLnBrk="1"/>
+                      <a:r>
+                        <a:rPr lang="en-US" altLang="ko-KR" sz="2400" dirty="0" smtClean="0"/>
+                        <a:t>1</a:t>
+                      </a:r>
+                      <a:endParaRPr lang="ko-KR" altLang="en-US" sz="2400" dirty="0"/>
+                    </a:p>
+                  </a:txBody>
+                  <a:tcPr/>
+                </a:tc>
+                <a:tc>
+                  <a:txBody>
+                    <a:bodyPr/>
+                    <a:lstStyle/>
+                    <a:p>
+                      <a:pPr latinLnBrk="1"/>
+                      <a:r>
+                        <a:rPr lang="en-US" altLang="ko-KR" sz="2400" dirty="0" smtClean="0"/>
+                        <a:t>2</a:t>
+                      </a:r>
+                      <a:endParaRPr lang="ko-KR" altLang="en-US" sz="2400" dirty="0"/>
+                    </a:p>
+                  </a:txBody>
+                  <a:tcPr/>
+                </a:tc>
+                <a:extLst>
+                  <a:ext uri="{0D108BD9-81ED-4DB2-BD59-A6C34878D82A}">
+                    <a16:rowId xmlns:a16="http://schemas.microsoft.com/office/drawing/2014/main" val="3748700917"/>
+                  </a:ext>
+                </a:extLst>
+              </a:tr>
+            </a:tbl>
+          </a:graphicData>
+        </a:graphic>
+      </p:graphicFrame>
+      <p:graphicFrame>
+        <p:nvGraphicFramePr>
+          <p:cNvPr id="63" name="표 62"/>
+          <p:cNvGraphicFramePr>
+            <a:graphicFrameLocks noGrp="1"/>
+          </p:cNvGraphicFramePr>
+          <p:nvPr>
+            <p:extLst>
+              <p:ext uri="{D42A27DB-BD31-4B8C-83A1-F6EECF244321}">
+                <p14:modId xmlns:p14="http://schemas.microsoft.com/office/powerpoint/2010/main" val="16418767"/>
+              </p:ext>
+            </p:extLst>
+          </p:nvPr>
+        </p:nvGraphicFramePr>
+        <p:xfrm>
+          <a:off x="1735628" y="2120649"/>
+          <a:ext cx="2980860" cy="629920"/>
+        </p:xfrm>
+        <a:graphic>
+          <a:graphicData uri="http://schemas.openxmlformats.org/drawingml/2006/table">
+            <a:tbl>
+              <a:tblPr firstRow="1" bandRow="1">
+                <a:tableStyleId>{5C22544A-7EE6-4342-B048-85BDC9FD1C3A}</a:tableStyleId>
+              </a:tblPr>
+              <a:tblGrid>
+                <a:gridCol w="496810">
+                  <a:extLst>
+                    <a:ext uri="{9D8B030D-6E8A-4147-A177-3AD203B41FA5}">
+                      <a16:colId xmlns:a16="http://schemas.microsoft.com/office/drawing/2014/main" val="4006337001"/>
+                    </a:ext>
+                  </a:extLst>
+                </a:gridCol>
+                <a:gridCol w="496810">
+                  <a:extLst>
+                    <a:ext uri="{9D8B030D-6E8A-4147-A177-3AD203B41FA5}">
+                      <a16:colId xmlns:a16="http://schemas.microsoft.com/office/drawing/2014/main" val="108731994"/>
+                    </a:ext>
+                  </a:extLst>
+                </a:gridCol>
+                <a:gridCol w="496810">
+                  <a:extLst>
+                    <a:ext uri="{9D8B030D-6E8A-4147-A177-3AD203B41FA5}">
+                      <a16:colId xmlns:a16="http://schemas.microsoft.com/office/drawing/2014/main" val="2177128969"/>
+                    </a:ext>
+                  </a:extLst>
+                </a:gridCol>
+                <a:gridCol w="496810">
+                  <a:extLst>
+                    <a:ext uri="{9D8B030D-6E8A-4147-A177-3AD203B41FA5}">
+                      <a16:colId xmlns:a16="http://schemas.microsoft.com/office/drawing/2014/main" val="2388997183"/>
+                    </a:ext>
+                  </a:extLst>
+                </a:gridCol>
+                <a:gridCol w="496810">
+                  <a:extLst>
+                    <a:ext uri="{9D8B030D-6E8A-4147-A177-3AD203B41FA5}">
+                      <a16:colId xmlns:a16="http://schemas.microsoft.com/office/drawing/2014/main" val="4144247061"/>
+                    </a:ext>
+                  </a:extLst>
+                </a:gridCol>
+                <a:gridCol w="496810">
+                  <a:extLst>
+                    <a:ext uri="{9D8B030D-6E8A-4147-A177-3AD203B41FA5}">
+                      <a16:colId xmlns:a16="http://schemas.microsoft.com/office/drawing/2014/main" val="1459463141"/>
+                    </a:ext>
+                  </a:extLst>
+                </a:gridCol>
+              </a:tblGrid>
+              <a:tr h="0">
+                <a:tc>
+                  <a:txBody>
+                    <a:bodyPr/>
+                    <a:lstStyle/>
+                    <a:p>
+                      <a:pPr latinLnBrk="1"/>
+                      <a:r>
+                        <a:rPr lang="en-US" altLang="ko-KR" sz="1100" dirty="0" smtClean="0"/>
+                        <a:t>0</a:t>
+                      </a:r>
+                      <a:endParaRPr lang="ko-KR" altLang="en-US" sz="1100" dirty="0"/>
+                    </a:p>
+                  </a:txBody>
+                  <a:tcPr/>
+                </a:tc>
+                <a:tc>
+                  <a:txBody>
+                    <a:bodyPr/>
+                    <a:lstStyle/>
+                    <a:p>
+                      <a:pPr latinLnBrk="1"/>
+                      <a:r>
+                        <a:rPr lang="en-US" altLang="ko-KR" sz="1100" dirty="0" smtClean="0"/>
+                        <a:t>1</a:t>
+                      </a:r>
+                      <a:endParaRPr lang="ko-KR" altLang="en-US" sz="1100" dirty="0"/>
+                    </a:p>
+                  </a:txBody>
+                  <a:tcPr/>
+                </a:tc>
+                <a:tc>
+                  <a:txBody>
+                    <a:bodyPr/>
+                    <a:lstStyle/>
+                    <a:p>
+                      <a:pPr latinLnBrk="1"/>
+                      <a:r>
+                        <a:rPr lang="en-US" altLang="ko-KR" sz="1100" dirty="0" smtClean="0"/>
+                        <a:t>2</a:t>
+                      </a:r>
+                      <a:endParaRPr lang="ko-KR" altLang="en-US" sz="1100" dirty="0"/>
+                    </a:p>
+                  </a:txBody>
+                  <a:tcPr/>
+                </a:tc>
+                <a:tc>
+                  <a:txBody>
+                    <a:bodyPr/>
+                    <a:lstStyle/>
+                    <a:p>
+                      <a:pPr latinLnBrk="1"/>
+                      <a:r>
+                        <a:rPr lang="en-US" altLang="ko-KR" sz="1100" dirty="0" smtClean="0"/>
+                        <a:t>3</a:t>
+                      </a:r>
+                      <a:endParaRPr lang="ko-KR" altLang="en-US" sz="1100" dirty="0"/>
+                    </a:p>
+                  </a:txBody>
+                  <a:tcPr/>
+                </a:tc>
+                <a:tc>
+                  <a:txBody>
+                    <a:bodyPr/>
+                    <a:lstStyle/>
+                    <a:p>
+                      <a:pPr latinLnBrk="1"/>
+                      <a:r>
+                        <a:rPr lang="en-US" altLang="ko-KR" sz="1100" dirty="0" smtClean="0"/>
+                        <a:t>4</a:t>
+                      </a:r>
+                      <a:endParaRPr lang="ko-KR" altLang="en-US" sz="1100" dirty="0"/>
+                    </a:p>
+                  </a:txBody>
+                  <a:tcPr/>
+                </a:tc>
+                <a:tc>
+                  <a:txBody>
+                    <a:bodyPr/>
+                    <a:lstStyle/>
+                    <a:p>
+                      <a:pPr latinLnBrk="1"/>
+                      <a:r>
+                        <a:rPr lang="en-US" altLang="ko-KR" sz="1100" dirty="0" smtClean="0"/>
+                        <a:t>5</a:t>
+                      </a:r>
+                      <a:endParaRPr lang="ko-KR" altLang="en-US" sz="1100" dirty="0"/>
+                    </a:p>
+                  </a:txBody>
+                  <a:tcPr/>
+                </a:tc>
+                <a:extLst>
+                  <a:ext uri="{0D108BD9-81ED-4DB2-BD59-A6C34878D82A}">
+                    <a16:rowId xmlns:a16="http://schemas.microsoft.com/office/drawing/2014/main" val="1638233791"/>
+                  </a:ext>
+                </a:extLst>
+              </a:tr>
+              <a:tr h="370840">
+                <a:tc>
+                  <a:txBody>
+                    <a:bodyPr/>
+                    <a:lstStyle/>
+                    <a:p>
+                      <a:pPr latinLnBrk="1"/>
+                      <a:endParaRPr lang="ko-KR" altLang="en-US" sz="1100" dirty="0"/>
+                    </a:p>
+                  </a:txBody>
+                  <a:tcPr/>
+                </a:tc>
+                <a:tc>
+                  <a:txBody>
+                    <a:bodyPr/>
+                    <a:lstStyle/>
+                    <a:p>
+                      <a:pPr latinLnBrk="1"/>
+                      <a:r>
+                        <a:rPr kumimoji="0" lang="en-US" altLang="ko-KR" sz="1100" b="0" i="0" u="none" strike="noStrike" kern="1200" cap="none" spc="0" normalizeH="0" baseline="0" noProof="0" dirty="0" smtClean="0">
+                          <a:ln>
+                            <a:noFill/>
+                          </a:ln>
+                          <a:solidFill>
+                            <a:prstClr val="black"/>
+                          </a:solidFill>
+                          <a:effectLst/>
+                          <a:uLnTx/>
+                          <a:uFillTx/>
+                          <a:latin typeface="+mn-lt"/>
+                          <a:ea typeface="+mn-ea"/>
+                          <a:cs typeface="+mn-cs"/>
+                        </a:rPr>
+                        <a:t>False</a:t>
+                      </a:r>
+                      <a:endParaRPr lang="ko-KR" altLang="en-US" sz="1100" dirty="0"/>
+                    </a:p>
+                  </a:txBody>
+                  <a:tcPr/>
+                </a:tc>
+                <a:tc>
+                  <a:txBody>
+                    <a:bodyPr/>
+                    <a:lstStyle/>
+                    <a:p>
+                      <a:pPr marL="0" marR="0" lvl="0" indent="0" algn="l" defTabSz="914400" rtl="0" eaLnBrk="1" fontAlgn="auto" latinLnBrk="1" hangingPunct="1">
+                        <a:lnSpc>
+                          <a:spcPct val="100000"/>
+                        </a:lnSpc>
+                        <a:spcBef>
+                          <a:spcPts val="0"/>
+                        </a:spcBef>
+                        <a:spcAft>
+                          <a:spcPts val="0"/>
+                        </a:spcAft>
+                        <a:buClrTx/>
+                        <a:buSzTx/>
+                        <a:buFontTx/>
+                        <a:buNone/>
+                        <a:tabLst/>
+                        <a:defRPr/>
+                      </a:pPr>
+                      <a:r>
+                        <a:rPr kumimoji="0" lang="en-US" altLang="ko-KR" sz="1100" b="0" i="0" u="none" strike="noStrike" kern="1200" cap="none" spc="0" normalizeH="0" baseline="0" noProof="0" smtClean="0">
+                          <a:ln>
+                            <a:noFill/>
+                          </a:ln>
+                          <a:solidFill>
+                            <a:prstClr val="black"/>
+                          </a:solidFill>
+                          <a:effectLst/>
+                          <a:uLnTx/>
+                          <a:uFillTx/>
+                          <a:latin typeface="맑은 고딕" panose="020F0502020204030204"/>
+                          <a:ea typeface="맑은 고딕" panose="020B0503020000020004" pitchFamily="50" charset="-127"/>
+                          <a:cs typeface="+mn-cs"/>
+                        </a:rPr>
+                        <a:t>False</a:t>
+                      </a:r>
+                      <a:endParaRPr kumimoji="0" lang="ko-KR" altLang="en-US" sz="1100" b="0" i="0" u="none" strike="noStrike" kern="1200" cap="none" spc="0" normalizeH="0" baseline="0" noProof="0" dirty="0">
+                        <a:ln>
+                          <a:noFill/>
+                        </a:ln>
+                        <a:solidFill>
+                          <a:prstClr val="black"/>
+                        </a:solidFill>
+                        <a:effectLst/>
+                        <a:uLnTx/>
+                        <a:uFillTx/>
+                        <a:latin typeface="맑은 고딕" panose="020F0502020204030204"/>
+                        <a:ea typeface="맑은 고딕" panose="020B0503020000020004" pitchFamily="50" charset="-127"/>
+                        <a:cs typeface="+mn-cs"/>
+                      </a:endParaRPr>
+                    </a:p>
+                  </a:txBody>
+                  <a:tcPr/>
+                </a:tc>
+                <a:tc>
+                  <a:txBody>
+                    <a:bodyPr/>
+                    <a:lstStyle/>
+                    <a:p>
+                      <a:pPr marL="0" marR="0" lvl="0" indent="0" algn="l" defTabSz="914400" rtl="0" eaLnBrk="1" fontAlgn="auto" latinLnBrk="1" hangingPunct="1">
+                        <a:lnSpc>
+                          <a:spcPct val="100000"/>
+                        </a:lnSpc>
+                        <a:spcBef>
+                          <a:spcPts val="0"/>
+                        </a:spcBef>
+                        <a:spcAft>
+                          <a:spcPts val="0"/>
+                        </a:spcAft>
+                        <a:buClrTx/>
+                        <a:buSzTx/>
+                        <a:buFontTx/>
+                        <a:buNone/>
+                        <a:tabLst/>
+                        <a:defRPr/>
+                      </a:pPr>
+                      <a:r>
+                        <a:rPr kumimoji="0" lang="en-US" altLang="ko-KR" sz="1100" b="0" i="0" u="none" strike="noStrike" kern="1200" cap="none" spc="0" normalizeH="0" baseline="0" noProof="0" smtClean="0">
+                          <a:ln>
+                            <a:noFill/>
+                          </a:ln>
+                          <a:solidFill>
+                            <a:prstClr val="black"/>
+                          </a:solidFill>
+                          <a:effectLst/>
+                          <a:uLnTx/>
+                          <a:uFillTx/>
+                          <a:latin typeface="맑은 고딕" panose="020F0502020204030204"/>
+                          <a:ea typeface="맑은 고딕" panose="020B0503020000020004" pitchFamily="50" charset="-127"/>
+                          <a:cs typeface="+mn-cs"/>
+                        </a:rPr>
+                        <a:t>False</a:t>
+                      </a:r>
+                      <a:endParaRPr kumimoji="0" lang="ko-KR" altLang="en-US" sz="1100" b="0" i="0" u="none" strike="noStrike" kern="1200" cap="none" spc="0" normalizeH="0" baseline="0" noProof="0" dirty="0">
+                        <a:ln>
+                          <a:noFill/>
+                        </a:ln>
+                        <a:solidFill>
+                          <a:prstClr val="black"/>
+                        </a:solidFill>
+                        <a:effectLst/>
+                        <a:uLnTx/>
+                        <a:uFillTx/>
+                        <a:latin typeface="맑은 고딕" panose="020F0502020204030204"/>
+                        <a:ea typeface="맑은 고딕" panose="020B0503020000020004" pitchFamily="50" charset="-127"/>
+                        <a:cs typeface="+mn-cs"/>
+                      </a:endParaRPr>
+                    </a:p>
+                  </a:txBody>
+                  <a:tcPr/>
+                </a:tc>
+                <a:tc>
+                  <a:txBody>
+                    <a:bodyPr/>
+                    <a:lstStyle/>
+                    <a:p>
+                      <a:pPr marL="0" marR="0" lvl="0" indent="0" algn="l" defTabSz="914400" rtl="0" eaLnBrk="1" fontAlgn="auto" latinLnBrk="1" hangingPunct="1">
+                        <a:lnSpc>
+                          <a:spcPct val="100000"/>
+                        </a:lnSpc>
+                        <a:spcBef>
+                          <a:spcPts val="0"/>
+                        </a:spcBef>
+                        <a:spcAft>
+                          <a:spcPts val="0"/>
+                        </a:spcAft>
+                        <a:buClrTx/>
+                        <a:buSzTx/>
+                        <a:buFontTx/>
+                        <a:buNone/>
+                        <a:tabLst/>
+                        <a:defRPr/>
+                      </a:pPr>
+                      <a:r>
+                        <a:rPr kumimoji="0" lang="en-US" altLang="ko-KR" sz="1100" b="0" i="0" u="none" strike="noStrike" kern="1200" cap="none" spc="0" normalizeH="0" baseline="0" noProof="0" smtClean="0">
+                          <a:ln>
+                            <a:noFill/>
+                          </a:ln>
+                          <a:solidFill>
+                            <a:prstClr val="black"/>
+                          </a:solidFill>
+                          <a:effectLst/>
+                          <a:uLnTx/>
+                          <a:uFillTx/>
+                          <a:latin typeface="맑은 고딕" panose="020F0502020204030204"/>
+                          <a:ea typeface="맑은 고딕" panose="020B0503020000020004" pitchFamily="50" charset="-127"/>
+                          <a:cs typeface="+mn-cs"/>
+                        </a:rPr>
+                        <a:t>False</a:t>
+                      </a:r>
+                      <a:endParaRPr kumimoji="0" lang="ko-KR" altLang="en-US" sz="1100" b="0" i="0" u="none" strike="noStrike" kern="1200" cap="none" spc="0" normalizeH="0" baseline="0" noProof="0" dirty="0">
+                        <a:ln>
+                          <a:noFill/>
+                        </a:ln>
+                        <a:solidFill>
+                          <a:prstClr val="black"/>
+                        </a:solidFill>
+                        <a:effectLst/>
+                        <a:uLnTx/>
+                        <a:uFillTx/>
+                        <a:latin typeface="맑은 고딕" panose="020F0502020204030204"/>
+                        <a:ea typeface="맑은 고딕" panose="020B0503020000020004" pitchFamily="50" charset="-127"/>
+                        <a:cs typeface="+mn-cs"/>
+                      </a:endParaRPr>
+                    </a:p>
+                  </a:txBody>
+                  <a:tcPr/>
+                </a:tc>
+                <a:tc>
+                  <a:txBody>
+                    <a:bodyPr/>
+                    <a:lstStyle/>
+                    <a:p>
+                      <a:pPr marL="0" marR="0" lvl="0" indent="0" algn="l" defTabSz="914400" rtl="0" eaLnBrk="1" fontAlgn="auto" latinLnBrk="1" hangingPunct="1">
+                        <a:lnSpc>
+                          <a:spcPct val="100000"/>
+                        </a:lnSpc>
+                        <a:spcBef>
+                          <a:spcPts val="0"/>
+                        </a:spcBef>
+                        <a:spcAft>
+                          <a:spcPts val="0"/>
+                        </a:spcAft>
+                        <a:buClrTx/>
+                        <a:buSzTx/>
+                        <a:buFontTx/>
+                        <a:buNone/>
+                        <a:tabLst/>
+                        <a:defRPr/>
+                      </a:pPr>
+                      <a:r>
+                        <a:rPr kumimoji="0" lang="en-US" altLang="ko-KR" sz="1100" b="0" i="0" u="none" strike="noStrike" kern="1200" cap="none" spc="0" normalizeH="0" baseline="0" noProof="0" dirty="0" smtClean="0">
+                          <a:ln>
+                            <a:noFill/>
+                          </a:ln>
+                          <a:solidFill>
+                            <a:prstClr val="black"/>
+                          </a:solidFill>
+                          <a:effectLst/>
+                          <a:uLnTx/>
+                          <a:uFillTx/>
+                          <a:latin typeface="맑은 고딕" panose="020F0502020204030204"/>
+                          <a:ea typeface="맑은 고딕" panose="020B0503020000020004" pitchFamily="50" charset="-127"/>
+                          <a:cs typeface="+mn-cs"/>
+                        </a:rPr>
+                        <a:t>False</a:t>
+                      </a:r>
+                      <a:endParaRPr kumimoji="0" lang="ko-KR" altLang="en-US" sz="1100" b="0" i="0" u="none" strike="noStrike" kern="1200" cap="none" spc="0" normalizeH="0" baseline="0" noProof="0" dirty="0">
+                        <a:ln>
+                          <a:noFill/>
+                        </a:ln>
+                        <a:solidFill>
+                          <a:prstClr val="black"/>
+                        </a:solidFill>
+                        <a:effectLst/>
+                        <a:uLnTx/>
+                        <a:uFillTx/>
+                        <a:latin typeface="맑은 고딕" panose="020F0502020204030204"/>
+                        <a:ea typeface="맑은 고딕" panose="020B0503020000020004" pitchFamily="50" charset="-127"/>
+                        <a:cs typeface="+mn-cs"/>
+                      </a:endParaRPr>
+                    </a:p>
+                  </a:txBody>
+                  <a:tcPr/>
+                </a:tc>
+                <a:extLst>
+                  <a:ext uri="{0D108BD9-81ED-4DB2-BD59-A6C34878D82A}">
+                    <a16:rowId xmlns:a16="http://schemas.microsoft.com/office/drawing/2014/main" val="3748700917"/>
+                  </a:ext>
+                </a:extLst>
+              </a:tr>
+            </a:tbl>
+          </a:graphicData>
+        </a:graphic>
+      </p:graphicFrame>
+      <p:sp>
+        <p:nvSpPr>
+          <p:cNvPr id="65" name="직사각형 64"/>
+          <p:cNvSpPr/>
+          <p:nvPr/>
+        </p:nvSpPr>
+        <p:spPr>
+          <a:xfrm>
+            <a:off x="668122" y="1164584"/>
+            <a:ext cx="943272" cy="338554"/>
+          </a:xfrm>
+          <a:prstGeom prst="rect">
+            <a:avLst/>
+          </a:prstGeom>
+        </p:spPr>
+        <p:txBody>
+          <a:bodyPr wrap="none">
+            <a:spAutoFit/>
+          </a:bodyPr>
+          <a:lstStyle/>
+          <a:p>
+            <a:r>
+              <a:rPr lang="en-US" altLang="ko-KR" sz="1600" dirty="0" smtClean="0"/>
+              <a:t>checked</a:t>
+            </a:r>
+            <a:endParaRPr lang="ko-KR" altLang="en-US" sz="1600" dirty="0"/>
+          </a:p>
+        </p:txBody>
+      </p:sp>
+      <p:sp>
+        <p:nvSpPr>
+          <p:cNvPr id="54" name="TextBox 53"/>
+          <p:cNvSpPr txBox="1"/>
+          <p:nvPr/>
+        </p:nvSpPr>
+        <p:spPr>
+          <a:xfrm>
+            <a:off x="6057462" y="122562"/>
+            <a:ext cx="614072" cy="338554"/>
+          </a:xfrm>
+          <a:prstGeom prst="rect">
+            <a:avLst/>
+          </a:prstGeom>
+          <a:noFill/>
+        </p:spPr>
+        <p:txBody>
+          <a:bodyPr wrap="square" rtlCol="0">
+            <a:spAutoFit/>
+          </a:bodyPr>
+          <a:lstStyle/>
+          <a:p>
+            <a:r>
+              <a:rPr lang="en-US" altLang="ko-KR" sz="1600" dirty="0"/>
+              <a:t>s</a:t>
+            </a:r>
+            <a:r>
+              <a:rPr lang="en-US" altLang="ko-KR" sz="1600" dirty="0" smtClean="0"/>
+              <a:t>tart</a:t>
+            </a:r>
+            <a:endParaRPr lang="ko-KR" altLang="en-US" sz="1600" dirty="0"/>
+          </a:p>
+        </p:txBody>
+      </p:sp>
+      <p:graphicFrame>
+        <p:nvGraphicFramePr>
+          <p:cNvPr id="2" name="표 1"/>
+          <p:cNvGraphicFramePr>
+            <a:graphicFrameLocks noGrp="1"/>
+          </p:cNvGraphicFramePr>
+          <p:nvPr>
+            <p:extLst>
+              <p:ext uri="{D42A27DB-BD31-4B8C-83A1-F6EECF244321}">
+                <p14:modId xmlns:p14="http://schemas.microsoft.com/office/powerpoint/2010/main" val="174807036"/>
+              </p:ext>
+            </p:extLst>
+          </p:nvPr>
+        </p:nvGraphicFramePr>
+        <p:xfrm>
+          <a:off x="6211637" y="464145"/>
+          <a:ext cx="359404" cy="370840"/>
+        </p:xfrm>
+        <a:graphic>
+          <a:graphicData uri="http://schemas.openxmlformats.org/drawingml/2006/table">
+            <a:tbl>
+              <a:tblPr firstRow="1" bandRow="1">
+                <a:tableStyleId>{5C22544A-7EE6-4342-B048-85BDC9FD1C3A}</a:tableStyleId>
+              </a:tblPr>
+              <a:tblGrid>
+                <a:gridCol w="359404">
+                  <a:extLst>
+                    <a:ext uri="{9D8B030D-6E8A-4147-A177-3AD203B41FA5}">
+                      <a16:colId xmlns:a16="http://schemas.microsoft.com/office/drawing/2014/main" val="3067614549"/>
+                    </a:ext>
+                  </a:extLst>
+                </a:gridCol>
+              </a:tblGrid>
+              <a:tr h="370840">
+                <a:tc>
+                  <a:txBody>
+                    <a:bodyPr/>
+                    <a:lstStyle/>
+                    <a:p>
+                      <a:pPr latinLnBrk="1"/>
+                      <a:r>
+                        <a:rPr lang="en-US" altLang="ko-KR" dirty="0" smtClean="0"/>
+                        <a:t>1</a:t>
+                      </a:r>
+                      <a:endParaRPr lang="ko-KR" altLang="en-US" dirty="0"/>
+                    </a:p>
+                  </a:txBody>
+                  <a:tcPr/>
+                </a:tc>
+                <a:extLst>
+                  <a:ext uri="{0D108BD9-81ED-4DB2-BD59-A6C34878D82A}">
+                    <a16:rowId xmlns:a16="http://schemas.microsoft.com/office/drawing/2014/main" val="1221677638"/>
+                  </a:ext>
+                </a:extLst>
+              </a:tr>
+            </a:tbl>
+          </a:graphicData>
+        </a:graphic>
+      </p:graphicFrame>
+      <p:graphicFrame>
+        <p:nvGraphicFramePr>
+          <p:cNvPr id="56" name="표 55"/>
+          <p:cNvGraphicFramePr>
+            <a:graphicFrameLocks noGrp="1"/>
+          </p:cNvGraphicFramePr>
+          <p:nvPr>
+            <p:extLst>
+              <p:ext uri="{D42A27DB-BD31-4B8C-83A1-F6EECF244321}">
+                <p14:modId xmlns:p14="http://schemas.microsoft.com/office/powerpoint/2010/main" val="3655316734"/>
+              </p:ext>
+            </p:extLst>
+          </p:nvPr>
+        </p:nvGraphicFramePr>
+        <p:xfrm>
+          <a:off x="6798868" y="461116"/>
+          <a:ext cx="359404" cy="370840"/>
+        </p:xfrm>
+        <a:graphic>
+          <a:graphicData uri="http://schemas.openxmlformats.org/drawingml/2006/table">
+            <a:tbl>
+              <a:tblPr firstRow="1" bandRow="1">
+                <a:tableStyleId>{5C22544A-7EE6-4342-B048-85BDC9FD1C3A}</a:tableStyleId>
+              </a:tblPr>
+              <a:tblGrid>
+                <a:gridCol w="359404">
+                  <a:extLst>
+                    <a:ext uri="{9D8B030D-6E8A-4147-A177-3AD203B41FA5}">
+                      <a16:colId xmlns:a16="http://schemas.microsoft.com/office/drawing/2014/main" val="3067614549"/>
+                    </a:ext>
+                  </a:extLst>
+                </a:gridCol>
+              </a:tblGrid>
+              <a:tr h="370840">
+                <a:tc>
+                  <a:txBody>
+                    <a:bodyPr/>
+                    <a:lstStyle/>
+                    <a:p>
+                      <a:pPr latinLnBrk="1"/>
+                      <a:r>
+                        <a:rPr lang="en-US" altLang="ko-KR" dirty="0" smtClean="0"/>
+                        <a:t>1</a:t>
+                      </a:r>
+                      <a:endParaRPr lang="ko-KR" altLang="en-US" dirty="0"/>
+                    </a:p>
+                  </a:txBody>
+                  <a:tcPr/>
+                </a:tc>
+                <a:extLst>
+                  <a:ext uri="{0D108BD9-81ED-4DB2-BD59-A6C34878D82A}">
+                    <a16:rowId xmlns:a16="http://schemas.microsoft.com/office/drawing/2014/main" val="1221677638"/>
+                  </a:ext>
+                </a:extLst>
+              </a:tr>
+            </a:tbl>
+          </a:graphicData>
+        </a:graphic>
+      </p:graphicFrame>
+      <p:sp>
+        <p:nvSpPr>
+          <p:cNvPr id="57" name="TextBox 56"/>
+          <p:cNvSpPr txBox="1"/>
+          <p:nvPr/>
+        </p:nvSpPr>
+        <p:spPr>
+          <a:xfrm>
+            <a:off x="6671534" y="133358"/>
+            <a:ext cx="614072" cy="338554"/>
+          </a:xfrm>
+          <a:prstGeom prst="rect">
+            <a:avLst/>
+          </a:prstGeom>
+          <a:noFill/>
+        </p:spPr>
+        <p:txBody>
+          <a:bodyPr wrap="square" rtlCol="0">
+            <a:spAutoFit/>
+          </a:bodyPr>
+          <a:lstStyle/>
+          <a:p>
+            <a:r>
+              <a:rPr lang="en-US" altLang="ko-KR" sz="1600" dirty="0" smtClean="0"/>
+              <a:t>end</a:t>
+            </a:r>
+            <a:endParaRPr lang="ko-KR" altLang="en-US" sz="1600" dirty="0"/>
+          </a:p>
+        </p:txBody>
+      </p:sp>
+      <p:sp>
+        <p:nvSpPr>
+          <p:cNvPr id="58" name="직사각형 57"/>
+          <p:cNvSpPr/>
+          <p:nvPr/>
+        </p:nvSpPr>
+        <p:spPr>
+          <a:xfrm>
+            <a:off x="2745264" y="2356631"/>
+            <a:ext cx="9080683" cy="703440"/>
+          </a:xfrm>
+          <a:prstGeom prst="rect">
+            <a:avLst/>
+          </a:prstGeom>
+        </p:spPr>
+        <p:style>
+          <a:lnRef idx="2">
+            <a:schemeClr val="accent1">
+              <a:shade val="50000"/>
+            </a:schemeClr>
+          </a:lnRef>
+          <a:fillRef idx="1">
+            <a:schemeClr val="accent1"/>
+          </a:fillRef>
+          <a:effectRef idx="0">
+            <a:schemeClr val="accent1"/>
+          </a:effectRef>
+          <a:fontRef idx="minor">
+            <a:schemeClr val="lt1"/>
+          </a:fontRef>
+        </p:style>
+        <p:txBody>
+          <a:bodyPr rtlCol="0" anchor="ctr"/>
+          <a:lstStyle/>
+          <a:p>
+            <a:pPr algn="ctr"/>
+            <a:endParaRPr lang="ko-KR" altLang="en-US" dirty="0"/>
+          </a:p>
+        </p:txBody>
+      </p:sp>
+      <p:sp>
+        <p:nvSpPr>
+          <p:cNvPr id="59" name="타원 58"/>
+          <p:cNvSpPr/>
+          <p:nvPr/>
+        </p:nvSpPr>
+        <p:spPr>
+          <a:xfrm>
+            <a:off x="2745264" y="2352702"/>
+            <a:ext cx="745459" cy="718285"/>
+          </a:xfrm>
+          <a:prstGeom prst="ellipse">
+            <a:avLst/>
+          </a:prstGeom>
+          <a:solidFill>
+            <a:schemeClr val="accent2"/>
+          </a:solidFill>
+          <a:ln>
+            <a:solidFill>
+              <a:schemeClr val="bg1"/>
+            </a:solidFill>
+          </a:ln>
+        </p:spPr>
+        <p:style>
+          <a:lnRef idx="2">
+            <a:schemeClr val="accent1">
+              <a:shade val="50000"/>
+            </a:schemeClr>
+          </a:lnRef>
+          <a:fillRef idx="1">
+            <a:schemeClr val="accent1"/>
+          </a:fillRef>
+          <a:effectRef idx="0">
+            <a:schemeClr val="accent1"/>
+          </a:effectRef>
+          <a:fontRef idx="minor">
+            <a:schemeClr val="lt1"/>
+          </a:fontRef>
+        </p:style>
+        <p:txBody>
+          <a:bodyPr rtlCol="0" anchor="ctr"/>
+          <a:lstStyle/>
+          <a:p>
+            <a:pPr algn="ctr"/>
+            <a:r>
+              <a:rPr lang="en-US" altLang="ko-KR" sz="1400" dirty="0" smtClean="0">
+                <a:solidFill>
+                  <a:schemeClr val="tx1"/>
+                </a:solidFill>
+              </a:rPr>
+              <a:t>(1,0)</a:t>
+            </a:r>
+            <a:endParaRPr lang="ko-KR" altLang="en-US" sz="1400" dirty="0">
+              <a:solidFill>
+                <a:schemeClr val="tx1"/>
+              </a:solidFill>
+            </a:endParaRPr>
+          </a:p>
+        </p:txBody>
+      </p:sp>
+      <p:sp>
+        <p:nvSpPr>
+          <p:cNvPr id="71" name="TextBox 70"/>
+          <p:cNvSpPr txBox="1"/>
+          <p:nvPr/>
+        </p:nvSpPr>
+        <p:spPr>
+          <a:xfrm>
+            <a:off x="334245" y="3194270"/>
+            <a:ext cx="614072" cy="338554"/>
+          </a:xfrm>
+          <a:prstGeom prst="rect">
+            <a:avLst/>
+          </a:prstGeom>
+          <a:noFill/>
+        </p:spPr>
+        <p:txBody>
+          <a:bodyPr wrap="square" rtlCol="0">
+            <a:spAutoFit/>
+          </a:bodyPr>
+          <a:lstStyle/>
+          <a:p>
+            <a:r>
+              <a:rPr lang="en-US" altLang="ko-KR" sz="1600" dirty="0" smtClean="0"/>
+              <a:t>now</a:t>
+            </a:r>
+            <a:endParaRPr lang="ko-KR" altLang="en-US" sz="1600" dirty="0"/>
+          </a:p>
+        </p:txBody>
+      </p:sp>
+      <p:graphicFrame>
+        <p:nvGraphicFramePr>
+          <p:cNvPr id="72" name="표 71"/>
+          <p:cNvGraphicFramePr>
+            <a:graphicFrameLocks noGrp="1"/>
+          </p:cNvGraphicFramePr>
+          <p:nvPr>
+            <p:extLst>
+              <p:ext uri="{D42A27DB-BD31-4B8C-83A1-F6EECF244321}">
+                <p14:modId xmlns:p14="http://schemas.microsoft.com/office/powerpoint/2010/main" val="3988558981"/>
+              </p:ext>
+            </p:extLst>
+          </p:nvPr>
+        </p:nvGraphicFramePr>
+        <p:xfrm>
+          <a:off x="488420" y="3535853"/>
+          <a:ext cx="359404" cy="370840"/>
+        </p:xfrm>
+        <a:graphic>
+          <a:graphicData uri="http://schemas.openxmlformats.org/drawingml/2006/table">
+            <a:tbl>
+              <a:tblPr firstRow="1" bandRow="1">
+                <a:tableStyleId>{5C22544A-7EE6-4342-B048-85BDC9FD1C3A}</a:tableStyleId>
+              </a:tblPr>
+              <a:tblGrid>
+                <a:gridCol w="359404">
+                  <a:extLst>
+                    <a:ext uri="{9D8B030D-6E8A-4147-A177-3AD203B41FA5}">
+                      <a16:colId xmlns:a16="http://schemas.microsoft.com/office/drawing/2014/main" val="3067614549"/>
+                    </a:ext>
+                  </a:extLst>
+                </a:gridCol>
+              </a:tblGrid>
+              <a:tr h="370840">
+                <a:tc>
+                  <a:txBody>
+                    <a:bodyPr/>
+                    <a:lstStyle/>
+                    <a:p>
+                      <a:pPr latinLnBrk="1"/>
+                      <a:r>
+                        <a:rPr lang="en-US" altLang="ko-KR" dirty="0" smtClean="0"/>
+                        <a:t>1</a:t>
+                      </a:r>
+                      <a:endParaRPr lang="ko-KR" altLang="en-US" dirty="0"/>
+                    </a:p>
+                  </a:txBody>
+                  <a:tcPr/>
+                </a:tc>
+                <a:extLst>
+                  <a:ext uri="{0D108BD9-81ED-4DB2-BD59-A6C34878D82A}">
+                    <a16:rowId xmlns:a16="http://schemas.microsoft.com/office/drawing/2014/main" val="1221677638"/>
+                  </a:ext>
+                </a:extLst>
+              </a:tr>
+            </a:tbl>
+          </a:graphicData>
+        </a:graphic>
+      </p:graphicFrame>
+      <p:graphicFrame>
+        <p:nvGraphicFramePr>
+          <p:cNvPr id="73" name="표 72"/>
+          <p:cNvGraphicFramePr>
+            <a:graphicFrameLocks noGrp="1"/>
+          </p:cNvGraphicFramePr>
+          <p:nvPr>
+            <p:extLst>
+              <p:ext uri="{D42A27DB-BD31-4B8C-83A1-F6EECF244321}">
+                <p14:modId xmlns:p14="http://schemas.microsoft.com/office/powerpoint/2010/main" val="1884320109"/>
+              </p:ext>
+            </p:extLst>
+          </p:nvPr>
+        </p:nvGraphicFramePr>
+        <p:xfrm>
+          <a:off x="1102492" y="3532824"/>
+          <a:ext cx="359404" cy="370840"/>
+        </p:xfrm>
+        <a:graphic>
+          <a:graphicData uri="http://schemas.openxmlformats.org/drawingml/2006/table">
+            <a:tbl>
+              <a:tblPr firstRow="1" bandRow="1">
+                <a:tableStyleId>{5C22544A-7EE6-4342-B048-85BDC9FD1C3A}</a:tableStyleId>
+              </a:tblPr>
+              <a:tblGrid>
+                <a:gridCol w="359404">
+                  <a:extLst>
+                    <a:ext uri="{9D8B030D-6E8A-4147-A177-3AD203B41FA5}">
+                      <a16:colId xmlns:a16="http://schemas.microsoft.com/office/drawing/2014/main" val="3067614549"/>
+                    </a:ext>
+                  </a:extLst>
+                </a:gridCol>
+              </a:tblGrid>
+              <a:tr h="370840">
+                <a:tc>
+                  <a:txBody>
+                    <a:bodyPr/>
+                    <a:lstStyle/>
+                    <a:p>
+                      <a:pPr latinLnBrk="1"/>
+                      <a:r>
+                        <a:rPr lang="en-US" altLang="ko-KR" dirty="0" smtClean="0"/>
+                        <a:t>0</a:t>
+                      </a:r>
+                      <a:endParaRPr lang="ko-KR" altLang="en-US" dirty="0"/>
+                    </a:p>
+                  </a:txBody>
+                  <a:tcPr/>
+                </a:tc>
+                <a:extLst>
+                  <a:ext uri="{0D108BD9-81ED-4DB2-BD59-A6C34878D82A}">
+                    <a16:rowId xmlns:a16="http://schemas.microsoft.com/office/drawing/2014/main" val="1221677638"/>
+                  </a:ext>
+                </a:extLst>
+              </a:tr>
+            </a:tbl>
+          </a:graphicData>
+        </a:graphic>
+      </p:graphicFrame>
+      <p:sp>
+        <p:nvSpPr>
+          <p:cNvPr id="74" name="TextBox 73"/>
+          <p:cNvSpPr txBox="1"/>
+          <p:nvPr/>
+        </p:nvSpPr>
+        <p:spPr>
+          <a:xfrm>
+            <a:off x="1001999" y="3194270"/>
+            <a:ext cx="614072" cy="338554"/>
+          </a:xfrm>
+          <a:prstGeom prst="rect">
+            <a:avLst/>
+          </a:prstGeom>
+          <a:noFill/>
+        </p:spPr>
+        <p:txBody>
+          <a:bodyPr wrap="square" rtlCol="0">
+            <a:spAutoFit/>
+          </a:bodyPr>
+          <a:lstStyle/>
+          <a:p>
+            <a:r>
+              <a:rPr lang="en-US" altLang="ko-KR" sz="1600" dirty="0" err="1" smtClean="0"/>
+              <a:t>cnt</a:t>
+            </a:r>
+            <a:endParaRPr lang="ko-KR" altLang="en-US" sz="1600" dirty="0"/>
+          </a:p>
+        </p:txBody>
+      </p:sp>
+      <p:sp>
+        <p:nvSpPr>
+          <p:cNvPr id="77" name="타원 76"/>
+          <p:cNvSpPr/>
+          <p:nvPr/>
+        </p:nvSpPr>
+        <p:spPr>
+          <a:xfrm>
+            <a:off x="2853329" y="4574730"/>
+            <a:ext cx="745459" cy="718285"/>
+          </a:xfrm>
+          <a:prstGeom prst="ellipse">
+            <a:avLst/>
+          </a:prstGeom>
+          <a:solidFill>
+            <a:schemeClr val="accent2"/>
+          </a:solidFill>
+          <a:ln>
+            <a:solidFill>
+              <a:schemeClr val="bg1"/>
+            </a:solidFill>
+          </a:ln>
+        </p:spPr>
+        <p:style>
+          <a:lnRef idx="2">
+            <a:schemeClr val="accent1">
+              <a:shade val="50000"/>
+            </a:schemeClr>
+          </a:lnRef>
+          <a:fillRef idx="1">
+            <a:schemeClr val="accent1"/>
+          </a:fillRef>
+          <a:effectRef idx="0">
+            <a:schemeClr val="accent1"/>
+          </a:effectRef>
+          <a:fontRef idx="minor">
+            <a:schemeClr val="lt1"/>
+          </a:fontRef>
+        </p:style>
+        <p:txBody>
+          <a:bodyPr rtlCol="0" anchor="ctr"/>
+          <a:lstStyle/>
+          <a:p>
+            <a:pPr algn="ctr"/>
+            <a:r>
+              <a:rPr lang="en-US" altLang="ko-KR" sz="1400" dirty="0" smtClean="0">
+                <a:solidFill>
+                  <a:schemeClr val="tx1"/>
+                </a:solidFill>
+              </a:rPr>
+              <a:t>(2,1)</a:t>
+            </a:r>
+            <a:endParaRPr lang="ko-KR" altLang="en-US" sz="1400" dirty="0">
+              <a:solidFill>
+                <a:schemeClr val="tx1"/>
+              </a:solidFill>
+            </a:endParaRPr>
+          </a:p>
+        </p:txBody>
+      </p:sp>
+      <p:sp>
+        <p:nvSpPr>
+          <p:cNvPr id="78" name="타원 77"/>
+          <p:cNvSpPr/>
+          <p:nvPr/>
+        </p:nvSpPr>
+        <p:spPr>
+          <a:xfrm>
+            <a:off x="3729539" y="4574729"/>
+            <a:ext cx="745459" cy="718285"/>
+          </a:xfrm>
+          <a:prstGeom prst="ellipse">
+            <a:avLst/>
+          </a:prstGeom>
+          <a:solidFill>
+            <a:schemeClr val="accent2"/>
+          </a:solidFill>
+          <a:ln>
+            <a:solidFill>
+              <a:schemeClr val="bg1"/>
+            </a:solidFill>
+          </a:ln>
+        </p:spPr>
+        <p:style>
+          <a:lnRef idx="2">
+            <a:schemeClr val="accent1">
+              <a:shade val="50000"/>
+            </a:schemeClr>
+          </a:lnRef>
+          <a:fillRef idx="1">
+            <a:schemeClr val="accent1"/>
+          </a:fillRef>
+          <a:effectRef idx="0">
+            <a:schemeClr val="accent1"/>
+          </a:effectRef>
+          <a:fontRef idx="minor">
+            <a:schemeClr val="lt1"/>
+          </a:fontRef>
+        </p:style>
+        <p:txBody>
+          <a:bodyPr rtlCol="0" anchor="ctr"/>
+          <a:lstStyle/>
+          <a:p>
+            <a:pPr algn="ctr"/>
+            <a:r>
+              <a:rPr lang="en-US" altLang="ko-KR" sz="1400" dirty="0" smtClean="0">
+                <a:solidFill>
+                  <a:schemeClr val="tx1"/>
+                </a:solidFill>
+              </a:rPr>
+              <a:t>(3,1)</a:t>
+            </a:r>
+            <a:endParaRPr lang="ko-KR" altLang="en-US" sz="1400" dirty="0">
+              <a:solidFill>
+                <a:schemeClr val="tx1"/>
+              </a:solidFill>
+            </a:endParaRPr>
+          </a:p>
+        </p:txBody>
+      </p:sp>
+      <p:sp>
+        <p:nvSpPr>
+          <p:cNvPr id="79" name="타원 78"/>
+          <p:cNvSpPr/>
+          <p:nvPr/>
+        </p:nvSpPr>
+        <p:spPr>
+          <a:xfrm>
+            <a:off x="4587441" y="5800968"/>
+            <a:ext cx="745459" cy="718285"/>
+          </a:xfrm>
+          <a:prstGeom prst="ellipse">
+            <a:avLst/>
+          </a:prstGeom>
+          <a:solidFill>
+            <a:schemeClr val="accent2"/>
+          </a:solidFill>
+          <a:ln>
+            <a:solidFill>
+              <a:schemeClr val="bg1"/>
+            </a:solidFill>
+          </a:ln>
+        </p:spPr>
+        <p:style>
+          <a:lnRef idx="2">
+            <a:schemeClr val="accent1">
+              <a:shade val="50000"/>
+            </a:schemeClr>
+          </a:lnRef>
+          <a:fillRef idx="1">
+            <a:schemeClr val="accent1"/>
+          </a:fillRef>
+          <a:effectRef idx="0">
+            <a:schemeClr val="accent1"/>
+          </a:effectRef>
+          <a:fontRef idx="minor">
+            <a:schemeClr val="lt1"/>
+          </a:fontRef>
+        </p:style>
+        <p:txBody>
+          <a:bodyPr rtlCol="0" anchor="ctr"/>
+          <a:lstStyle/>
+          <a:p>
+            <a:pPr algn="ctr"/>
+            <a:r>
+              <a:rPr lang="en-US" altLang="ko-KR" sz="1400" dirty="0" smtClean="0">
+                <a:solidFill>
+                  <a:schemeClr val="tx1"/>
+                </a:solidFill>
+              </a:rPr>
+              <a:t>(4,1)</a:t>
+            </a:r>
+            <a:endParaRPr lang="ko-KR" altLang="en-US" sz="1400" dirty="0">
+              <a:solidFill>
+                <a:schemeClr val="tx1"/>
+              </a:solidFill>
+            </a:endParaRPr>
+          </a:p>
+        </p:txBody>
+      </p:sp>
+      <p:sp>
+        <p:nvSpPr>
+          <p:cNvPr id="80" name="타원 79"/>
+          <p:cNvSpPr/>
+          <p:nvPr/>
+        </p:nvSpPr>
+        <p:spPr>
+          <a:xfrm>
+            <a:off x="5466178" y="3718244"/>
+            <a:ext cx="745459" cy="718285"/>
+          </a:xfrm>
+          <a:prstGeom prst="ellipse">
+            <a:avLst/>
+          </a:prstGeom>
+          <a:solidFill>
+            <a:schemeClr val="accent2"/>
+          </a:solidFill>
+          <a:ln>
+            <a:solidFill>
+              <a:schemeClr val="bg1"/>
+            </a:solidFill>
+          </a:ln>
+        </p:spPr>
+        <p:style>
+          <a:lnRef idx="2">
+            <a:schemeClr val="accent1">
+              <a:shade val="50000"/>
+            </a:schemeClr>
+          </a:lnRef>
+          <a:fillRef idx="1">
+            <a:schemeClr val="accent1"/>
+          </a:fillRef>
+          <a:effectRef idx="0">
+            <a:schemeClr val="accent1"/>
+          </a:effectRef>
+          <a:fontRef idx="minor">
+            <a:schemeClr val="lt1"/>
+          </a:fontRef>
+        </p:style>
+        <p:txBody>
+          <a:bodyPr rtlCol="0" anchor="ctr"/>
+          <a:lstStyle/>
+          <a:p>
+            <a:pPr algn="ctr"/>
+            <a:r>
+              <a:rPr lang="en-US" altLang="ko-KR" sz="1400" dirty="0" smtClean="0">
+                <a:solidFill>
+                  <a:schemeClr val="tx1"/>
+                </a:solidFill>
+              </a:rPr>
+              <a:t>(5,1)</a:t>
+            </a:r>
+            <a:endParaRPr lang="ko-KR" altLang="en-US" sz="1400" dirty="0">
+              <a:solidFill>
+                <a:schemeClr val="tx1"/>
+              </a:solidFill>
+            </a:endParaRPr>
+          </a:p>
+        </p:txBody>
+      </p:sp>
+    </p:spTree>
+    <p:extLst>
+      <p:ext uri="{BB962C8B-B14F-4D97-AF65-F5344CB8AC3E}">
+        <p14:creationId xmlns:p14="http://schemas.microsoft.com/office/powerpoint/2010/main" val="4178279894"/>
+      </p:ext>
+    </p:extLst>
+  </p:cSld>
+  <p:clrMapOvr>
+    <a:masterClrMapping/>
+  </p:clrMapOvr>
+  <p:timing>
+    <p:tnLst>
+      <p:par>
+        <p:cTn id="1" dur="indefinite" restart="never" nodeType="tmRoot"/>
+      </p:par>
+    </p:tnLst>
+  </p:timing>
+</p:sld>
+</file>
+
+<file path=ppt/slides/slide4.xml><?xml version="1.0" encoding="utf-8"?>
+<p:sld xmlns:a="http://schemas.openxmlformats.org/drawingml/2006/main" xmlns:r="http://schemas.openxmlformats.org/officeDocument/2006/relationships" xmlns:p="http://schemas.openxmlformats.org/presentationml/2006/main">
+  <p:cSld>
+    <p:spTree>
+      <p:nvGrpSpPr>
+        <p:cNvPr id="1" name=""/>
+        <p:cNvGrpSpPr/>
+        <p:nvPr/>
+      </p:nvGrpSpPr>
+      <p:grpSpPr>
+        <a:xfrm>
+          <a:off x="0" y="0"/>
+          <a:ext cx="0" cy="0"/>
+          <a:chOff x="0" y="0"/>
+          <a:chExt cx="0" cy="0"/>
+        </a:xfrm>
+      </p:grpSpPr>
+      <p:sp>
+        <p:nvSpPr>
+          <p:cNvPr id="4" name="타원 3"/>
+          <p:cNvSpPr/>
+          <p:nvPr/>
+        </p:nvSpPr>
+        <p:spPr>
+          <a:xfrm>
+            <a:off x="6947363" y="39967"/>
+            <a:ext cx="654936" cy="634534"/>
+          </a:xfrm>
+          <a:prstGeom prst="ellipse">
+            <a:avLst/>
+          </a:prstGeom>
+          <a:solidFill>
+            <a:schemeClr val="accent2">
+              <a:lumMod val="60000"/>
+              <a:lumOff val="40000"/>
+            </a:schemeClr>
+          </a:solidFill>
+          <a:ln>
+            <a:solidFill>
+              <a:srgbClr val="FF0000"/>
+            </a:solidFill>
+          </a:ln>
+        </p:spPr>
+        <p:style>
+          <a:lnRef idx="2">
+            <a:schemeClr val="accent1">
+              <a:shade val="50000"/>
+            </a:schemeClr>
+          </a:lnRef>
+          <a:fillRef idx="1">
+            <a:schemeClr val="accent1"/>
+          </a:fillRef>
+          <a:effectRef idx="0">
+            <a:schemeClr val="accent1"/>
+          </a:effectRef>
+          <a:fontRef idx="minor">
+            <a:schemeClr val="lt1"/>
+          </a:fontRef>
+        </p:style>
+        <p:txBody>
+          <a:bodyPr rtlCol="0" anchor="ctr"/>
+          <a:lstStyle/>
+          <a:p>
+            <a:pPr algn="ctr"/>
+            <a:r>
+              <a:rPr lang="en-US" altLang="ko-KR" sz="1400" dirty="0" smtClean="0">
+                <a:solidFill>
+                  <a:schemeClr val="tx1"/>
+                </a:solidFill>
+              </a:rPr>
+              <a:t>1(</a:t>
+            </a:r>
+            <a:r>
+              <a:rPr lang="en-US" altLang="ko-KR" sz="1400" dirty="0" smtClean="0">
+                <a:solidFill>
+                  <a:srgbClr val="00B050"/>
+                </a:solidFill>
+              </a:rPr>
+              <a:t>1</a:t>
+            </a:r>
+            <a:r>
+              <a:rPr lang="en-US" altLang="ko-KR" sz="1400" dirty="0" smtClean="0">
+                <a:solidFill>
+                  <a:schemeClr val="tx1"/>
+                </a:solidFill>
+              </a:rPr>
+              <a:t>)</a:t>
+            </a:r>
+            <a:endParaRPr lang="ko-KR" altLang="en-US" sz="1400" dirty="0">
+              <a:solidFill>
+                <a:schemeClr val="tx1"/>
+              </a:solidFill>
+            </a:endParaRPr>
+          </a:p>
+        </p:txBody>
+      </p:sp>
+      <p:sp>
+        <p:nvSpPr>
+          <p:cNvPr id="6" name="TextBox 5"/>
+          <p:cNvSpPr txBox="1"/>
+          <p:nvPr/>
+        </p:nvSpPr>
+        <p:spPr>
+          <a:xfrm>
+            <a:off x="298516" y="274026"/>
+            <a:ext cx="1448123" cy="307777"/>
+          </a:xfrm>
+          <a:prstGeom prst="rect">
+            <a:avLst/>
+          </a:prstGeom>
+          <a:solidFill>
+            <a:schemeClr val="accent2">
+              <a:lumMod val="60000"/>
+              <a:lumOff val="40000"/>
+            </a:schemeClr>
+          </a:solidFill>
+        </p:spPr>
+        <p:txBody>
+          <a:bodyPr wrap="square" rtlCol="0">
+            <a:spAutoFit/>
+          </a:bodyPr>
+          <a:lstStyle/>
+          <a:p>
+            <a:r>
+              <a:rPr lang="en-US" altLang="ko-KR" sz="1400" dirty="0" smtClean="0"/>
+              <a:t>0 Level </a:t>
+            </a:r>
+            <a:r>
+              <a:rPr lang="en-US" altLang="ko-KR" sz="1400" dirty="0"/>
+              <a:t>(count) </a:t>
+            </a:r>
+            <a:r>
+              <a:rPr lang="en-US" altLang="ko-KR" sz="1400" dirty="0" smtClean="0"/>
+              <a:t> </a:t>
+            </a:r>
+            <a:endParaRPr lang="ko-KR" altLang="en-US" sz="1400" dirty="0"/>
+          </a:p>
+        </p:txBody>
+      </p:sp>
+      <p:sp>
+        <p:nvSpPr>
+          <p:cNvPr id="7" name="타원 6"/>
+          <p:cNvSpPr/>
+          <p:nvPr/>
+        </p:nvSpPr>
+        <p:spPr>
+          <a:xfrm>
+            <a:off x="3984161" y="1267652"/>
+            <a:ext cx="654936" cy="634534"/>
+          </a:xfrm>
+          <a:prstGeom prst="ellipse">
+            <a:avLst/>
+          </a:prstGeom>
+          <a:ln>
+            <a:solidFill>
+              <a:srgbClr val="FF0000"/>
+            </a:solidFill>
+          </a:ln>
+        </p:spPr>
+        <p:style>
+          <a:lnRef idx="2">
+            <a:schemeClr val="accent1">
+              <a:shade val="50000"/>
+            </a:schemeClr>
+          </a:lnRef>
+          <a:fillRef idx="1">
+            <a:schemeClr val="accent1"/>
+          </a:fillRef>
+          <a:effectRef idx="0">
+            <a:schemeClr val="accent1"/>
+          </a:effectRef>
+          <a:fontRef idx="minor">
+            <a:schemeClr val="lt1"/>
+          </a:fontRef>
+        </p:style>
+        <p:txBody>
+          <a:bodyPr rtlCol="0" anchor="ctr"/>
+          <a:lstStyle/>
+          <a:p>
+            <a:pPr algn="ctr"/>
+            <a:r>
+              <a:rPr lang="en-US" altLang="ko-KR" sz="1400" dirty="0" smtClean="0">
+                <a:solidFill>
+                  <a:schemeClr val="tx1"/>
+                </a:solidFill>
+              </a:rPr>
+              <a:t>2(</a:t>
+            </a:r>
+            <a:r>
+              <a:rPr lang="en-US" altLang="ko-KR" sz="1400" dirty="0" smtClean="0">
+                <a:solidFill>
+                  <a:srgbClr val="7030A0"/>
+                </a:solidFill>
+              </a:rPr>
+              <a:t>2</a:t>
+            </a:r>
+            <a:r>
+              <a:rPr lang="en-US" altLang="ko-KR" sz="1400" dirty="0" smtClean="0">
+                <a:solidFill>
+                  <a:schemeClr val="tx1"/>
+                </a:solidFill>
+              </a:rPr>
+              <a:t>)</a:t>
+            </a:r>
+            <a:endParaRPr lang="ko-KR" altLang="en-US" sz="1400" dirty="0">
+              <a:solidFill>
+                <a:schemeClr val="tx1"/>
+              </a:solidFill>
+            </a:endParaRPr>
+          </a:p>
+        </p:txBody>
+      </p:sp>
+      <p:sp>
+        <p:nvSpPr>
+          <p:cNvPr id="12" name="TextBox 11"/>
+          <p:cNvSpPr txBox="1"/>
+          <p:nvPr/>
+        </p:nvSpPr>
+        <p:spPr>
+          <a:xfrm>
+            <a:off x="2416457" y="2145045"/>
+            <a:ext cx="999037" cy="307777"/>
+          </a:xfrm>
+          <a:prstGeom prst="rect">
+            <a:avLst/>
+          </a:prstGeom>
+          <a:noFill/>
+        </p:spPr>
+        <p:txBody>
+          <a:bodyPr wrap="square" rtlCol="0">
+            <a:spAutoFit/>
+          </a:bodyPr>
+          <a:lstStyle/>
+          <a:p>
+            <a:r>
+              <a:rPr lang="en-US" altLang="ko-KR" sz="1400" dirty="0" smtClean="0"/>
+              <a:t>2=</a:t>
+            </a:r>
+            <a:r>
+              <a:rPr lang="en-US" altLang="ko-KR" sz="1400" dirty="0" smtClean="0">
+                <a:solidFill>
+                  <a:srgbClr val="7030A0"/>
+                </a:solidFill>
+              </a:rPr>
+              <a:t>2</a:t>
+            </a:r>
+            <a:r>
+              <a:rPr lang="en-US" altLang="ko-KR" sz="1400" dirty="0" smtClean="0"/>
+              <a:t>*1</a:t>
+            </a:r>
+            <a:endParaRPr lang="ko-KR" altLang="en-US" sz="1400" dirty="0"/>
+          </a:p>
+        </p:txBody>
+      </p:sp>
+      <p:sp>
+        <p:nvSpPr>
+          <p:cNvPr id="13" name="타원 12"/>
+          <p:cNvSpPr/>
+          <p:nvPr/>
+        </p:nvSpPr>
+        <p:spPr>
+          <a:xfrm>
+            <a:off x="5340412" y="1261939"/>
+            <a:ext cx="654936" cy="634534"/>
+          </a:xfrm>
+          <a:prstGeom prst="ellipse">
+            <a:avLst/>
+          </a:prstGeom>
+          <a:ln>
+            <a:solidFill>
+              <a:schemeClr val="bg1"/>
+            </a:solidFill>
+          </a:ln>
+        </p:spPr>
+        <p:style>
+          <a:lnRef idx="2">
+            <a:schemeClr val="accent1">
+              <a:shade val="50000"/>
+            </a:schemeClr>
+          </a:lnRef>
+          <a:fillRef idx="1">
+            <a:schemeClr val="accent1"/>
+          </a:fillRef>
+          <a:effectRef idx="0">
+            <a:schemeClr val="accent1"/>
+          </a:effectRef>
+          <a:fontRef idx="minor">
+            <a:schemeClr val="lt1"/>
+          </a:fontRef>
+        </p:style>
+        <p:txBody>
+          <a:bodyPr rtlCol="0" anchor="ctr"/>
+          <a:lstStyle/>
+          <a:p>
+            <a:pPr algn="ctr"/>
+            <a:r>
+              <a:rPr lang="en-US" altLang="ko-KR" sz="1400" dirty="0" smtClean="0">
+                <a:solidFill>
+                  <a:schemeClr val="tx1"/>
+                </a:solidFill>
+              </a:rPr>
+              <a:t>3(</a:t>
+            </a:r>
+            <a:r>
+              <a:rPr lang="en-US" altLang="ko-KR" sz="1400" dirty="0" smtClean="0">
+                <a:solidFill>
+                  <a:srgbClr val="7030A0"/>
+                </a:solidFill>
+              </a:rPr>
+              <a:t>2</a:t>
+            </a:r>
+            <a:r>
+              <a:rPr lang="en-US" altLang="ko-KR" sz="1400" dirty="0" smtClean="0">
+                <a:solidFill>
+                  <a:schemeClr val="tx1"/>
+                </a:solidFill>
+              </a:rPr>
+              <a:t>)</a:t>
+            </a:r>
+            <a:endParaRPr lang="ko-KR" altLang="en-US" sz="1400" dirty="0">
+              <a:solidFill>
+                <a:schemeClr val="tx1"/>
+              </a:solidFill>
+            </a:endParaRPr>
+          </a:p>
+        </p:txBody>
+      </p:sp>
+      <p:sp>
+        <p:nvSpPr>
+          <p:cNvPr id="16" name="TextBox 15"/>
+          <p:cNvSpPr txBox="1"/>
+          <p:nvPr/>
+        </p:nvSpPr>
+        <p:spPr>
+          <a:xfrm>
+            <a:off x="5961074" y="946332"/>
+            <a:ext cx="999037" cy="307777"/>
+          </a:xfrm>
+          <a:prstGeom prst="rect">
+            <a:avLst/>
+          </a:prstGeom>
+          <a:noFill/>
+        </p:spPr>
+        <p:txBody>
+          <a:bodyPr wrap="square" rtlCol="0">
+            <a:spAutoFit/>
+          </a:bodyPr>
+          <a:lstStyle/>
+          <a:p>
+            <a:r>
+              <a:rPr lang="en-US" altLang="ko-KR" sz="1400" dirty="0" smtClean="0"/>
+              <a:t>2=</a:t>
+            </a:r>
+            <a:r>
+              <a:rPr lang="en-US" altLang="ko-KR" sz="1400" dirty="0" smtClean="0">
+                <a:solidFill>
+                  <a:srgbClr val="00B050"/>
+                </a:solidFill>
+              </a:rPr>
+              <a:t>1</a:t>
+            </a:r>
+            <a:r>
+              <a:rPr lang="en-US" altLang="ko-KR" sz="1400" dirty="0" smtClean="0"/>
+              <a:t>*2</a:t>
+            </a:r>
+            <a:endParaRPr lang="ko-KR" altLang="en-US" sz="1400" dirty="0"/>
+          </a:p>
+        </p:txBody>
+      </p:sp>
+      <p:sp>
+        <p:nvSpPr>
+          <p:cNvPr id="17" name="타원 16"/>
+          <p:cNvSpPr/>
+          <p:nvPr/>
+        </p:nvSpPr>
+        <p:spPr>
+          <a:xfrm>
+            <a:off x="6947363" y="1283242"/>
+            <a:ext cx="654936" cy="634534"/>
+          </a:xfrm>
+          <a:prstGeom prst="ellipse">
+            <a:avLst/>
+          </a:prstGeom>
+          <a:ln>
+            <a:solidFill>
+              <a:schemeClr val="bg1"/>
+            </a:solidFill>
+          </a:ln>
+        </p:spPr>
+        <p:style>
+          <a:lnRef idx="2">
+            <a:schemeClr val="accent1">
+              <a:shade val="50000"/>
+            </a:schemeClr>
+          </a:lnRef>
+          <a:fillRef idx="1">
+            <a:schemeClr val="accent1"/>
+          </a:fillRef>
+          <a:effectRef idx="0">
+            <a:schemeClr val="accent1"/>
+          </a:effectRef>
+          <a:fontRef idx="minor">
+            <a:schemeClr val="lt1"/>
+          </a:fontRef>
+        </p:style>
+        <p:txBody>
+          <a:bodyPr rtlCol="0" anchor="ctr"/>
+          <a:lstStyle/>
+          <a:p>
+            <a:pPr algn="ctr"/>
+            <a:r>
+              <a:rPr lang="en-US" altLang="ko-KR" sz="1400" dirty="0" smtClean="0">
+                <a:solidFill>
+                  <a:schemeClr val="tx1"/>
+                </a:solidFill>
+              </a:rPr>
+              <a:t>4(</a:t>
+            </a:r>
+            <a:r>
+              <a:rPr lang="en-US" altLang="ko-KR" sz="1400" dirty="0" smtClean="0">
+                <a:solidFill>
+                  <a:srgbClr val="7030A0"/>
+                </a:solidFill>
+              </a:rPr>
+              <a:t>1</a:t>
+            </a:r>
+            <a:r>
+              <a:rPr lang="en-US" altLang="ko-KR" sz="1400" dirty="0" smtClean="0">
+                <a:solidFill>
+                  <a:schemeClr val="tx1"/>
+                </a:solidFill>
+              </a:rPr>
+              <a:t>)</a:t>
+            </a:r>
+            <a:endParaRPr lang="ko-KR" altLang="en-US" sz="1400" dirty="0">
+              <a:solidFill>
+                <a:schemeClr val="tx1"/>
+              </a:solidFill>
+            </a:endParaRPr>
+          </a:p>
+        </p:txBody>
+      </p:sp>
+      <p:sp>
+        <p:nvSpPr>
+          <p:cNvPr id="21" name="TextBox 20"/>
+          <p:cNvSpPr txBox="1"/>
+          <p:nvPr/>
+        </p:nvSpPr>
+        <p:spPr>
+          <a:xfrm>
+            <a:off x="7055770" y="926692"/>
+            <a:ext cx="999037" cy="307777"/>
+          </a:xfrm>
+          <a:prstGeom prst="rect">
+            <a:avLst/>
+          </a:prstGeom>
+          <a:noFill/>
+        </p:spPr>
+        <p:txBody>
+          <a:bodyPr wrap="square" rtlCol="0">
+            <a:spAutoFit/>
+          </a:bodyPr>
+          <a:lstStyle/>
+          <a:p>
+            <a:r>
+              <a:rPr lang="en-US" altLang="ko-KR" sz="1400" dirty="0" smtClean="0"/>
+              <a:t>3=</a:t>
+            </a:r>
+            <a:r>
+              <a:rPr lang="en-US" altLang="ko-KR" sz="1400" dirty="0" smtClean="0">
+                <a:solidFill>
+                  <a:srgbClr val="00B050"/>
+                </a:solidFill>
+              </a:rPr>
+              <a:t>1</a:t>
+            </a:r>
+            <a:r>
+              <a:rPr lang="en-US" altLang="ko-KR" sz="1400" dirty="0" smtClean="0"/>
+              <a:t>*3</a:t>
+            </a:r>
+            <a:endParaRPr lang="ko-KR" altLang="en-US" sz="1400" dirty="0"/>
+          </a:p>
+        </p:txBody>
+      </p:sp>
+      <p:sp>
+        <p:nvSpPr>
+          <p:cNvPr id="22" name="TextBox 21"/>
+          <p:cNvSpPr txBox="1"/>
+          <p:nvPr/>
+        </p:nvSpPr>
+        <p:spPr>
+          <a:xfrm>
+            <a:off x="8079592" y="913149"/>
+            <a:ext cx="999037" cy="307777"/>
+          </a:xfrm>
+          <a:prstGeom prst="rect">
+            <a:avLst/>
+          </a:prstGeom>
+          <a:noFill/>
+        </p:spPr>
+        <p:txBody>
+          <a:bodyPr wrap="square" rtlCol="0">
+            <a:spAutoFit/>
+          </a:bodyPr>
+          <a:lstStyle/>
+          <a:p>
+            <a:r>
+              <a:rPr lang="en-US" altLang="ko-KR" sz="1400" dirty="0" smtClean="0"/>
+              <a:t>4=</a:t>
+            </a:r>
+            <a:r>
+              <a:rPr lang="en-US" altLang="ko-KR" sz="1400" dirty="0" smtClean="0">
+                <a:solidFill>
+                  <a:srgbClr val="00B050"/>
+                </a:solidFill>
+              </a:rPr>
+              <a:t>1</a:t>
+            </a:r>
+            <a:r>
+              <a:rPr lang="en-US" altLang="ko-KR" sz="1400" dirty="0" smtClean="0"/>
+              <a:t>*4</a:t>
+            </a:r>
+            <a:endParaRPr lang="ko-KR" altLang="en-US" sz="1400" dirty="0"/>
+          </a:p>
+        </p:txBody>
+      </p:sp>
+      <p:sp>
+        <p:nvSpPr>
+          <p:cNvPr id="23" name="타원 22"/>
+          <p:cNvSpPr/>
+          <p:nvPr/>
+        </p:nvSpPr>
+        <p:spPr>
+          <a:xfrm>
+            <a:off x="8651813" y="1261939"/>
+            <a:ext cx="654936" cy="634534"/>
+          </a:xfrm>
+          <a:prstGeom prst="ellipse">
+            <a:avLst/>
+          </a:prstGeom>
+          <a:ln>
+            <a:solidFill>
+              <a:schemeClr val="bg1"/>
+            </a:solidFill>
+          </a:ln>
+        </p:spPr>
+        <p:style>
+          <a:lnRef idx="2">
+            <a:schemeClr val="accent1">
+              <a:shade val="50000"/>
+            </a:schemeClr>
+          </a:lnRef>
+          <a:fillRef idx="1">
+            <a:schemeClr val="accent1"/>
+          </a:fillRef>
+          <a:effectRef idx="0">
+            <a:schemeClr val="accent1"/>
+          </a:effectRef>
+          <a:fontRef idx="minor">
+            <a:schemeClr val="lt1"/>
+          </a:fontRef>
+        </p:style>
+        <p:txBody>
+          <a:bodyPr rtlCol="0" anchor="ctr"/>
+          <a:lstStyle/>
+          <a:p>
+            <a:pPr algn="ctr"/>
+            <a:r>
+              <a:rPr lang="en-US" altLang="ko-KR" sz="1400" dirty="0" smtClean="0">
+                <a:solidFill>
+                  <a:schemeClr val="tx1"/>
+                </a:solidFill>
+              </a:rPr>
+              <a:t>5(</a:t>
+            </a:r>
+            <a:r>
+              <a:rPr lang="en-US" altLang="ko-KR" sz="1400" dirty="0" smtClean="0">
+                <a:solidFill>
+                  <a:srgbClr val="7030A0"/>
+                </a:solidFill>
+              </a:rPr>
+              <a:t>2</a:t>
+            </a:r>
+            <a:r>
+              <a:rPr lang="en-US" altLang="ko-KR" sz="1400" dirty="0" smtClean="0">
+                <a:solidFill>
+                  <a:schemeClr val="tx1"/>
+                </a:solidFill>
+              </a:rPr>
+              <a:t>)</a:t>
+            </a:r>
+            <a:endParaRPr lang="ko-KR" altLang="en-US" sz="1400" dirty="0">
+              <a:solidFill>
+                <a:schemeClr val="tx1"/>
+              </a:solidFill>
+            </a:endParaRPr>
+          </a:p>
+        </p:txBody>
+      </p:sp>
+      <p:sp>
+        <p:nvSpPr>
+          <p:cNvPr id="27" name="TextBox 26"/>
+          <p:cNvSpPr txBox="1"/>
+          <p:nvPr/>
+        </p:nvSpPr>
+        <p:spPr>
+          <a:xfrm>
+            <a:off x="312274" y="1351805"/>
+            <a:ext cx="1326026" cy="369332"/>
+          </a:xfrm>
+          <a:prstGeom prst="rect">
+            <a:avLst/>
+          </a:prstGeom>
+          <a:ln>
+            <a:solidFill>
+              <a:schemeClr val="bg1"/>
+            </a:solidFill>
+          </a:ln>
+        </p:spPr>
+        <p:style>
+          <a:lnRef idx="2">
+            <a:schemeClr val="accent1">
+              <a:shade val="50000"/>
+            </a:schemeClr>
+          </a:lnRef>
+          <a:fillRef idx="1">
+            <a:schemeClr val="accent1"/>
+          </a:fillRef>
+          <a:effectRef idx="0">
+            <a:schemeClr val="accent1"/>
+          </a:effectRef>
+          <a:fontRef idx="minor">
+            <a:schemeClr val="lt1"/>
+          </a:fontRef>
+        </p:style>
+        <p:txBody>
+          <a:bodyPr rot="0" spcFirstLastPara="0" vertOverflow="overflow" horzOverflow="overflow" vert="horz" wrap="square" lIns="91440" tIns="45720" rIns="91440" bIns="45720" numCol="1" spcCol="0" rtlCol="0" fromWordArt="0" anchor="ctr" anchorCtr="0" forceAA="0" compatLnSpc="1">
+            <a:prstTxWarp prst="textNoShape">
+              <a:avLst/>
+            </a:prstTxWarp>
+            <a:noAutofit/>
+          </a:bodyPr>
+          <a:lstStyle>
+            <a:defPPr>
+              <a:defRPr lang="ko-KR"/>
+            </a:defPPr>
+            <a:lvl1pPr algn="ctr">
+              <a:defRPr>
+                <a:solidFill>
+                  <a:schemeClr val="lt1"/>
+                </a:solidFill>
+              </a:defRPr>
+            </a:lvl1pPr>
+            <a:lvl2pPr>
+              <a:defRPr>
+                <a:solidFill>
+                  <a:schemeClr val="lt1"/>
+                </a:solidFill>
+              </a:defRPr>
+            </a:lvl2pPr>
+            <a:lvl3pPr>
+              <a:defRPr>
+                <a:solidFill>
+                  <a:schemeClr val="lt1"/>
+                </a:solidFill>
+              </a:defRPr>
+            </a:lvl3pPr>
+            <a:lvl4pPr>
+              <a:defRPr>
+                <a:solidFill>
+                  <a:schemeClr val="lt1"/>
+                </a:solidFill>
+              </a:defRPr>
+            </a:lvl4pPr>
+            <a:lvl5pPr>
+              <a:defRPr>
+                <a:solidFill>
+                  <a:schemeClr val="lt1"/>
+                </a:solidFill>
+              </a:defRPr>
+            </a:lvl5pPr>
+            <a:lvl6pPr>
+              <a:defRPr>
+                <a:solidFill>
+                  <a:schemeClr val="lt1"/>
+                </a:solidFill>
+              </a:defRPr>
+            </a:lvl6pPr>
+            <a:lvl7pPr>
+              <a:defRPr>
+                <a:solidFill>
+                  <a:schemeClr val="lt1"/>
+                </a:solidFill>
+              </a:defRPr>
+            </a:lvl7pPr>
+            <a:lvl8pPr>
+              <a:defRPr>
+                <a:solidFill>
+                  <a:schemeClr val="lt1"/>
+                </a:solidFill>
+              </a:defRPr>
+            </a:lvl8pPr>
+            <a:lvl9pPr>
+              <a:defRPr>
+                <a:solidFill>
+                  <a:schemeClr val="lt1"/>
+                </a:solidFill>
+              </a:defRPr>
+            </a:lvl9pPr>
+          </a:lstStyle>
+          <a:p>
+            <a:pPr algn="l"/>
+            <a:r>
+              <a:rPr lang="en-US" altLang="ko-KR" sz="1400" dirty="0" smtClean="0">
+                <a:solidFill>
+                  <a:schemeClr val="tx1"/>
+                </a:solidFill>
+              </a:rPr>
+              <a:t>1 Level (count) </a:t>
+            </a:r>
+            <a:endParaRPr lang="ko-KR" altLang="en-US" sz="1400" dirty="0">
+              <a:solidFill>
+                <a:schemeClr val="tx1"/>
+              </a:solidFill>
+            </a:endParaRPr>
+          </a:p>
+        </p:txBody>
+      </p:sp>
+      <p:sp>
+        <p:nvSpPr>
+          <p:cNvPr id="28" name="TextBox 27"/>
+          <p:cNvSpPr txBox="1"/>
+          <p:nvPr/>
+        </p:nvSpPr>
+        <p:spPr>
+          <a:xfrm>
+            <a:off x="9348827" y="926692"/>
+            <a:ext cx="999037" cy="307777"/>
+          </a:xfrm>
+          <a:prstGeom prst="rect">
+            <a:avLst/>
+          </a:prstGeom>
+          <a:noFill/>
+        </p:spPr>
+        <p:txBody>
+          <a:bodyPr wrap="square" rtlCol="0">
+            <a:spAutoFit/>
+          </a:bodyPr>
+          <a:lstStyle/>
+          <a:p>
+            <a:r>
+              <a:rPr lang="en-US" altLang="ko-KR" sz="1400" dirty="0" smtClean="0"/>
+              <a:t>5=</a:t>
+            </a:r>
+            <a:r>
+              <a:rPr lang="en-US" altLang="ko-KR" sz="1400" dirty="0" smtClean="0">
+                <a:solidFill>
+                  <a:srgbClr val="00B050"/>
+                </a:solidFill>
+              </a:rPr>
+              <a:t>1</a:t>
+            </a:r>
+            <a:r>
+              <a:rPr lang="en-US" altLang="ko-KR" sz="1400" dirty="0" smtClean="0"/>
+              <a:t>*5</a:t>
+            </a:r>
+            <a:endParaRPr lang="ko-KR" altLang="en-US" sz="1400" dirty="0"/>
+          </a:p>
+        </p:txBody>
+      </p:sp>
+      <p:sp>
+        <p:nvSpPr>
+          <p:cNvPr id="29" name="타원 28"/>
+          <p:cNvSpPr/>
+          <p:nvPr/>
+        </p:nvSpPr>
+        <p:spPr>
+          <a:xfrm>
+            <a:off x="9951807" y="1219204"/>
+            <a:ext cx="654936" cy="634534"/>
+          </a:xfrm>
+          <a:prstGeom prst="ellipse">
+            <a:avLst/>
+          </a:prstGeom>
+          <a:ln>
+            <a:solidFill>
+              <a:schemeClr val="bg1"/>
+            </a:solidFill>
+          </a:ln>
+        </p:spPr>
+        <p:style>
+          <a:lnRef idx="2">
+            <a:schemeClr val="accent1">
+              <a:shade val="50000"/>
+            </a:schemeClr>
+          </a:lnRef>
+          <a:fillRef idx="1">
+            <a:schemeClr val="accent1"/>
+          </a:fillRef>
+          <a:effectRef idx="0">
+            <a:schemeClr val="accent1"/>
+          </a:effectRef>
+          <a:fontRef idx="minor">
+            <a:schemeClr val="lt1"/>
+          </a:fontRef>
+        </p:style>
+        <p:txBody>
+          <a:bodyPr rtlCol="0" anchor="ctr"/>
+          <a:lstStyle/>
+          <a:p>
+            <a:pPr algn="ctr"/>
+            <a:r>
+              <a:rPr lang="en-US" altLang="ko-KR" dirty="0">
+                <a:solidFill>
+                  <a:srgbClr val="7030A0"/>
+                </a:solidFill>
+              </a:rPr>
+              <a:t>6</a:t>
+            </a:r>
+            <a:endParaRPr lang="ko-KR" altLang="en-US" dirty="0">
+              <a:solidFill>
+                <a:srgbClr val="7030A0"/>
+              </a:solidFill>
+            </a:endParaRPr>
+          </a:p>
+        </p:txBody>
+      </p:sp>
+      <p:cxnSp>
+        <p:nvCxnSpPr>
+          <p:cNvPr id="33" name="직선 연결선 32"/>
+          <p:cNvCxnSpPr/>
+          <p:nvPr/>
+        </p:nvCxnSpPr>
+        <p:spPr>
+          <a:xfrm flipH="1">
+            <a:off x="9976591" y="1234469"/>
+            <a:ext cx="579079" cy="626901"/>
+          </a:xfrm>
+          <a:prstGeom prst="line">
+            <a:avLst/>
+          </a:prstGeom>
+          <a:ln>
+            <a:solidFill>
+              <a:srgbClr val="FF0000"/>
+            </a:solidFill>
+          </a:ln>
+        </p:spPr>
+        <p:style>
+          <a:lnRef idx="1">
+            <a:schemeClr val="accent1"/>
+          </a:lnRef>
+          <a:fillRef idx="0">
+            <a:schemeClr val="accent1"/>
+          </a:fillRef>
+          <a:effectRef idx="0">
+            <a:schemeClr val="accent1"/>
+          </a:effectRef>
+          <a:fontRef idx="minor">
+            <a:schemeClr val="tx1"/>
+          </a:fontRef>
+        </p:style>
+      </p:cxnSp>
+      <p:cxnSp>
+        <p:nvCxnSpPr>
+          <p:cNvPr id="35" name="직선 연결선 34"/>
+          <p:cNvCxnSpPr/>
+          <p:nvPr/>
+        </p:nvCxnSpPr>
+        <p:spPr>
+          <a:xfrm>
+            <a:off x="9976592" y="1226836"/>
+            <a:ext cx="654937" cy="634534"/>
+          </a:xfrm>
+          <a:prstGeom prst="line">
+            <a:avLst/>
+          </a:prstGeom>
+          <a:ln>
+            <a:solidFill>
+              <a:srgbClr val="FF0000"/>
+            </a:solidFill>
+          </a:ln>
+        </p:spPr>
+        <p:style>
+          <a:lnRef idx="1">
+            <a:schemeClr val="accent1"/>
+          </a:lnRef>
+          <a:fillRef idx="0">
+            <a:schemeClr val="accent1"/>
+          </a:fillRef>
+          <a:effectRef idx="0">
+            <a:schemeClr val="accent1"/>
+          </a:effectRef>
+          <a:fontRef idx="minor">
+            <a:schemeClr val="tx1"/>
+          </a:fontRef>
+        </p:style>
+      </p:cxnSp>
+      <p:sp>
+        <p:nvSpPr>
+          <p:cNvPr id="39" name="타원 38"/>
+          <p:cNvSpPr/>
+          <p:nvPr/>
+        </p:nvSpPr>
+        <p:spPr>
+          <a:xfrm>
+            <a:off x="2058785" y="2590801"/>
+            <a:ext cx="654936" cy="634534"/>
+          </a:xfrm>
+          <a:prstGeom prst="ellipse">
+            <a:avLst/>
+          </a:prstGeom>
+          <a:solidFill>
+            <a:srgbClr val="FFC000"/>
+          </a:solidFill>
+          <a:ln>
+            <a:solidFill>
+              <a:schemeClr val="bg1"/>
+            </a:solidFill>
+          </a:ln>
+        </p:spPr>
+        <p:style>
+          <a:lnRef idx="2">
+            <a:schemeClr val="accent1">
+              <a:shade val="50000"/>
+            </a:schemeClr>
+          </a:lnRef>
+          <a:fillRef idx="1">
+            <a:schemeClr val="accent1"/>
+          </a:fillRef>
+          <a:effectRef idx="0">
+            <a:schemeClr val="accent1"/>
+          </a:effectRef>
+          <a:fontRef idx="minor">
+            <a:schemeClr val="lt1"/>
+          </a:fontRef>
+        </p:style>
+        <p:txBody>
+          <a:bodyPr rtlCol="0" anchor="ctr"/>
+          <a:lstStyle/>
+          <a:p>
+            <a:pPr algn="ctr"/>
+            <a:r>
+              <a:rPr lang="en-US" altLang="ko-KR" sz="1400" dirty="0" smtClean="0">
+                <a:solidFill>
+                  <a:schemeClr val="tx1"/>
+                </a:solidFill>
+              </a:rPr>
+              <a:t>4(</a:t>
+            </a:r>
+            <a:r>
+              <a:rPr lang="en-US" altLang="ko-KR" sz="1400" dirty="0" smtClean="0">
+                <a:solidFill>
+                  <a:schemeClr val="accent1">
+                    <a:lumMod val="75000"/>
+                  </a:schemeClr>
+                </a:solidFill>
+              </a:rPr>
+              <a:t>1</a:t>
+            </a:r>
+            <a:r>
+              <a:rPr lang="en-US" altLang="ko-KR" sz="1400" dirty="0" smtClean="0">
+                <a:solidFill>
+                  <a:schemeClr val="tx1"/>
+                </a:solidFill>
+              </a:rPr>
+              <a:t>)</a:t>
+            </a:r>
+            <a:endParaRPr lang="ko-KR" altLang="en-US" sz="1400" dirty="0">
+              <a:solidFill>
+                <a:schemeClr val="tx1"/>
+              </a:solidFill>
+            </a:endParaRPr>
+          </a:p>
+        </p:txBody>
+      </p:sp>
+      <p:sp>
+        <p:nvSpPr>
+          <p:cNvPr id="42" name="TextBox 41"/>
+          <p:cNvSpPr txBox="1"/>
+          <p:nvPr/>
+        </p:nvSpPr>
+        <p:spPr>
+          <a:xfrm>
+            <a:off x="4971678" y="910867"/>
+            <a:ext cx="999037" cy="307777"/>
+          </a:xfrm>
+          <a:prstGeom prst="rect">
+            <a:avLst/>
+          </a:prstGeom>
+          <a:noFill/>
+        </p:spPr>
+        <p:txBody>
+          <a:bodyPr wrap="square" rtlCol="0">
+            <a:spAutoFit/>
+          </a:bodyPr>
+          <a:lstStyle/>
+          <a:p>
+            <a:r>
+              <a:rPr lang="en-US" altLang="ko-KR" sz="1400" dirty="0" smtClean="0"/>
+              <a:t>1=</a:t>
+            </a:r>
+            <a:r>
+              <a:rPr lang="en-US" altLang="ko-KR" sz="1400" dirty="0" smtClean="0">
+                <a:solidFill>
+                  <a:srgbClr val="00B050"/>
+                </a:solidFill>
+              </a:rPr>
+              <a:t>1</a:t>
+            </a:r>
+            <a:r>
+              <a:rPr lang="en-US" altLang="ko-KR" sz="1400" dirty="0" smtClean="0"/>
+              <a:t>*1</a:t>
+            </a:r>
+            <a:endParaRPr lang="ko-KR" altLang="en-US" sz="1400" dirty="0"/>
+          </a:p>
+        </p:txBody>
+      </p:sp>
+      <p:sp>
+        <p:nvSpPr>
+          <p:cNvPr id="43" name="TextBox 42"/>
+          <p:cNvSpPr txBox="1"/>
+          <p:nvPr/>
+        </p:nvSpPr>
+        <p:spPr>
+          <a:xfrm>
+            <a:off x="298516" y="2623757"/>
+            <a:ext cx="1339784" cy="369332"/>
+          </a:xfrm>
+          <a:prstGeom prst="rect">
+            <a:avLst/>
+          </a:prstGeom>
+          <a:solidFill>
+            <a:srgbClr val="FFC000"/>
+          </a:solidFill>
+          <a:ln>
+            <a:solidFill>
+              <a:schemeClr val="bg1"/>
+            </a:solidFill>
+          </a:ln>
+        </p:spPr>
+        <p:style>
+          <a:lnRef idx="2">
+            <a:schemeClr val="accent1">
+              <a:shade val="50000"/>
+            </a:schemeClr>
+          </a:lnRef>
+          <a:fillRef idx="1">
+            <a:schemeClr val="accent1"/>
+          </a:fillRef>
+          <a:effectRef idx="0">
+            <a:schemeClr val="accent1"/>
+          </a:effectRef>
+          <a:fontRef idx="minor">
+            <a:schemeClr val="lt1"/>
+          </a:fontRef>
+        </p:style>
+        <p:txBody>
+          <a:bodyPr rot="0" spcFirstLastPara="0" vertOverflow="overflow" horzOverflow="overflow" vert="horz" wrap="square" lIns="91440" tIns="45720" rIns="91440" bIns="45720" numCol="1" spcCol="0" rtlCol="0" fromWordArt="0" anchor="ctr" anchorCtr="0" forceAA="0" compatLnSpc="1">
+            <a:prstTxWarp prst="textNoShape">
+              <a:avLst/>
+            </a:prstTxWarp>
+            <a:noAutofit/>
+          </a:bodyPr>
+          <a:lstStyle>
+            <a:defPPr>
+              <a:defRPr lang="ko-KR"/>
+            </a:defPPr>
+            <a:lvl1pPr algn="ctr">
+              <a:defRPr>
+                <a:solidFill>
+                  <a:schemeClr val="lt1"/>
+                </a:solidFill>
+              </a:defRPr>
+            </a:lvl1pPr>
+            <a:lvl2pPr>
+              <a:defRPr>
+                <a:solidFill>
+                  <a:schemeClr val="lt1"/>
+                </a:solidFill>
+              </a:defRPr>
+            </a:lvl2pPr>
+            <a:lvl3pPr>
+              <a:defRPr>
+                <a:solidFill>
+                  <a:schemeClr val="lt1"/>
+                </a:solidFill>
+              </a:defRPr>
+            </a:lvl3pPr>
+            <a:lvl4pPr>
+              <a:defRPr>
+                <a:solidFill>
+                  <a:schemeClr val="lt1"/>
+                </a:solidFill>
+              </a:defRPr>
+            </a:lvl4pPr>
+            <a:lvl5pPr>
+              <a:defRPr>
+                <a:solidFill>
+                  <a:schemeClr val="lt1"/>
+                </a:solidFill>
+              </a:defRPr>
+            </a:lvl5pPr>
+            <a:lvl6pPr>
+              <a:defRPr>
+                <a:solidFill>
+                  <a:schemeClr val="lt1"/>
+                </a:solidFill>
+              </a:defRPr>
+            </a:lvl6pPr>
+            <a:lvl7pPr>
+              <a:defRPr>
+                <a:solidFill>
+                  <a:schemeClr val="lt1"/>
+                </a:solidFill>
+              </a:defRPr>
+            </a:lvl7pPr>
+            <a:lvl8pPr>
+              <a:defRPr>
+                <a:solidFill>
+                  <a:schemeClr val="lt1"/>
+                </a:solidFill>
+              </a:defRPr>
+            </a:lvl8pPr>
+            <a:lvl9pPr>
+              <a:defRPr>
+                <a:solidFill>
+                  <a:schemeClr val="lt1"/>
+                </a:solidFill>
+              </a:defRPr>
+            </a:lvl9pPr>
+          </a:lstStyle>
+          <a:p>
+            <a:pPr algn="l"/>
+            <a:r>
+              <a:rPr lang="en-US" altLang="ko-KR" sz="1400" dirty="0">
+                <a:solidFill>
+                  <a:schemeClr val="tx1"/>
+                </a:solidFill>
+              </a:rPr>
+              <a:t>2</a:t>
+            </a:r>
+            <a:r>
+              <a:rPr lang="en-US" altLang="ko-KR" sz="1400" dirty="0" smtClean="0">
+                <a:solidFill>
+                  <a:schemeClr val="tx1"/>
+                </a:solidFill>
+              </a:rPr>
+              <a:t> </a:t>
+            </a:r>
+            <a:r>
+              <a:rPr lang="en-US" altLang="ko-KR" sz="1400" dirty="0">
+                <a:solidFill>
+                  <a:schemeClr val="tx1"/>
+                </a:solidFill>
+              </a:rPr>
+              <a:t>Level </a:t>
+            </a:r>
+            <a:r>
+              <a:rPr lang="en-US" altLang="ko-KR" sz="1400" dirty="0" smtClean="0">
+                <a:solidFill>
+                  <a:schemeClr val="tx1"/>
+                </a:solidFill>
+              </a:rPr>
+              <a:t>(count)</a:t>
+            </a:r>
+            <a:endParaRPr lang="ko-KR" altLang="en-US" sz="1400" dirty="0">
+              <a:solidFill>
+                <a:schemeClr val="tx1"/>
+              </a:solidFill>
+            </a:endParaRPr>
+          </a:p>
+        </p:txBody>
+      </p:sp>
+      <p:cxnSp>
+        <p:nvCxnSpPr>
+          <p:cNvPr id="45" name="직선 연결선 44"/>
+          <p:cNvCxnSpPr>
+            <a:stCxn id="7" idx="0"/>
+            <a:endCxn id="4" idx="4"/>
+          </p:cNvCxnSpPr>
+          <p:nvPr/>
+        </p:nvCxnSpPr>
+        <p:spPr>
+          <a:xfrm flipV="1">
+            <a:off x="4311629" y="674501"/>
+            <a:ext cx="2963202" cy="593151"/>
+          </a:xfrm>
+          <a:prstGeom prst="line">
+            <a:avLst/>
+          </a:prstGeom>
+        </p:spPr>
+        <p:style>
+          <a:lnRef idx="1">
+            <a:schemeClr val="accent1"/>
+          </a:lnRef>
+          <a:fillRef idx="0">
+            <a:schemeClr val="accent1"/>
+          </a:fillRef>
+          <a:effectRef idx="0">
+            <a:schemeClr val="accent1"/>
+          </a:effectRef>
+          <a:fontRef idx="minor">
+            <a:schemeClr val="tx1"/>
+          </a:fontRef>
+        </p:style>
+      </p:cxnSp>
+      <p:cxnSp>
+        <p:nvCxnSpPr>
+          <p:cNvPr id="47" name="직선 연결선 46"/>
+          <p:cNvCxnSpPr>
+            <a:stCxn id="4" idx="4"/>
+            <a:endCxn id="13" idx="0"/>
+          </p:cNvCxnSpPr>
+          <p:nvPr/>
+        </p:nvCxnSpPr>
+        <p:spPr>
+          <a:xfrm flipH="1">
+            <a:off x="5667880" y="674501"/>
+            <a:ext cx="1606951" cy="587438"/>
+          </a:xfrm>
+          <a:prstGeom prst="line">
+            <a:avLst/>
+          </a:prstGeom>
+        </p:spPr>
+        <p:style>
+          <a:lnRef idx="1">
+            <a:schemeClr val="accent1"/>
+          </a:lnRef>
+          <a:fillRef idx="0">
+            <a:schemeClr val="accent1"/>
+          </a:fillRef>
+          <a:effectRef idx="0">
+            <a:schemeClr val="accent1"/>
+          </a:effectRef>
+          <a:fontRef idx="minor">
+            <a:schemeClr val="tx1"/>
+          </a:fontRef>
+        </p:style>
+      </p:cxnSp>
+      <p:cxnSp>
+        <p:nvCxnSpPr>
+          <p:cNvPr id="49" name="직선 연결선 48"/>
+          <p:cNvCxnSpPr>
+            <a:stCxn id="4" idx="4"/>
+            <a:endCxn id="17" idx="0"/>
+          </p:cNvCxnSpPr>
+          <p:nvPr/>
+        </p:nvCxnSpPr>
+        <p:spPr>
+          <a:xfrm>
+            <a:off x="7274831" y="674501"/>
+            <a:ext cx="0" cy="608741"/>
+          </a:xfrm>
+          <a:prstGeom prst="line">
+            <a:avLst/>
+          </a:prstGeom>
+        </p:spPr>
+        <p:style>
+          <a:lnRef idx="1">
+            <a:schemeClr val="accent1"/>
+          </a:lnRef>
+          <a:fillRef idx="0">
+            <a:schemeClr val="accent1"/>
+          </a:fillRef>
+          <a:effectRef idx="0">
+            <a:schemeClr val="accent1"/>
+          </a:effectRef>
+          <a:fontRef idx="minor">
+            <a:schemeClr val="tx1"/>
+          </a:fontRef>
+        </p:style>
+      </p:cxnSp>
+      <p:cxnSp>
+        <p:nvCxnSpPr>
+          <p:cNvPr id="51" name="직선 연결선 50"/>
+          <p:cNvCxnSpPr>
+            <a:stCxn id="4" idx="4"/>
+            <a:endCxn id="23" idx="0"/>
+          </p:cNvCxnSpPr>
+          <p:nvPr/>
+        </p:nvCxnSpPr>
+        <p:spPr>
+          <a:xfrm>
+            <a:off x="7274831" y="674501"/>
+            <a:ext cx="1704450" cy="587438"/>
+          </a:xfrm>
+          <a:prstGeom prst="line">
+            <a:avLst/>
+          </a:prstGeom>
+        </p:spPr>
+        <p:style>
+          <a:lnRef idx="1">
+            <a:schemeClr val="accent1"/>
+          </a:lnRef>
+          <a:fillRef idx="0">
+            <a:schemeClr val="accent1"/>
+          </a:fillRef>
+          <a:effectRef idx="0">
+            <a:schemeClr val="accent1"/>
+          </a:effectRef>
+          <a:fontRef idx="minor">
+            <a:schemeClr val="tx1"/>
+          </a:fontRef>
+        </p:style>
+      </p:cxnSp>
+      <p:cxnSp>
+        <p:nvCxnSpPr>
+          <p:cNvPr id="53" name="직선 연결선 52"/>
+          <p:cNvCxnSpPr>
+            <a:stCxn id="4" idx="4"/>
+            <a:endCxn id="29" idx="0"/>
+          </p:cNvCxnSpPr>
+          <p:nvPr/>
+        </p:nvCxnSpPr>
+        <p:spPr>
+          <a:xfrm>
+            <a:off x="7274831" y="674501"/>
+            <a:ext cx="3004444" cy="544703"/>
+          </a:xfrm>
+          <a:prstGeom prst="line">
+            <a:avLst/>
+          </a:prstGeom>
+        </p:spPr>
+        <p:style>
+          <a:lnRef idx="1">
+            <a:schemeClr val="accent1"/>
+          </a:lnRef>
+          <a:fillRef idx="0">
+            <a:schemeClr val="accent1"/>
+          </a:fillRef>
+          <a:effectRef idx="0">
+            <a:schemeClr val="accent1"/>
+          </a:effectRef>
+          <a:fontRef idx="minor">
+            <a:schemeClr val="tx1"/>
+          </a:fontRef>
+        </p:style>
+      </p:cxnSp>
+      <p:cxnSp>
+        <p:nvCxnSpPr>
+          <p:cNvPr id="60" name="직선 연결선 59"/>
+          <p:cNvCxnSpPr>
+            <a:stCxn id="7" idx="4"/>
+            <a:endCxn id="39" idx="0"/>
+          </p:cNvCxnSpPr>
+          <p:nvPr/>
+        </p:nvCxnSpPr>
+        <p:spPr>
+          <a:xfrm flipH="1">
+            <a:off x="2386253" y="1902186"/>
+            <a:ext cx="1925376" cy="688615"/>
+          </a:xfrm>
+          <a:prstGeom prst="line">
+            <a:avLst/>
+          </a:prstGeom>
+        </p:spPr>
+        <p:style>
+          <a:lnRef idx="1">
+            <a:schemeClr val="accent1"/>
+          </a:lnRef>
+          <a:fillRef idx="0">
+            <a:schemeClr val="accent1"/>
+          </a:fillRef>
+          <a:effectRef idx="0">
+            <a:schemeClr val="accent1"/>
+          </a:effectRef>
+          <a:fontRef idx="minor">
+            <a:schemeClr val="tx1"/>
+          </a:fontRef>
+        </p:style>
+      </p:cxnSp>
+      <p:sp>
+        <p:nvSpPr>
+          <p:cNvPr id="61" name="타원 60"/>
+          <p:cNvSpPr/>
+          <p:nvPr/>
+        </p:nvSpPr>
+        <p:spPr>
+          <a:xfrm>
+            <a:off x="2876951" y="2590801"/>
+            <a:ext cx="654936" cy="634534"/>
+          </a:xfrm>
+          <a:prstGeom prst="ellipse">
+            <a:avLst/>
+          </a:prstGeom>
+          <a:solidFill>
+            <a:srgbClr val="FFC000"/>
+          </a:solidFill>
+          <a:ln>
+            <a:solidFill>
+              <a:schemeClr val="bg1"/>
+            </a:solidFill>
+          </a:ln>
+        </p:spPr>
+        <p:style>
+          <a:lnRef idx="2">
+            <a:schemeClr val="accent1">
+              <a:shade val="50000"/>
+            </a:schemeClr>
+          </a:lnRef>
+          <a:fillRef idx="1">
+            <a:schemeClr val="accent1"/>
+          </a:fillRef>
+          <a:effectRef idx="0">
+            <a:schemeClr val="accent1"/>
+          </a:effectRef>
+          <a:fontRef idx="minor">
+            <a:schemeClr val="lt1"/>
+          </a:fontRef>
+        </p:style>
+        <p:txBody>
+          <a:bodyPr rtlCol="0" anchor="ctr"/>
+          <a:lstStyle/>
+          <a:p>
+            <a:pPr algn="ctr"/>
+            <a:r>
+              <a:rPr lang="en-US" altLang="ko-KR" dirty="0" smtClean="0">
+                <a:solidFill>
+                  <a:schemeClr val="tx1"/>
+                </a:solidFill>
+              </a:rPr>
+              <a:t>6</a:t>
+            </a:r>
+            <a:endParaRPr lang="ko-KR" altLang="en-US" dirty="0">
+              <a:solidFill>
+                <a:schemeClr val="tx1"/>
+              </a:solidFill>
+            </a:endParaRPr>
+          </a:p>
+        </p:txBody>
+      </p:sp>
+      <p:sp>
+        <p:nvSpPr>
+          <p:cNvPr id="64" name="TextBox 63"/>
+          <p:cNvSpPr txBox="1"/>
+          <p:nvPr/>
+        </p:nvSpPr>
+        <p:spPr>
+          <a:xfrm>
+            <a:off x="3204419" y="2167213"/>
+            <a:ext cx="999037" cy="307777"/>
+          </a:xfrm>
+          <a:prstGeom prst="rect">
+            <a:avLst/>
+          </a:prstGeom>
+          <a:noFill/>
+        </p:spPr>
+        <p:txBody>
+          <a:bodyPr wrap="square" rtlCol="0">
+            <a:spAutoFit/>
+          </a:bodyPr>
+          <a:lstStyle/>
+          <a:p>
+            <a:r>
+              <a:rPr lang="en-US" altLang="ko-KR" sz="1400" dirty="0" smtClean="0"/>
+              <a:t>4=</a:t>
+            </a:r>
+            <a:r>
+              <a:rPr lang="en-US" altLang="ko-KR" sz="1400" dirty="0" smtClean="0">
+                <a:solidFill>
+                  <a:srgbClr val="7030A0"/>
+                </a:solidFill>
+              </a:rPr>
+              <a:t>2</a:t>
+            </a:r>
+            <a:r>
+              <a:rPr lang="en-US" altLang="ko-KR" sz="1400" dirty="0" smtClean="0"/>
+              <a:t>*2</a:t>
+            </a:r>
+            <a:endParaRPr lang="ko-KR" altLang="en-US" sz="1400" dirty="0"/>
+          </a:p>
+        </p:txBody>
+      </p:sp>
+      <p:cxnSp>
+        <p:nvCxnSpPr>
+          <p:cNvPr id="66" name="직선 연결선 65"/>
+          <p:cNvCxnSpPr>
+            <a:stCxn id="7" idx="4"/>
+            <a:endCxn id="61" idx="0"/>
+          </p:cNvCxnSpPr>
+          <p:nvPr/>
+        </p:nvCxnSpPr>
+        <p:spPr>
+          <a:xfrm flipH="1">
+            <a:off x="3204419" y="1902186"/>
+            <a:ext cx="1107210" cy="688615"/>
+          </a:xfrm>
+          <a:prstGeom prst="line">
+            <a:avLst/>
+          </a:prstGeom>
+        </p:spPr>
+        <p:style>
+          <a:lnRef idx="1">
+            <a:schemeClr val="accent1"/>
+          </a:lnRef>
+          <a:fillRef idx="0">
+            <a:schemeClr val="accent1"/>
+          </a:fillRef>
+          <a:effectRef idx="0">
+            <a:schemeClr val="accent1"/>
+          </a:effectRef>
+          <a:fontRef idx="minor">
+            <a:schemeClr val="tx1"/>
+          </a:fontRef>
+        </p:style>
+      </p:cxnSp>
+      <p:cxnSp>
+        <p:nvCxnSpPr>
+          <p:cNvPr id="89" name="직선 연결선 88"/>
+          <p:cNvCxnSpPr/>
+          <p:nvPr/>
+        </p:nvCxnSpPr>
+        <p:spPr>
+          <a:xfrm flipH="1">
+            <a:off x="2876951" y="2630086"/>
+            <a:ext cx="579079" cy="626901"/>
+          </a:xfrm>
+          <a:prstGeom prst="line">
+            <a:avLst/>
+          </a:prstGeom>
+          <a:ln>
+            <a:solidFill>
+              <a:srgbClr val="FF0000"/>
+            </a:solidFill>
+          </a:ln>
+        </p:spPr>
+        <p:style>
+          <a:lnRef idx="1">
+            <a:schemeClr val="accent1"/>
+          </a:lnRef>
+          <a:fillRef idx="0">
+            <a:schemeClr val="accent1"/>
+          </a:fillRef>
+          <a:effectRef idx="0">
+            <a:schemeClr val="accent1"/>
+          </a:effectRef>
+          <a:fontRef idx="minor">
+            <a:schemeClr val="tx1"/>
+          </a:fontRef>
+        </p:style>
+      </p:cxnSp>
+      <p:cxnSp>
+        <p:nvCxnSpPr>
+          <p:cNvPr id="90" name="직선 연결선 89"/>
+          <p:cNvCxnSpPr/>
+          <p:nvPr/>
+        </p:nvCxnSpPr>
+        <p:spPr>
+          <a:xfrm>
+            <a:off x="2876952" y="2622453"/>
+            <a:ext cx="654937" cy="634534"/>
+          </a:xfrm>
+          <a:prstGeom prst="line">
+            <a:avLst/>
+          </a:prstGeom>
+          <a:ln>
+            <a:solidFill>
+              <a:srgbClr val="FF0000"/>
+            </a:solidFill>
+          </a:ln>
+        </p:spPr>
+        <p:style>
+          <a:lnRef idx="1">
+            <a:schemeClr val="accent1"/>
+          </a:lnRef>
+          <a:fillRef idx="0">
+            <a:schemeClr val="accent1"/>
+          </a:fillRef>
+          <a:effectRef idx="0">
+            <a:schemeClr val="accent1"/>
+          </a:effectRef>
+          <a:fontRef idx="minor">
+            <a:schemeClr val="tx1"/>
+          </a:fontRef>
+        </p:style>
+      </p:cxnSp>
+      <p:sp>
+        <p:nvSpPr>
+          <p:cNvPr id="91" name="타원 90"/>
+          <p:cNvSpPr/>
+          <p:nvPr/>
+        </p:nvSpPr>
+        <p:spPr>
+          <a:xfrm>
+            <a:off x="4439329" y="2617186"/>
+            <a:ext cx="654936" cy="634534"/>
+          </a:xfrm>
+          <a:prstGeom prst="ellipse">
+            <a:avLst/>
+          </a:prstGeom>
+          <a:solidFill>
+            <a:srgbClr val="FFC000"/>
+          </a:solidFill>
+          <a:ln>
+            <a:solidFill>
+              <a:schemeClr val="bg1"/>
+            </a:solidFill>
+          </a:ln>
+        </p:spPr>
+        <p:style>
+          <a:lnRef idx="2">
+            <a:schemeClr val="accent1">
+              <a:shade val="50000"/>
+            </a:schemeClr>
+          </a:lnRef>
+          <a:fillRef idx="1">
+            <a:schemeClr val="accent1"/>
+          </a:fillRef>
+          <a:effectRef idx="0">
+            <a:schemeClr val="accent1"/>
+          </a:effectRef>
+          <a:fontRef idx="minor">
+            <a:schemeClr val="lt1"/>
+          </a:fontRef>
+        </p:style>
+        <p:txBody>
+          <a:bodyPr rtlCol="0" anchor="ctr"/>
+          <a:lstStyle/>
+          <a:p>
+            <a:pPr algn="ctr"/>
+            <a:r>
+              <a:rPr lang="en-US" altLang="ko-KR" sz="1400" dirty="0" smtClean="0">
+                <a:solidFill>
+                  <a:schemeClr val="tx1"/>
+                </a:solidFill>
+              </a:rPr>
+              <a:t>5(</a:t>
+            </a:r>
+            <a:r>
+              <a:rPr lang="en-US" altLang="ko-KR" sz="1400" dirty="0" smtClean="0">
+                <a:solidFill>
+                  <a:schemeClr val="accent1">
+                    <a:lumMod val="75000"/>
+                  </a:schemeClr>
+                </a:solidFill>
+              </a:rPr>
+              <a:t>2</a:t>
+            </a:r>
+            <a:r>
+              <a:rPr lang="en-US" altLang="ko-KR" sz="1400" dirty="0" smtClean="0">
+                <a:solidFill>
+                  <a:schemeClr val="tx1"/>
+                </a:solidFill>
+              </a:rPr>
+              <a:t>)</a:t>
+            </a:r>
+            <a:endParaRPr lang="ko-KR" altLang="en-US" sz="1400" dirty="0">
+              <a:solidFill>
+                <a:schemeClr val="tx1"/>
+              </a:solidFill>
+            </a:endParaRPr>
+          </a:p>
+        </p:txBody>
+      </p:sp>
+      <p:cxnSp>
+        <p:nvCxnSpPr>
+          <p:cNvPr id="93" name="직선 연결선 92"/>
+          <p:cNvCxnSpPr>
+            <a:stCxn id="13" idx="4"/>
+            <a:endCxn id="91" idx="0"/>
+          </p:cNvCxnSpPr>
+          <p:nvPr/>
+        </p:nvCxnSpPr>
+        <p:spPr>
+          <a:xfrm flipH="1">
+            <a:off x="4766797" y="1896473"/>
+            <a:ext cx="901083" cy="720713"/>
+          </a:xfrm>
+          <a:prstGeom prst="line">
+            <a:avLst/>
+          </a:prstGeom>
+        </p:spPr>
+        <p:style>
+          <a:lnRef idx="1">
+            <a:schemeClr val="accent1"/>
+          </a:lnRef>
+          <a:fillRef idx="0">
+            <a:schemeClr val="accent1"/>
+          </a:fillRef>
+          <a:effectRef idx="0">
+            <a:schemeClr val="accent1"/>
+          </a:effectRef>
+          <a:fontRef idx="minor">
+            <a:schemeClr val="tx1"/>
+          </a:fontRef>
+        </p:style>
+      </p:cxnSp>
+      <p:sp>
+        <p:nvSpPr>
+          <p:cNvPr id="94" name="TextBox 93"/>
+          <p:cNvSpPr txBox="1"/>
+          <p:nvPr/>
+        </p:nvSpPr>
+        <p:spPr>
+          <a:xfrm>
+            <a:off x="4511617" y="2149665"/>
+            <a:ext cx="999037" cy="307777"/>
+          </a:xfrm>
+          <a:prstGeom prst="rect">
+            <a:avLst/>
+          </a:prstGeom>
+          <a:noFill/>
+        </p:spPr>
+        <p:txBody>
+          <a:bodyPr wrap="square" rtlCol="0">
+            <a:spAutoFit/>
+          </a:bodyPr>
+          <a:lstStyle/>
+          <a:p>
+            <a:r>
+              <a:rPr lang="en-US" altLang="ko-KR" sz="1400" dirty="0" smtClean="0"/>
+              <a:t>2=</a:t>
+            </a:r>
+            <a:r>
+              <a:rPr lang="en-US" altLang="ko-KR" sz="1400" dirty="0" smtClean="0">
+                <a:solidFill>
+                  <a:srgbClr val="7030A0"/>
+                </a:solidFill>
+              </a:rPr>
+              <a:t>2</a:t>
+            </a:r>
+            <a:r>
+              <a:rPr lang="en-US" altLang="ko-KR" sz="1400" dirty="0" smtClean="0"/>
+              <a:t>*1</a:t>
+            </a:r>
+            <a:endParaRPr lang="ko-KR" altLang="en-US" sz="1400" dirty="0"/>
+          </a:p>
+        </p:txBody>
+      </p:sp>
+      <p:sp>
+        <p:nvSpPr>
+          <p:cNvPr id="97" name="타원 96"/>
+          <p:cNvSpPr/>
+          <p:nvPr/>
+        </p:nvSpPr>
+        <p:spPr>
+          <a:xfrm>
+            <a:off x="6292427" y="2590801"/>
+            <a:ext cx="654936" cy="634534"/>
+          </a:xfrm>
+          <a:prstGeom prst="ellipse">
+            <a:avLst/>
+          </a:prstGeom>
+          <a:solidFill>
+            <a:srgbClr val="FFC000"/>
+          </a:solidFill>
+          <a:ln>
+            <a:solidFill>
+              <a:schemeClr val="bg1"/>
+            </a:solidFill>
+          </a:ln>
+        </p:spPr>
+        <p:style>
+          <a:lnRef idx="2">
+            <a:schemeClr val="accent1">
+              <a:shade val="50000"/>
+            </a:schemeClr>
+          </a:lnRef>
+          <a:fillRef idx="1">
+            <a:schemeClr val="accent1"/>
+          </a:fillRef>
+          <a:effectRef idx="0">
+            <a:schemeClr val="accent1"/>
+          </a:effectRef>
+          <a:fontRef idx="minor">
+            <a:schemeClr val="lt1"/>
+          </a:fontRef>
+        </p:style>
+        <p:txBody>
+          <a:bodyPr rtlCol="0" anchor="ctr"/>
+          <a:lstStyle/>
+          <a:p>
+            <a:pPr algn="ctr"/>
+            <a:r>
+              <a:rPr lang="en-US" altLang="ko-KR" sz="1400" dirty="0" smtClean="0">
+                <a:solidFill>
+                  <a:schemeClr val="tx1"/>
+                </a:solidFill>
+              </a:rPr>
+              <a:t>5(</a:t>
+            </a:r>
+            <a:r>
+              <a:rPr lang="en-US" altLang="ko-KR" sz="1400" dirty="0" smtClean="0">
+                <a:solidFill>
+                  <a:schemeClr val="accent1">
+                    <a:lumMod val="75000"/>
+                  </a:schemeClr>
+                </a:solidFill>
+              </a:rPr>
+              <a:t>2</a:t>
+            </a:r>
+            <a:r>
+              <a:rPr lang="en-US" altLang="ko-KR" sz="1400" dirty="0" smtClean="0">
+                <a:solidFill>
+                  <a:schemeClr val="tx1"/>
+                </a:solidFill>
+              </a:rPr>
+              <a:t>)</a:t>
+            </a:r>
+            <a:endParaRPr lang="ko-KR" altLang="en-US" sz="1400" dirty="0">
+              <a:solidFill>
+                <a:schemeClr val="tx1"/>
+              </a:solidFill>
+            </a:endParaRPr>
+          </a:p>
+        </p:txBody>
+      </p:sp>
+      <p:cxnSp>
+        <p:nvCxnSpPr>
+          <p:cNvPr id="100" name="직선 연결선 99"/>
+          <p:cNvCxnSpPr>
+            <a:stCxn id="17" idx="4"/>
+            <a:endCxn id="97" idx="0"/>
+          </p:cNvCxnSpPr>
+          <p:nvPr/>
+        </p:nvCxnSpPr>
+        <p:spPr>
+          <a:xfrm flipH="1">
+            <a:off x="6619895" y="1917776"/>
+            <a:ext cx="654936" cy="673025"/>
+          </a:xfrm>
+          <a:prstGeom prst="line">
+            <a:avLst/>
+          </a:prstGeom>
+        </p:spPr>
+        <p:style>
+          <a:lnRef idx="1">
+            <a:schemeClr val="accent1"/>
+          </a:lnRef>
+          <a:fillRef idx="0">
+            <a:schemeClr val="accent1"/>
+          </a:fillRef>
+          <a:effectRef idx="0">
+            <a:schemeClr val="accent1"/>
+          </a:effectRef>
+          <a:fontRef idx="minor">
+            <a:schemeClr val="tx1"/>
+          </a:fontRef>
+        </p:style>
+      </p:cxnSp>
+      <p:sp>
+        <p:nvSpPr>
+          <p:cNvPr id="102" name="TextBox 101"/>
+          <p:cNvSpPr txBox="1"/>
+          <p:nvPr/>
+        </p:nvSpPr>
+        <p:spPr>
+          <a:xfrm>
+            <a:off x="6485274" y="2119646"/>
+            <a:ext cx="999037" cy="307777"/>
+          </a:xfrm>
+          <a:prstGeom prst="rect">
+            <a:avLst/>
+          </a:prstGeom>
+          <a:noFill/>
+        </p:spPr>
+        <p:txBody>
+          <a:bodyPr wrap="square" rtlCol="0">
+            <a:spAutoFit/>
+          </a:bodyPr>
+          <a:lstStyle/>
+          <a:p>
+            <a:r>
+              <a:rPr lang="en-US" altLang="ko-KR" sz="1400" dirty="0"/>
+              <a:t>1</a:t>
+            </a:r>
+            <a:r>
+              <a:rPr lang="en-US" altLang="ko-KR" sz="1400" dirty="0" smtClean="0"/>
+              <a:t>=</a:t>
+            </a:r>
+            <a:r>
+              <a:rPr lang="en-US" altLang="ko-KR" sz="1400" dirty="0" smtClean="0">
+                <a:solidFill>
+                  <a:srgbClr val="7030A0"/>
+                </a:solidFill>
+              </a:rPr>
+              <a:t>1</a:t>
+            </a:r>
+            <a:r>
+              <a:rPr lang="en-US" altLang="ko-KR" sz="1400" dirty="0" smtClean="0"/>
+              <a:t>*1</a:t>
+            </a:r>
+            <a:endParaRPr lang="ko-KR" altLang="en-US" sz="1400" dirty="0"/>
+          </a:p>
+        </p:txBody>
+      </p:sp>
+      <p:sp>
+        <p:nvSpPr>
+          <p:cNvPr id="103" name="타원 102"/>
+          <p:cNvSpPr/>
+          <p:nvPr/>
+        </p:nvSpPr>
+        <p:spPr>
+          <a:xfrm>
+            <a:off x="7961282" y="2565615"/>
+            <a:ext cx="654936" cy="634534"/>
+          </a:xfrm>
+          <a:prstGeom prst="ellipse">
+            <a:avLst/>
+          </a:prstGeom>
+          <a:solidFill>
+            <a:srgbClr val="FFC000"/>
+          </a:solidFill>
+          <a:ln>
+            <a:solidFill>
+              <a:schemeClr val="bg1"/>
+            </a:solidFill>
+          </a:ln>
+        </p:spPr>
+        <p:style>
+          <a:lnRef idx="2">
+            <a:schemeClr val="accent1">
+              <a:shade val="50000"/>
+            </a:schemeClr>
+          </a:lnRef>
+          <a:fillRef idx="1">
+            <a:schemeClr val="accent1"/>
+          </a:fillRef>
+          <a:effectRef idx="0">
+            <a:schemeClr val="accent1"/>
+          </a:effectRef>
+          <a:fontRef idx="minor">
+            <a:schemeClr val="lt1"/>
+          </a:fontRef>
+        </p:style>
+        <p:txBody>
+          <a:bodyPr rtlCol="0" anchor="ctr"/>
+          <a:lstStyle/>
+          <a:p>
+            <a:pPr algn="ctr"/>
+            <a:r>
+              <a:rPr lang="en-US" altLang="ko-KR" dirty="0" smtClean="0">
+                <a:solidFill>
+                  <a:schemeClr val="accent1">
+                    <a:lumMod val="75000"/>
+                  </a:schemeClr>
+                </a:solidFill>
+              </a:rPr>
+              <a:t>7</a:t>
+            </a:r>
+            <a:endParaRPr lang="ko-KR" altLang="en-US" dirty="0">
+              <a:solidFill>
+                <a:schemeClr val="accent1">
+                  <a:lumMod val="75000"/>
+                </a:schemeClr>
+              </a:solidFill>
+            </a:endParaRPr>
+          </a:p>
+        </p:txBody>
+      </p:sp>
+      <p:cxnSp>
+        <p:nvCxnSpPr>
+          <p:cNvPr id="104" name="직선 연결선 103"/>
+          <p:cNvCxnSpPr>
+            <a:stCxn id="23" idx="4"/>
+            <a:endCxn id="103" idx="0"/>
+          </p:cNvCxnSpPr>
+          <p:nvPr/>
+        </p:nvCxnSpPr>
+        <p:spPr>
+          <a:xfrm flipH="1">
+            <a:off x="8288750" y="1896473"/>
+            <a:ext cx="690531" cy="669142"/>
+          </a:xfrm>
+          <a:prstGeom prst="line">
+            <a:avLst/>
+          </a:prstGeom>
+        </p:spPr>
+        <p:style>
+          <a:lnRef idx="1">
+            <a:schemeClr val="accent1"/>
+          </a:lnRef>
+          <a:fillRef idx="0">
+            <a:schemeClr val="accent1"/>
+          </a:fillRef>
+          <a:effectRef idx="0">
+            <a:schemeClr val="accent1"/>
+          </a:effectRef>
+          <a:fontRef idx="minor">
+            <a:schemeClr val="tx1"/>
+          </a:fontRef>
+        </p:style>
+      </p:cxnSp>
+      <p:sp>
+        <p:nvSpPr>
+          <p:cNvPr id="105" name="TextBox 104"/>
+          <p:cNvSpPr txBox="1"/>
+          <p:nvPr/>
+        </p:nvSpPr>
+        <p:spPr>
+          <a:xfrm>
+            <a:off x="8154129" y="2094460"/>
+            <a:ext cx="999037" cy="307777"/>
+          </a:xfrm>
+          <a:prstGeom prst="rect">
+            <a:avLst/>
+          </a:prstGeom>
+          <a:noFill/>
+        </p:spPr>
+        <p:txBody>
+          <a:bodyPr wrap="square" rtlCol="0">
+            <a:spAutoFit/>
+          </a:bodyPr>
+          <a:lstStyle/>
+          <a:p>
+            <a:r>
+              <a:rPr lang="en-US" altLang="ko-KR" sz="1400" dirty="0"/>
+              <a:t>2</a:t>
+            </a:r>
+            <a:r>
+              <a:rPr lang="en-US" altLang="ko-KR" sz="1400" dirty="0" smtClean="0"/>
+              <a:t>=</a:t>
+            </a:r>
+            <a:r>
+              <a:rPr lang="en-US" altLang="ko-KR" sz="1400" dirty="0" smtClean="0">
+                <a:solidFill>
+                  <a:srgbClr val="7030A0"/>
+                </a:solidFill>
+              </a:rPr>
+              <a:t>2</a:t>
+            </a:r>
+            <a:r>
+              <a:rPr lang="en-US" altLang="ko-KR" sz="1400" dirty="0" smtClean="0"/>
+              <a:t>*1</a:t>
+            </a:r>
+            <a:endParaRPr lang="ko-KR" altLang="en-US" sz="1400" dirty="0"/>
+          </a:p>
+        </p:txBody>
+      </p:sp>
+      <p:cxnSp>
+        <p:nvCxnSpPr>
+          <p:cNvPr id="109" name="직선 연결선 108"/>
+          <p:cNvCxnSpPr/>
+          <p:nvPr/>
+        </p:nvCxnSpPr>
+        <p:spPr>
+          <a:xfrm flipH="1">
+            <a:off x="7961282" y="2590801"/>
+            <a:ext cx="579079" cy="626901"/>
+          </a:xfrm>
+          <a:prstGeom prst="line">
+            <a:avLst/>
+          </a:prstGeom>
+          <a:ln>
+            <a:solidFill>
+              <a:srgbClr val="FF0000"/>
+            </a:solidFill>
+          </a:ln>
+        </p:spPr>
+        <p:style>
+          <a:lnRef idx="1">
+            <a:schemeClr val="accent1"/>
+          </a:lnRef>
+          <a:fillRef idx="0">
+            <a:schemeClr val="accent1"/>
+          </a:fillRef>
+          <a:effectRef idx="0">
+            <a:schemeClr val="accent1"/>
+          </a:effectRef>
+          <a:fontRef idx="minor">
+            <a:schemeClr val="tx1"/>
+          </a:fontRef>
+        </p:style>
+      </p:cxnSp>
+      <p:cxnSp>
+        <p:nvCxnSpPr>
+          <p:cNvPr id="110" name="직선 연결선 109"/>
+          <p:cNvCxnSpPr/>
+          <p:nvPr/>
+        </p:nvCxnSpPr>
+        <p:spPr>
+          <a:xfrm>
+            <a:off x="7961283" y="2583168"/>
+            <a:ext cx="654937" cy="634534"/>
+          </a:xfrm>
+          <a:prstGeom prst="line">
+            <a:avLst/>
+          </a:prstGeom>
+          <a:ln>
+            <a:solidFill>
+              <a:srgbClr val="FF0000"/>
+            </a:solidFill>
+          </a:ln>
+        </p:spPr>
+        <p:style>
+          <a:lnRef idx="1">
+            <a:schemeClr val="accent1"/>
+          </a:lnRef>
+          <a:fillRef idx="0">
+            <a:schemeClr val="accent1"/>
+          </a:fillRef>
+          <a:effectRef idx="0">
+            <a:schemeClr val="accent1"/>
+          </a:effectRef>
+          <a:fontRef idx="minor">
+            <a:schemeClr val="tx1"/>
+          </a:fontRef>
+        </p:style>
+      </p:cxnSp>
+      <p:sp>
+        <p:nvSpPr>
+          <p:cNvPr id="10" name="직사각형 9"/>
+          <p:cNvSpPr/>
+          <p:nvPr/>
+        </p:nvSpPr>
+        <p:spPr>
+          <a:xfrm>
+            <a:off x="3111318" y="3660330"/>
+            <a:ext cx="2556562" cy="619689"/>
+          </a:xfrm>
+          <a:prstGeom prst="rect">
+            <a:avLst/>
+          </a:prstGeom>
+        </p:spPr>
+        <p:style>
+          <a:lnRef idx="2">
+            <a:schemeClr val="accent1">
+              <a:shade val="50000"/>
+            </a:schemeClr>
+          </a:lnRef>
+          <a:fillRef idx="1">
+            <a:schemeClr val="accent1"/>
+          </a:fillRef>
+          <a:effectRef idx="0">
+            <a:schemeClr val="accent1"/>
+          </a:effectRef>
+          <a:fontRef idx="minor">
+            <a:schemeClr val="lt1"/>
+          </a:fontRef>
+        </p:style>
+        <p:txBody>
+          <a:bodyPr rtlCol="0" anchor="ctr"/>
+          <a:lstStyle/>
+          <a:p>
+            <a:pPr algn="ctr"/>
+            <a:r>
+              <a:rPr lang="en-US" altLang="ko-KR" dirty="0" smtClean="0"/>
+              <a:t>2,4,6,8</a:t>
+            </a:r>
+            <a:endParaRPr lang="ko-KR" altLang="en-US" dirty="0"/>
+          </a:p>
+        </p:txBody>
+      </p:sp>
+      <p:sp>
+        <p:nvSpPr>
+          <p:cNvPr id="11" name="TextBox 10"/>
+          <p:cNvSpPr txBox="1"/>
+          <p:nvPr/>
+        </p:nvSpPr>
+        <p:spPr>
+          <a:xfrm>
+            <a:off x="5232898" y="5079736"/>
+            <a:ext cx="2392239" cy="369332"/>
+          </a:xfrm>
+          <a:prstGeom prst="rect">
+            <a:avLst/>
+          </a:prstGeom>
+          <a:noFill/>
+        </p:spPr>
+        <p:txBody>
+          <a:bodyPr wrap="square" rtlCol="0">
+            <a:spAutoFit/>
+          </a:bodyPr>
+          <a:lstStyle/>
+          <a:p>
+            <a:r>
+              <a:rPr lang="en-US" altLang="ko-KR" dirty="0" smtClean="0"/>
+              <a:t>Now =5</a:t>
+            </a:r>
+            <a:endParaRPr lang="ko-KR" altLang="en-US" dirty="0"/>
+          </a:p>
+        </p:txBody>
+      </p:sp>
+      <p:sp>
+        <p:nvSpPr>
+          <p:cNvPr id="14" name="직사각형 13"/>
+          <p:cNvSpPr/>
+          <p:nvPr/>
+        </p:nvSpPr>
+        <p:spPr>
+          <a:xfrm>
+            <a:off x="5237464" y="5455920"/>
+            <a:ext cx="1285256" cy="369332"/>
+          </a:xfrm>
+          <a:prstGeom prst="rect">
+            <a:avLst/>
+          </a:prstGeom>
+        </p:spPr>
+        <p:txBody>
+          <a:bodyPr wrap="square">
+            <a:spAutoFit/>
+          </a:bodyPr>
+          <a:lstStyle/>
+          <a:p>
+            <a:r>
+              <a:rPr lang="en-US" altLang="ko-KR" dirty="0" smtClean="0"/>
+              <a:t>Count = 1</a:t>
+            </a:r>
+            <a:endParaRPr lang="ko-KR" altLang="en-US" dirty="0"/>
+          </a:p>
+        </p:txBody>
+      </p:sp>
+      <p:sp>
+        <p:nvSpPr>
+          <p:cNvPr id="15" name="TextBox 14"/>
+          <p:cNvSpPr txBox="1"/>
+          <p:nvPr/>
+        </p:nvSpPr>
+        <p:spPr>
+          <a:xfrm>
+            <a:off x="5321849" y="5969598"/>
+            <a:ext cx="2053295" cy="369332"/>
+          </a:xfrm>
+          <a:prstGeom prst="rect">
+            <a:avLst/>
+          </a:prstGeom>
+          <a:noFill/>
+        </p:spPr>
+        <p:txBody>
+          <a:bodyPr wrap="square" rtlCol="0">
+            <a:spAutoFit/>
+          </a:bodyPr>
+          <a:lstStyle/>
+          <a:p>
+            <a:r>
+              <a:rPr lang="en-US" altLang="ko-KR" dirty="0" smtClean="0"/>
+              <a:t>Start =1, end=5</a:t>
+            </a:r>
+            <a:endParaRPr lang="ko-KR" altLang="en-US" dirty="0"/>
+          </a:p>
+        </p:txBody>
+      </p:sp>
+      <p:sp>
+        <p:nvSpPr>
+          <p:cNvPr id="18" name="직사각형 17"/>
+          <p:cNvSpPr/>
+          <p:nvPr/>
+        </p:nvSpPr>
+        <p:spPr>
+          <a:xfrm>
+            <a:off x="314636" y="5000692"/>
+            <a:ext cx="1532471" cy="369332"/>
+          </a:xfrm>
+          <a:prstGeom prst="rect">
+            <a:avLst/>
+          </a:prstGeom>
+        </p:spPr>
+        <p:txBody>
+          <a:bodyPr wrap="none">
+            <a:spAutoFit/>
+          </a:bodyPr>
+          <a:lstStyle/>
+          <a:p>
+            <a:r>
+              <a:rPr lang="ko-KR" altLang="en-US" dirty="0" err="1"/>
+              <a:t>stone_bridge</a:t>
+            </a:r>
+            <a:endParaRPr lang="ko-KR" altLang="en-US" dirty="0"/>
+          </a:p>
+        </p:txBody>
+      </p:sp>
+      <p:graphicFrame>
+        <p:nvGraphicFramePr>
+          <p:cNvPr id="19" name="표 18"/>
+          <p:cNvGraphicFramePr>
+            <a:graphicFrameLocks noGrp="1"/>
+          </p:cNvGraphicFramePr>
+          <p:nvPr/>
+        </p:nvGraphicFramePr>
+        <p:xfrm>
+          <a:off x="1847107" y="4946205"/>
+          <a:ext cx="2537505" cy="741680"/>
+        </p:xfrm>
+        <a:graphic>
+          <a:graphicData uri="http://schemas.openxmlformats.org/drawingml/2006/table">
+            <a:tbl>
+              <a:tblPr firstRow="1" bandRow="1">
+                <a:tableStyleId>{5C22544A-7EE6-4342-B048-85BDC9FD1C3A}</a:tableStyleId>
+              </a:tblPr>
+              <a:tblGrid>
+                <a:gridCol w="507501">
+                  <a:extLst>
+                    <a:ext uri="{9D8B030D-6E8A-4147-A177-3AD203B41FA5}">
+                      <a16:colId xmlns:a16="http://schemas.microsoft.com/office/drawing/2014/main" val="108731994"/>
+                    </a:ext>
+                  </a:extLst>
+                </a:gridCol>
+                <a:gridCol w="507501">
+                  <a:extLst>
+                    <a:ext uri="{9D8B030D-6E8A-4147-A177-3AD203B41FA5}">
+                      <a16:colId xmlns:a16="http://schemas.microsoft.com/office/drawing/2014/main" val="2177128969"/>
+                    </a:ext>
+                  </a:extLst>
+                </a:gridCol>
+                <a:gridCol w="507501">
+                  <a:extLst>
+                    <a:ext uri="{9D8B030D-6E8A-4147-A177-3AD203B41FA5}">
+                      <a16:colId xmlns:a16="http://schemas.microsoft.com/office/drawing/2014/main" val="2388997183"/>
+                    </a:ext>
+                  </a:extLst>
+                </a:gridCol>
+                <a:gridCol w="507501">
+                  <a:extLst>
+                    <a:ext uri="{9D8B030D-6E8A-4147-A177-3AD203B41FA5}">
+                      <a16:colId xmlns:a16="http://schemas.microsoft.com/office/drawing/2014/main" val="4144247061"/>
+                    </a:ext>
+                  </a:extLst>
+                </a:gridCol>
+                <a:gridCol w="507501">
+                  <a:extLst>
+                    <a:ext uri="{9D8B030D-6E8A-4147-A177-3AD203B41FA5}">
+                      <a16:colId xmlns:a16="http://schemas.microsoft.com/office/drawing/2014/main" val="1459463141"/>
+                    </a:ext>
+                  </a:extLst>
+                </a:gridCol>
+              </a:tblGrid>
+              <a:tr h="370840">
+                <a:tc>
+                  <a:txBody>
+                    <a:bodyPr/>
+                    <a:lstStyle/>
+                    <a:p>
+                      <a:pPr latinLnBrk="1"/>
+                      <a:r>
+                        <a:rPr lang="en-US" altLang="ko-KR" dirty="0" smtClean="0"/>
+                        <a:t>1</a:t>
+                      </a:r>
+                      <a:endParaRPr lang="ko-KR" altLang="en-US" dirty="0"/>
+                    </a:p>
+                  </a:txBody>
+                  <a:tcPr/>
+                </a:tc>
+                <a:tc>
+                  <a:txBody>
+                    <a:bodyPr/>
+                    <a:lstStyle/>
+                    <a:p>
+                      <a:pPr latinLnBrk="1"/>
+                      <a:r>
+                        <a:rPr lang="en-US" altLang="ko-KR" dirty="0" smtClean="0"/>
+                        <a:t>2</a:t>
+                      </a:r>
+                      <a:endParaRPr lang="ko-KR" altLang="en-US" dirty="0"/>
+                    </a:p>
+                  </a:txBody>
+                  <a:tcPr/>
+                </a:tc>
+                <a:tc>
+                  <a:txBody>
+                    <a:bodyPr/>
+                    <a:lstStyle/>
+                    <a:p>
+                      <a:pPr latinLnBrk="1"/>
+                      <a:r>
+                        <a:rPr lang="en-US" altLang="ko-KR" dirty="0" smtClean="0"/>
+                        <a:t>3</a:t>
+                      </a:r>
+                      <a:endParaRPr lang="ko-KR" altLang="en-US" dirty="0"/>
+                    </a:p>
+                  </a:txBody>
+                  <a:tcPr/>
+                </a:tc>
+                <a:tc>
+                  <a:txBody>
+                    <a:bodyPr/>
+                    <a:lstStyle/>
+                    <a:p>
+                      <a:pPr latinLnBrk="1"/>
+                      <a:r>
+                        <a:rPr lang="en-US" altLang="ko-KR" dirty="0" smtClean="0"/>
+                        <a:t>4</a:t>
+                      </a:r>
+                      <a:endParaRPr lang="ko-KR" altLang="en-US" dirty="0"/>
+                    </a:p>
+                  </a:txBody>
+                  <a:tcPr/>
+                </a:tc>
+                <a:tc>
+                  <a:txBody>
+                    <a:bodyPr/>
+                    <a:lstStyle/>
+                    <a:p>
+                      <a:pPr latinLnBrk="1"/>
+                      <a:r>
+                        <a:rPr lang="en-US" altLang="ko-KR" dirty="0" smtClean="0"/>
+                        <a:t>5</a:t>
+                      </a:r>
+                      <a:endParaRPr lang="ko-KR" altLang="en-US" dirty="0"/>
+                    </a:p>
+                  </a:txBody>
+                  <a:tcPr/>
+                </a:tc>
+                <a:extLst>
+                  <a:ext uri="{0D108BD9-81ED-4DB2-BD59-A6C34878D82A}">
+                    <a16:rowId xmlns:a16="http://schemas.microsoft.com/office/drawing/2014/main" val="1638233791"/>
+                  </a:ext>
+                </a:extLst>
+              </a:tr>
+              <a:tr h="370840">
+                <a:tc>
+                  <a:txBody>
+                    <a:bodyPr/>
+                    <a:lstStyle/>
+                    <a:p>
+                      <a:pPr latinLnBrk="1"/>
+                      <a:r>
+                        <a:rPr lang="en-US" altLang="ko-KR" dirty="0" smtClean="0"/>
+                        <a:t>1</a:t>
+                      </a:r>
+                      <a:endParaRPr lang="ko-KR" altLang="en-US" dirty="0"/>
+                    </a:p>
+                  </a:txBody>
+                  <a:tcPr/>
+                </a:tc>
+                <a:tc>
+                  <a:txBody>
+                    <a:bodyPr/>
+                    <a:lstStyle/>
+                    <a:p>
+                      <a:pPr latinLnBrk="1"/>
+                      <a:r>
+                        <a:rPr lang="en-US" altLang="ko-KR" dirty="0" smtClean="0"/>
+                        <a:t>2</a:t>
+                      </a:r>
+                      <a:endParaRPr lang="ko-KR" altLang="en-US" dirty="0"/>
+                    </a:p>
+                  </a:txBody>
+                  <a:tcPr/>
+                </a:tc>
+                <a:tc>
+                  <a:txBody>
+                    <a:bodyPr/>
+                    <a:lstStyle/>
+                    <a:p>
+                      <a:pPr latinLnBrk="1"/>
+                      <a:r>
+                        <a:rPr lang="en-US" altLang="ko-KR" dirty="0" smtClean="0"/>
+                        <a:t>2</a:t>
+                      </a:r>
+                      <a:endParaRPr lang="ko-KR" altLang="en-US" dirty="0"/>
+                    </a:p>
+                  </a:txBody>
+                  <a:tcPr/>
+                </a:tc>
+                <a:tc>
+                  <a:txBody>
+                    <a:bodyPr/>
+                    <a:lstStyle/>
+                    <a:p>
+                      <a:pPr latinLnBrk="1"/>
+                      <a:r>
+                        <a:rPr lang="en-US" altLang="ko-KR" dirty="0" smtClean="0"/>
+                        <a:t>1</a:t>
+                      </a:r>
+                      <a:endParaRPr lang="ko-KR" altLang="en-US" dirty="0"/>
+                    </a:p>
+                  </a:txBody>
+                  <a:tcPr/>
+                </a:tc>
+                <a:tc>
+                  <a:txBody>
+                    <a:bodyPr/>
+                    <a:lstStyle/>
+                    <a:p>
+                      <a:pPr latinLnBrk="1"/>
+                      <a:r>
+                        <a:rPr lang="en-US" altLang="ko-KR" dirty="0" smtClean="0"/>
+                        <a:t>2</a:t>
+                      </a:r>
+                      <a:endParaRPr lang="ko-KR" altLang="en-US" dirty="0"/>
+                    </a:p>
+                  </a:txBody>
+                  <a:tcPr/>
+                </a:tc>
+                <a:extLst>
+                  <a:ext uri="{0D108BD9-81ED-4DB2-BD59-A6C34878D82A}">
+                    <a16:rowId xmlns:a16="http://schemas.microsoft.com/office/drawing/2014/main" val="3748700917"/>
+                  </a:ext>
+                </a:extLst>
+              </a:tr>
+            </a:tbl>
+          </a:graphicData>
+        </a:graphic>
+      </p:graphicFrame>
+      <p:sp>
+        <p:nvSpPr>
+          <p:cNvPr id="20" name="TextBox 19"/>
+          <p:cNvSpPr txBox="1"/>
+          <p:nvPr/>
+        </p:nvSpPr>
+        <p:spPr>
+          <a:xfrm>
+            <a:off x="7271590" y="5155335"/>
+            <a:ext cx="1316603" cy="369332"/>
+          </a:xfrm>
+          <a:prstGeom prst="rect">
+            <a:avLst/>
+          </a:prstGeom>
+          <a:noFill/>
+        </p:spPr>
+        <p:txBody>
+          <a:bodyPr wrap="square" rtlCol="0">
+            <a:spAutoFit/>
+          </a:bodyPr>
+          <a:lstStyle/>
+          <a:p>
+            <a:r>
+              <a:rPr lang="en-US" altLang="ko-KR" dirty="0" smtClean="0"/>
+              <a:t>Next1=6</a:t>
+            </a:r>
+            <a:endParaRPr lang="ko-KR" altLang="en-US" dirty="0"/>
+          </a:p>
+        </p:txBody>
+      </p:sp>
+      <p:graphicFrame>
+        <p:nvGraphicFramePr>
+          <p:cNvPr id="63" name="표 62"/>
+          <p:cNvGraphicFramePr>
+            <a:graphicFrameLocks noGrp="1"/>
+          </p:cNvGraphicFramePr>
+          <p:nvPr/>
+        </p:nvGraphicFramePr>
+        <p:xfrm>
+          <a:off x="1851025" y="5732648"/>
+          <a:ext cx="2537505" cy="645160"/>
+        </p:xfrm>
+        <a:graphic>
+          <a:graphicData uri="http://schemas.openxmlformats.org/drawingml/2006/table">
+            <a:tbl>
+              <a:tblPr firstRow="1" bandRow="1">
+                <a:tableStyleId>{5C22544A-7EE6-4342-B048-85BDC9FD1C3A}</a:tableStyleId>
+              </a:tblPr>
+              <a:tblGrid>
+                <a:gridCol w="507501">
+                  <a:extLst>
+                    <a:ext uri="{9D8B030D-6E8A-4147-A177-3AD203B41FA5}">
+                      <a16:colId xmlns:a16="http://schemas.microsoft.com/office/drawing/2014/main" val="108731994"/>
+                    </a:ext>
+                  </a:extLst>
+                </a:gridCol>
+                <a:gridCol w="507501">
+                  <a:extLst>
+                    <a:ext uri="{9D8B030D-6E8A-4147-A177-3AD203B41FA5}">
+                      <a16:colId xmlns:a16="http://schemas.microsoft.com/office/drawing/2014/main" val="2177128969"/>
+                    </a:ext>
+                  </a:extLst>
+                </a:gridCol>
+                <a:gridCol w="507501">
+                  <a:extLst>
+                    <a:ext uri="{9D8B030D-6E8A-4147-A177-3AD203B41FA5}">
+                      <a16:colId xmlns:a16="http://schemas.microsoft.com/office/drawing/2014/main" val="2388997183"/>
+                    </a:ext>
+                  </a:extLst>
+                </a:gridCol>
+                <a:gridCol w="507501">
+                  <a:extLst>
+                    <a:ext uri="{9D8B030D-6E8A-4147-A177-3AD203B41FA5}">
+                      <a16:colId xmlns:a16="http://schemas.microsoft.com/office/drawing/2014/main" val="4144247061"/>
+                    </a:ext>
+                  </a:extLst>
+                </a:gridCol>
+                <a:gridCol w="507501">
+                  <a:extLst>
+                    <a:ext uri="{9D8B030D-6E8A-4147-A177-3AD203B41FA5}">
+                      <a16:colId xmlns:a16="http://schemas.microsoft.com/office/drawing/2014/main" val="1459463141"/>
+                    </a:ext>
+                  </a:extLst>
+                </a:gridCol>
+              </a:tblGrid>
+              <a:tr h="0">
+                <a:tc>
+                  <a:txBody>
+                    <a:bodyPr/>
+                    <a:lstStyle/>
+                    <a:p>
+                      <a:pPr latinLnBrk="1"/>
+                      <a:r>
+                        <a:rPr lang="en-US" altLang="ko-KR" sz="1200" dirty="0" smtClean="0"/>
+                        <a:t>1</a:t>
+                      </a:r>
+                      <a:endParaRPr lang="ko-KR" altLang="en-US" sz="1200" dirty="0"/>
+                    </a:p>
+                  </a:txBody>
+                  <a:tcPr/>
+                </a:tc>
+                <a:tc>
+                  <a:txBody>
+                    <a:bodyPr/>
+                    <a:lstStyle/>
+                    <a:p>
+                      <a:pPr latinLnBrk="1"/>
+                      <a:r>
+                        <a:rPr lang="en-US" altLang="ko-KR" sz="1200" dirty="0" smtClean="0"/>
+                        <a:t>2</a:t>
+                      </a:r>
+                      <a:endParaRPr lang="ko-KR" altLang="en-US" sz="1200" dirty="0"/>
+                    </a:p>
+                  </a:txBody>
+                  <a:tcPr/>
+                </a:tc>
+                <a:tc>
+                  <a:txBody>
+                    <a:bodyPr/>
+                    <a:lstStyle/>
+                    <a:p>
+                      <a:pPr latinLnBrk="1"/>
+                      <a:r>
+                        <a:rPr lang="en-US" altLang="ko-KR" sz="1200" dirty="0" smtClean="0"/>
+                        <a:t>3</a:t>
+                      </a:r>
+                      <a:endParaRPr lang="ko-KR" altLang="en-US" sz="1200" dirty="0"/>
+                    </a:p>
+                  </a:txBody>
+                  <a:tcPr/>
+                </a:tc>
+                <a:tc>
+                  <a:txBody>
+                    <a:bodyPr/>
+                    <a:lstStyle/>
+                    <a:p>
+                      <a:pPr latinLnBrk="1"/>
+                      <a:r>
+                        <a:rPr lang="en-US" altLang="ko-KR" sz="1200" dirty="0" smtClean="0"/>
+                        <a:t>4</a:t>
+                      </a:r>
+                      <a:endParaRPr lang="ko-KR" altLang="en-US" sz="1200" dirty="0"/>
+                    </a:p>
+                  </a:txBody>
+                  <a:tcPr/>
+                </a:tc>
+                <a:tc>
+                  <a:txBody>
+                    <a:bodyPr/>
+                    <a:lstStyle/>
+                    <a:p>
+                      <a:pPr latinLnBrk="1"/>
+                      <a:r>
+                        <a:rPr lang="en-US" altLang="ko-KR" sz="1200" dirty="0" smtClean="0"/>
+                        <a:t>5</a:t>
+                      </a:r>
+                      <a:endParaRPr lang="ko-KR" altLang="en-US" sz="1200" dirty="0"/>
+                    </a:p>
+                  </a:txBody>
+                  <a:tcPr/>
+                </a:tc>
+                <a:extLst>
+                  <a:ext uri="{0D108BD9-81ED-4DB2-BD59-A6C34878D82A}">
+                    <a16:rowId xmlns:a16="http://schemas.microsoft.com/office/drawing/2014/main" val="1638233791"/>
+                  </a:ext>
+                </a:extLst>
+              </a:tr>
+              <a:tr h="370840">
+                <a:tc>
+                  <a:txBody>
+                    <a:bodyPr/>
+                    <a:lstStyle/>
+                    <a:p>
+                      <a:pPr latinLnBrk="1"/>
+                      <a:r>
+                        <a:rPr lang="en-US" altLang="ko-KR" sz="1200" dirty="0" err="1" smtClean="0"/>
+                        <a:t>Ture</a:t>
+                      </a:r>
+                      <a:endParaRPr lang="ko-KR" altLang="en-US" sz="1200" dirty="0"/>
+                    </a:p>
+                  </a:txBody>
+                  <a:tcPr/>
+                </a:tc>
+                <a:tc>
+                  <a:txBody>
+                    <a:bodyPr/>
+                    <a:lstStyle/>
+                    <a:p>
+                      <a:pPr marL="0" marR="0" lvl="0" indent="0" algn="l" defTabSz="914400" rtl="0" eaLnBrk="1" fontAlgn="auto" latinLnBrk="1" hangingPunct="1">
+                        <a:lnSpc>
+                          <a:spcPct val="100000"/>
+                        </a:lnSpc>
+                        <a:spcBef>
+                          <a:spcPts val="0"/>
+                        </a:spcBef>
+                        <a:spcAft>
+                          <a:spcPts val="0"/>
+                        </a:spcAft>
+                        <a:buClrTx/>
+                        <a:buSzTx/>
+                        <a:buFontTx/>
+                        <a:buNone/>
+                        <a:tabLst/>
+                        <a:defRPr/>
+                      </a:pPr>
+                      <a:r>
+                        <a:rPr kumimoji="0" lang="en-US" altLang="ko-KR" sz="1200" b="0" i="0" u="none" strike="noStrike" kern="1200" cap="none" spc="0" normalizeH="0" baseline="0" noProof="0" dirty="0" smtClean="0">
+                          <a:ln>
+                            <a:noFill/>
+                          </a:ln>
+                          <a:solidFill>
+                            <a:prstClr val="black"/>
+                          </a:solidFill>
+                          <a:effectLst/>
+                          <a:uLnTx/>
+                          <a:uFillTx/>
+                          <a:latin typeface="맑은 고딕" panose="020F0502020204030204"/>
+                          <a:ea typeface="맑은 고딕" panose="020B0503020000020004" pitchFamily="50" charset="-127"/>
+                          <a:cs typeface="+mn-cs"/>
+                        </a:rPr>
+                        <a:t>True</a:t>
+                      </a:r>
+                      <a:endParaRPr kumimoji="0" lang="ko-KR" altLang="en-US" sz="1200" b="0" i="0" u="none" strike="noStrike" kern="1200" cap="none" spc="0" normalizeH="0" baseline="0" noProof="0" dirty="0">
+                        <a:ln>
+                          <a:noFill/>
+                        </a:ln>
+                        <a:solidFill>
+                          <a:prstClr val="black"/>
+                        </a:solidFill>
+                        <a:effectLst/>
+                        <a:uLnTx/>
+                        <a:uFillTx/>
+                        <a:latin typeface="맑은 고딕" panose="020F0502020204030204"/>
+                        <a:ea typeface="맑은 고딕" panose="020B0503020000020004" pitchFamily="50" charset="-127"/>
+                        <a:cs typeface="+mn-cs"/>
+                      </a:endParaRPr>
+                    </a:p>
+                  </a:txBody>
+                  <a:tcPr/>
+                </a:tc>
+                <a:tc>
+                  <a:txBody>
+                    <a:bodyPr/>
+                    <a:lstStyle/>
+                    <a:p>
+                      <a:pPr marL="0" marR="0" lvl="0" indent="0" algn="l" defTabSz="914400" rtl="0" eaLnBrk="1" fontAlgn="auto" latinLnBrk="1" hangingPunct="1">
+                        <a:lnSpc>
+                          <a:spcPct val="100000"/>
+                        </a:lnSpc>
+                        <a:spcBef>
+                          <a:spcPts val="0"/>
+                        </a:spcBef>
+                        <a:spcAft>
+                          <a:spcPts val="0"/>
+                        </a:spcAft>
+                        <a:buClrTx/>
+                        <a:buSzTx/>
+                        <a:buFontTx/>
+                        <a:buNone/>
+                        <a:tabLst/>
+                        <a:defRPr/>
+                      </a:pPr>
+                      <a:r>
+                        <a:rPr kumimoji="0" lang="en-US" altLang="ko-KR" sz="1200" b="0" i="0" u="none" strike="noStrike" kern="1200" cap="none" spc="0" normalizeH="0" baseline="0" noProof="0" dirty="0" smtClean="0">
+                          <a:ln>
+                            <a:noFill/>
+                          </a:ln>
+                          <a:solidFill>
+                            <a:prstClr val="black"/>
+                          </a:solidFill>
+                          <a:effectLst/>
+                          <a:uLnTx/>
+                          <a:uFillTx/>
+                          <a:latin typeface="맑은 고딕" panose="020F0502020204030204"/>
+                          <a:ea typeface="맑은 고딕" panose="020B0503020000020004" pitchFamily="50" charset="-127"/>
+                          <a:cs typeface="+mn-cs"/>
+                        </a:rPr>
+                        <a:t>True</a:t>
+                      </a:r>
+                      <a:endParaRPr kumimoji="0" lang="ko-KR" altLang="en-US" sz="1200" b="0" i="0" u="none" strike="noStrike" kern="1200" cap="none" spc="0" normalizeH="0" baseline="0" noProof="0" dirty="0">
+                        <a:ln>
+                          <a:noFill/>
+                        </a:ln>
+                        <a:solidFill>
+                          <a:prstClr val="black"/>
+                        </a:solidFill>
+                        <a:effectLst/>
+                        <a:uLnTx/>
+                        <a:uFillTx/>
+                        <a:latin typeface="맑은 고딕" panose="020F0502020204030204"/>
+                        <a:ea typeface="맑은 고딕" panose="020B0503020000020004" pitchFamily="50" charset="-127"/>
+                        <a:cs typeface="+mn-cs"/>
+                      </a:endParaRPr>
+                    </a:p>
+                  </a:txBody>
+                  <a:tcPr/>
+                </a:tc>
+                <a:tc>
+                  <a:txBody>
+                    <a:bodyPr/>
+                    <a:lstStyle/>
+                    <a:p>
+                      <a:pPr marL="0" marR="0" lvl="0" indent="0" algn="l" defTabSz="914400" rtl="0" eaLnBrk="1" fontAlgn="auto" latinLnBrk="1" hangingPunct="1">
+                        <a:lnSpc>
+                          <a:spcPct val="100000"/>
+                        </a:lnSpc>
+                        <a:spcBef>
+                          <a:spcPts val="0"/>
+                        </a:spcBef>
+                        <a:spcAft>
+                          <a:spcPts val="0"/>
+                        </a:spcAft>
+                        <a:buClrTx/>
+                        <a:buSzTx/>
+                        <a:buFontTx/>
+                        <a:buNone/>
+                        <a:tabLst/>
+                        <a:defRPr/>
+                      </a:pPr>
+                      <a:r>
+                        <a:rPr kumimoji="0" lang="en-US" altLang="ko-KR" sz="1200" b="0" i="0" u="none" strike="noStrike" kern="1200" cap="none" spc="0" normalizeH="0" baseline="0" noProof="0" dirty="0" smtClean="0">
+                          <a:ln>
+                            <a:noFill/>
+                          </a:ln>
+                          <a:solidFill>
+                            <a:prstClr val="black"/>
+                          </a:solidFill>
+                          <a:effectLst/>
+                          <a:uLnTx/>
+                          <a:uFillTx/>
+                          <a:latin typeface="맑은 고딕" panose="020F0502020204030204"/>
+                          <a:ea typeface="맑은 고딕" panose="020B0503020000020004" pitchFamily="50" charset="-127"/>
+                          <a:cs typeface="+mn-cs"/>
+                        </a:rPr>
+                        <a:t>True</a:t>
+                      </a:r>
+                      <a:endParaRPr kumimoji="0" lang="ko-KR" altLang="en-US" sz="1200" b="0" i="0" u="none" strike="noStrike" kern="1200" cap="none" spc="0" normalizeH="0" baseline="0" noProof="0" dirty="0">
+                        <a:ln>
+                          <a:noFill/>
+                        </a:ln>
+                        <a:solidFill>
+                          <a:prstClr val="black"/>
+                        </a:solidFill>
+                        <a:effectLst/>
+                        <a:uLnTx/>
+                        <a:uFillTx/>
+                        <a:latin typeface="맑은 고딕" panose="020F0502020204030204"/>
+                        <a:ea typeface="맑은 고딕" panose="020B0503020000020004" pitchFamily="50" charset="-127"/>
+                        <a:cs typeface="+mn-cs"/>
+                      </a:endParaRPr>
+                    </a:p>
+                  </a:txBody>
+                  <a:tcPr/>
+                </a:tc>
+                <a:tc>
+                  <a:txBody>
+                    <a:bodyPr/>
+                    <a:lstStyle/>
+                    <a:p>
+                      <a:pPr marL="0" marR="0" lvl="0" indent="0" algn="l" defTabSz="914400" rtl="0" eaLnBrk="1" fontAlgn="auto" latinLnBrk="1" hangingPunct="1">
+                        <a:lnSpc>
+                          <a:spcPct val="100000"/>
+                        </a:lnSpc>
+                        <a:spcBef>
+                          <a:spcPts val="0"/>
+                        </a:spcBef>
+                        <a:spcAft>
+                          <a:spcPts val="0"/>
+                        </a:spcAft>
+                        <a:buClrTx/>
+                        <a:buSzTx/>
+                        <a:buFontTx/>
+                        <a:buNone/>
+                        <a:tabLst/>
+                        <a:defRPr/>
+                      </a:pPr>
+                      <a:r>
+                        <a:rPr kumimoji="0" lang="en-US" altLang="ko-KR" sz="1200" b="0" i="0" u="none" strike="noStrike" kern="1200" cap="none" spc="0" normalizeH="0" baseline="0" noProof="0" dirty="0" smtClean="0">
+                          <a:ln>
+                            <a:noFill/>
+                          </a:ln>
+                          <a:solidFill>
+                            <a:prstClr val="black"/>
+                          </a:solidFill>
+                          <a:effectLst/>
+                          <a:uLnTx/>
+                          <a:uFillTx/>
+                          <a:latin typeface="맑은 고딕" panose="020F0502020204030204"/>
+                          <a:ea typeface="맑은 고딕" panose="020B0503020000020004" pitchFamily="50" charset="-127"/>
+                          <a:cs typeface="+mn-cs"/>
+                        </a:rPr>
+                        <a:t>True</a:t>
+                      </a:r>
+                      <a:endParaRPr kumimoji="0" lang="ko-KR" altLang="en-US" sz="1200" b="0" i="0" u="none" strike="noStrike" kern="1200" cap="none" spc="0" normalizeH="0" baseline="0" noProof="0" dirty="0">
+                        <a:ln>
+                          <a:noFill/>
+                        </a:ln>
+                        <a:solidFill>
+                          <a:prstClr val="black"/>
+                        </a:solidFill>
+                        <a:effectLst/>
+                        <a:uLnTx/>
+                        <a:uFillTx/>
+                        <a:latin typeface="맑은 고딕" panose="020F0502020204030204"/>
+                        <a:ea typeface="맑은 고딕" panose="020B0503020000020004" pitchFamily="50" charset="-127"/>
+                        <a:cs typeface="+mn-cs"/>
+                      </a:endParaRPr>
+                    </a:p>
+                  </a:txBody>
+                  <a:tcPr/>
+                </a:tc>
+                <a:extLst>
+                  <a:ext uri="{0D108BD9-81ED-4DB2-BD59-A6C34878D82A}">
+                    <a16:rowId xmlns:a16="http://schemas.microsoft.com/office/drawing/2014/main" val="3748700917"/>
+                  </a:ext>
+                </a:extLst>
+              </a:tr>
+            </a:tbl>
+          </a:graphicData>
+        </a:graphic>
+      </p:graphicFrame>
+      <p:sp>
+        <p:nvSpPr>
+          <p:cNvPr id="24" name="TextBox 23"/>
+          <p:cNvSpPr txBox="1"/>
+          <p:nvPr/>
+        </p:nvSpPr>
+        <p:spPr>
+          <a:xfrm>
+            <a:off x="5232898" y="4706978"/>
+            <a:ext cx="778673" cy="369332"/>
+          </a:xfrm>
+          <a:prstGeom prst="rect">
+            <a:avLst/>
+          </a:prstGeom>
+          <a:noFill/>
+        </p:spPr>
+        <p:txBody>
+          <a:bodyPr wrap="square" rtlCol="0">
+            <a:spAutoFit/>
+          </a:bodyPr>
+          <a:lstStyle/>
+          <a:p>
+            <a:r>
+              <a:rPr lang="en-US" altLang="ko-KR" dirty="0" err="1" smtClean="0"/>
+              <a:t>i</a:t>
+            </a:r>
+            <a:r>
+              <a:rPr lang="en-US" altLang="ko-KR" dirty="0" smtClean="0"/>
+              <a:t>=2</a:t>
+            </a:r>
+            <a:endParaRPr lang="ko-KR" altLang="en-US" dirty="0"/>
+          </a:p>
+        </p:txBody>
+      </p:sp>
+      <p:sp>
+        <p:nvSpPr>
+          <p:cNvPr id="65" name="직사각형 64"/>
+          <p:cNvSpPr/>
+          <p:nvPr/>
+        </p:nvSpPr>
+        <p:spPr>
+          <a:xfrm>
+            <a:off x="959570" y="5914309"/>
+            <a:ext cx="849592" cy="369332"/>
+          </a:xfrm>
+          <a:prstGeom prst="rect">
+            <a:avLst/>
+          </a:prstGeom>
+        </p:spPr>
+        <p:txBody>
+          <a:bodyPr wrap="none">
+            <a:spAutoFit/>
+          </a:bodyPr>
+          <a:lstStyle/>
+          <a:p>
+            <a:r>
+              <a:rPr lang="en-US" altLang="ko-KR" dirty="0" smtClean="0"/>
+              <a:t>visited</a:t>
+            </a:r>
+            <a:endParaRPr lang="ko-KR" altLang="en-US" dirty="0"/>
+          </a:p>
+        </p:txBody>
+      </p:sp>
+      <p:sp>
+        <p:nvSpPr>
+          <p:cNvPr id="68" name="타원 67"/>
+          <p:cNvSpPr/>
+          <p:nvPr/>
+        </p:nvSpPr>
+        <p:spPr>
+          <a:xfrm>
+            <a:off x="959570" y="3889230"/>
+            <a:ext cx="654936" cy="634534"/>
+          </a:xfrm>
+          <a:prstGeom prst="ellipse">
+            <a:avLst/>
+          </a:prstGeom>
+          <a:solidFill>
+            <a:schemeClr val="accent2"/>
+          </a:solidFill>
+          <a:ln>
+            <a:solidFill>
+              <a:schemeClr val="bg1"/>
+            </a:solidFill>
+          </a:ln>
+        </p:spPr>
+        <p:style>
+          <a:lnRef idx="2">
+            <a:schemeClr val="accent1">
+              <a:shade val="50000"/>
+            </a:schemeClr>
+          </a:lnRef>
+          <a:fillRef idx="1">
+            <a:schemeClr val="accent1"/>
+          </a:fillRef>
+          <a:effectRef idx="0">
+            <a:schemeClr val="accent1"/>
+          </a:effectRef>
+          <a:fontRef idx="minor">
+            <a:schemeClr val="lt1"/>
+          </a:fontRef>
+        </p:style>
+        <p:txBody>
+          <a:bodyPr rtlCol="0" anchor="ctr"/>
+          <a:lstStyle/>
+          <a:p>
+            <a:pPr algn="ctr"/>
+            <a:r>
+              <a:rPr lang="en-US" altLang="ko-KR" sz="1400" dirty="0">
+                <a:solidFill>
+                  <a:schemeClr val="tx1"/>
+                </a:solidFill>
+              </a:rPr>
+              <a:t>4</a:t>
+            </a:r>
+            <a:r>
+              <a:rPr lang="en-US" altLang="ko-KR" sz="1400" dirty="0" smtClean="0">
+                <a:solidFill>
+                  <a:schemeClr val="tx1"/>
+                </a:solidFill>
+              </a:rPr>
+              <a:t>,1</a:t>
+            </a:r>
+            <a:endParaRPr lang="ko-KR" altLang="en-US" sz="1400" dirty="0">
+              <a:solidFill>
+                <a:schemeClr val="tx1"/>
+              </a:solidFill>
+            </a:endParaRPr>
+          </a:p>
+        </p:txBody>
+      </p:sp>
+      <p:sp>
+        <p:nvSpPr>
+          <p:cNvPr id="69" name="타원 68"/>
+          <p:cNvSpPr/>
+          <p:nvPr/>
+        </p:nvSpPr>
+        <p:spPr>
+          <a:xfrm>
+            <a:off x="2416457" y="3645485"/>
+            <a:ext cx="654936" cy="634534"/>
+          </a:xfrm>
+          <a:prstGeom prst="ellipse">
+            <a:avLst/>
+          </a:prstGeom>
+          <a:ln>
+            <a:solidFill>
+              <a:srgbClr val="FF0000"/>
+            </a:solidFill>
+          </a:ln>
+        </p:spPr>
+        <p:style>
+          <a:lnRef idx="2">
+            <a:schemeClr val="accent1">
+              <a:shade val="50000"/>
+            </a:schemeClr>
+          </a:lnRef>
+          <a:fillRef idx="1">
+            <a:schemeClr val="accent1"/>
+          </a:fillRef>
+          <a:effectRef idx="0">
+            <a:schemeClr val="accent1"/>
+          </a:effectRef>
+          <a:fontRef idx="minor">
+            <a:schemeClr val="lt1"/>
+          </a:fontRef>
+        </p:style>
+        <p:txBody>
+          <a:bodyPr rtlCol="0" anchor="ctr"/>
+          <a:lstStyle/>
+          <a:p>
+            <a:pPr algn="ctr"/>
+            <a:r>
+              <a:rPr lang="en-US" altLang="ko-KR" sz="1400" dirty="0" smtClean="0">
+                <a:solidFill>
+                  <a:schemeClr val="tx1"/>
+                </a:solidFill>
+              </a:rPr>
+              <a:t>5,1</a:t>
+            </a:r>
+            <a:endParaRPr lang="ko-KR" altLang="en-US" sz="1400" dirty="0">
+              <a:solidFill>
+                <a:schemeClr val="tx1"/>
+              </a:solidFill>
+            </a:endParaRPr>
+          </a:p>
+        </p:txBody>
+      </p:sp>
+    </p:spTree>
+    <p:extLst>
+      <p:ext uri="{BB962C8B-B14F-4D97-AF65-F5344CB8AC3E}">
+        <p14:creationId xmlns:p14="http://schemas.microsoft.com/office/powerpoint/2010/main" val="3410968636"/>
+      </p:ext>
+    </p:extLst>
+  </p:cSld>
+  <p:clrMapOvr>
+    <a:masterClrMapping/>
+  </p:clrMapOvr>
+  <p:timing>
+    <p:tnLst>
+      <p:par>
+        <p:cTn id="1" dur="indefinite" restart="never" nodeType="tmRoot"/>
+      </p:par>
+    </p:tnLst>
+  </p:timing>
+</p:sld>
+</file>
+
+<file path=ppt/slides/slide5.xml><?xml version="1.0" encoding="utf-8"?>
 <p:sld xmlns:a="http://schemas.openxmlformats.org/drawingml/2006/main" xmlns:r="http://schemas.openxmlformats.org/officeDocument/2006/relationships" xmlns:p="http://schemas.openxmlformats.org/presentationml/2006/main">
   <p:cSld>
     <p:spTree>
